--- a/Aulas_OBI.pptx
+++ b/Aulas_OBI.pptx
@@ -5,7 +5,7 @@
     <p:sldMasterId id="2147483710" r:id="rId1"/>
   </p:sldMasterIdLst>
   <p:notesMasterIdLst>
-    <p:notesMasterId r:id="rId57"/>
+    <p:notesMasterId r:id="rId58"/>
   </p:notesMasterIdLst>
   <p:sldIdLst>
     <p:sldId id="256" r:id="rId2"/>
@@ -50,19 +50,20 @@
     <p:sldId id="293" r:id="rId41"/>
     <p:sldId id="296" r:id="rId42"/>
     <p:sldId id="297" r:id="rId43"/>
-    <p:sldId id="295" r:id="rId44"/>
-    <p:sldId id="298" r:id="rId45"/>
-    <p:sldId id="300" r:id="rId46"/>
-    <p:sldId id="301" r:id="rId47"/>
-    <p:sldId id="303" r:id="rId48"/>
-    <p:sldId id="304" r:id="rId49"/>
-    <p:sldId id="305" r:id="rId50"/>
-    <p:sldId id="306" r:id="rId51"/>
-    <p:sldId id="307" r:id="rId52"/>
-    <p:sldId id="308" r:id="rId53"/>
-    <p:sldId id="309" r:id="rId54"/>
-    <p:sldId id="311" r:id="rId55"/>
-    <p:sldId id="312" r:id="rId56"/>
+    <p:sldId id="314" r:id="rId44"/>
+    <p:sldId id="295" r:id="rId45"/>
+    <p:sldId id="298" r:id="rId46"/>
+    <p:sldId id="300" r:id="rId47"/>
+    <p:sldId id="301" r:id="rId48"/>
+    <p:sldId id="303" r:id="rId49"/>
+    <p:sldId id="304" r:id="rId50"/>
+    <p:sldId id="305" r:id="rId51"/>
+    <p:sldId id="306" r:id="rId52"/>
+    <p:sldId id="307" r:id="rId53"/>
+    <p:sldId id="308" r:id="rId54"/>
+    <p:sldId id="309" r:id="rId55"/>
+    <p:sldId id="311" r:id="rId56"/>
+    <p:sldId id="312" r:id="rId57"/>
   </p:sldIdLst>
   <p:sldSz cx="12192000" cy="6858000"/>
   <p:notesSz cx="6858000" cy="9144000"/>
@@ -251,7 +252,7 @@
           <a:p>
             <a:fld id="{B69D2DC8-070F-224C-98A5-5B0A83004840}" type="datetimeFigureOut">
               <a:rPr lang="pt-BR" smtClean="0"/>
-              <a:t>10/06/2020</a:t>
+              <a:t>12/06/2020</a:t>
             </a:fld>
             <a:endParaRPr lang="pt-BR"/>
           </a:p>
@@ -1103,7 +1104,7 @@
           <a:p>
             <a:fld id="{48A87A34-81AB-432B-8DAE-1953F412C126}" type="datetimeFigureOut">
               <a:rPr lang="en-US" smtClean="0"/>
-              <a:t>6/8/20</a:t>
+              <a:t>6/12/20</a:t>
             </a:fld>
             <a:endParaRPr lang="en-US" dirty="0"/>
           </a:p>
@@ -1282,7 +1283,7 @@
           <a:p>
             <a:fld id="{48A87A34-81AB-432B-8DAE-1953F412C126}" type="datetimeFigureOut">
               <a:rPr lang="en-US" smtClean="0"/>
-              <a:t>6/8/20</a:t>
+              <a:t>6/12/20</a:t>
             </a:fld>
             <a:endParaRPr lang="en-US" dirty="0"/>
           </a:p>
@@ -1462,7 +1463,7 @@
           <a:p>
             <a:fld id="{48A87A34-81AB-432B-8DAE-1953F412C126}" type="datetimeFigureOut">
               <a:rPr lang="en-US" smtClean="0"/>
-              <a:t>6/8/20</a:t>
+              <a:t>6/12/20</a:t>
             </a:fld>
             <a:endParaRPr lang="en-US" dirty="0"/>
           </a:p>
@@ -1632,7 +1633,7 @@
           <a:p>
             <a:fld id="{48A87A34-81AB-432B-8DAE-1953F412C126}" type="datetimeFigureOut">
               <a:rPr lang="en-US" smtClean="0"/>
-              <a:t>6/8/20</a:t>
+              <a:t>6/12/20</a:t>
             </a:fld>
             <a:endParaRPr lang="en-US" dirty="0"/>
           </a:p>
@@ -1953,7 +1954,7 @@
           <a:p>
             <a:fld id="{48A87A34-81AB-432B-8DAE-1953F412C126}" type="datetimeFigureOut">
               <a:rPr lang="en-US" smtClean="0"/>
-              <a:t>6/8/20</a:t>
+              <a:t>6/12/20</a:t>
             </a:fld>
             <a:endParaRPr lang="en-US" dirty="0"/>
           </a:p>
@@ -2413,7 +2414,7 @@
           <a:p>
             <a:fld id="{48A87A34-81AB-432B-8DAE-1953F412C126}" type="datetimeFigureOut">
               <a:rPr lang="en-US" smtClean="0"/>
-              <a:t>6/8/20</a:t>
+              <a:t>6/12/20</a:t>
             </a:fld>
             <a:endParaRPr lang="en-US" dirty="0"/>
           </a:p>
@@ -2824,7 +2825,7 @@
           <a:p>
             <a:fld id="{48A87A34-81AB-432B-8DAE-1953F412C126}" type="datetimeFigureOut">
               <a:rPr lang="en-US" smtClean="0"/>
-              <a:t>6/8/20</a:t>
+              <a:t>6/12/20</a:t>
             </a:fld>
             <a:endParaRPr lang="en-US" dirty="0"/>
           </a:p>
@@ -2942,7 +2943,7 @@
           <a:p>
             <a:fld id="{48A87A34-81AB-432B-8DAE-1953F412C126}" type="datetimeFigureOut">
               <a:rPr lang="en-US" smtClean="0"/>
-              <a:t>6/8/20</a:t>
+              <a:t>6/12/20</a:t>
             </a:fld>
             <a:endParaRPr lang="en-US" dirty="0"/>
           </a:p>
@@ -3060,7 +3061,7 @@
           <a:p>
             <a:fld id="{48A87A34-81AB-432B-8DAE-1953F412C126}" type="datetimeFigureOut">
               <a:rPr lang="en-US" smtClean="0"/>
-              <a:t>6/8/20</a:t>
+              <a:t>6/12/20</a:t>
             </a:fld>
             <a:endParaRPr lang="en-US" dirty="0"/>
           </a:p>
@@ -3418,7 +3419,7 @@
           <a:p>
             <a:fld id="{48A87A34-81AB-432B-8DAE-1953F412C126}" type="datetimeFigureOut">
               <a:rPr lang="en-US" smtClean="0"/>
-              <a:t>6/8/20</a:t>
+              <a:t>6/12/20</a:t>
             </a:fld>
             <a:endParaRPr lang="en-US" dirty="0"/>
           </a:p>
@@ -3925,7 +3926,7 @@
           <a:p>
             <a:fld id="{48A87A34-81AB-432B-8DAE-1953F412C126}" type="datetimeFigureOut">
               <a:rPr lang="en-US" smtClean="0"/>
-              <a:t>6/8/20</a:t>
+              <a:t>6/12/20</a:t>
             </a:fld>
             <a:endParaRPr lang="en-US" dirty="0"/>
           </a:p>
@@ -4281,7 +4282,7 @@
             <a:fld id="{48A87A34-81AB-432B-8DAE-1953F412C126}" type="datetimeFigureOut">
               <a:rPr lang="en-US" smtClean="0"/>
               <a:pPr/>
-              <a:t>6/8/20</a:t>
+              <a:t>6/12/20</a:t>
             </a:fld>
             <a:endParaRPr lang="en-US" dirty="0"/>
           </a:p>
@@ -23894,8 +23895,12 @@
           <a:lstStyle/>
           <a:p>
             <a:r>
+              <a:rPr lang="pt-BR" sz="2400" b="1" dirty="0"/>
+              <a:t>Entendendo a questão</a:t>
+            </a:r>
+            <a:r>
               <a:rPr lang="pt-BR" sz="2400" dirty="0"/>
-              <a:t>Entendendo a questão: dada um conjunto de intersecções, encontrar o maior caminho de todas as intersecções seguindo o enunciado.</a:t>
+              <a:t>: dada um conjunto de intersecções, encontrar o maior caminho de todas as intersecções seguindo o enunciado.</a:t>
             </a:r>
           </a:p>
           <a:p>
@@ -23924,8 +23929,12 @@
               <a:t>K</a:t>
             </a:r>
             <a:r>
+              <a:rPr lang="pt-BR" sz="2400" b="1" dirty="0"/>
+              <a:t>.</a:t>
+            </a:r>
+            <a:r>
               <a:rPr lang="pt-BR" sz="2400" dirty="0"/>
-              <a:t> e </a:t>
+              <a:t> Seja </a:t>
             </a:r>
             <a:r>
               <a:rPr lang="pt-BR" sz="2400" b="1" i="1" dirty="0"/>
@@ -23949,7 +23958,15 @@
             </a:r>
             <a:r>
               <a:rPr lang="pt-BR" sz="2400" b="1" i="1" baseline="-25000" dirty="0"/>
-              <a:t>3...</a:t>
+              <a:t>3</a:t>
+            </a:r>
+            <a:r>
+              <a:rPr lang="pt-BR" sz="2400" b="1" i="1" dirty="0"/>
+              <a:t>,</a:t>
+            </a:r>
+            <a:r>
+              <a:rPr lang="pt-BR" sz="2400" b="1" i="1" baseline="-25000" dirty="0"/>
+              <a:t>...</a:t>
             </a:r>
             <a:r>
               <a:rPr lang="pt-BR" sz="2400" b="1" i="1" dirty="0"/>
@@ -23976,7 +23993,7 @@
               <a:t>, encontre o maior caminho de </a:t>
             </a:r>
             <a:r>
-              <a:rPr lang="pt-BR" sz="2400" dirty="0" err="1"/>
+              <a:rPr lang="pt-BR" sz="2400" b="1" dirty="0" err="1"/>
               <a:t>P</a:t>
             </a:r>
             <a:r>
@@ -24649,7 +24666,7 @@
           <a:p>
             <a:r>
               <a:rPr lang="pt-BR" sz="2000" dirty="0"/>
-              <a:t>P1,P2,P5,P4, onde P1 e P5 são crescentes e P2 e P4 são crescentes.</a:t>
+              <a:t>P1,P2,P3,P4, onde P1 e P3 são crescentes e P2 e P4 são crescentes.</a:t>
             </a:r>
           </a:p>
           <a:p>
@@ -25572,7 +25589,7 @@
           <a:p>
             <a:r>
               <a:rPr lang="pt-BR" sz="2000" b="1" dirty="0"/>
-              <a:t>Maior caminho de 1 é: 4</a:t>
+              <a:t>Maior caminho do nó 1 é: 4</a:t>
             </a:r>
             <a:r>
               <a:rPr lang="pt-BR" sz="2000" dirty="0"/>
@@ -34085,7 +34102,7 @@
             </a:pPr>
             <a:r>
               <a:rPr lang="pt-BR" sz="2600" dirty="0"/>
-              <a:t>grafo: [[2,3,5],[1,5],[1],[5],[4]]</a:t>
+              <a:t>grafo: [[2,3,5],[1,5],[1],[5],[1,2,4]]</a:t>
             </a:r>
             <a:endParaRPr lang="pt-BR" sz="2200" dirty="0"/>
           </a:p>
@@ -35045,8 +35062,8 @@
         </p:nvCxnSpPr>
         <p:spPr>
           <a:xfrm>
-            <a:off x="5624137" y="3113352"/>
-            <a:ext cx="689005" cy="1236947"/>
+            <a:off x="5986130" y="3199388"/>
+            <a:ext cx="327012" cy="1150911"/>
           </a:xfrm>
           <a:prstGeom prst="straightConnector1">
             <a:avLst/>
@@ -35311,19 +35328,7 @@
             </a:br>
             <a:r>
               <a:rPr lang="pt-BR" dirty="0"/>
-              <a:t>    grafo[a-</a:t>
-            </a:r>
-            <a:r>
-              <a:rPr lang="pt-BR" dirty="0">
-                <a:solidFill>
-                  <a:srgbClr val="0000FF"/>
-                </a:solidFill>
-              </a:rPr>
-              <a:t>1</a:t>
-            </a:r>
-            <a:r>
-              <a:rPr lang="pt-BR" dirty="0"/>
-              <a:t>].</a:t>
+              <a:t>    grafo[a].</a:t>
             </a:r>
             <a:r>
               <a:rPr lang="pt-BR" dirty="0" err="1"/>
@@ -35331,15 +35336,11 @@
             </a:r>
             <a:r>
               <a:rPr lang="pt-BR" dirty="0"/>
-              <a:t>(b-</a:t>
-            </a:r>
-            <a:r>
-              <a:rPr lang="pt-BR" dirty="0">
-                <a:solidFill>
-                  <a:srgbClr val="0000FF"/>
-                </a:solidFill>
-              </a:rPr>
-              <a:t>1</a:t>
+              <a:t>(</a:t>
+            </a:r>
+            <a:r>
+              <a:rPr lang="pt-BR" dirty="0" err="1"/>
+              <a:t>b</a:t>
             </a:r>
             <a:r>
               <a:rPr lang="pt-BR" dirty="0"/>
@@ -35350,15 +35351,11 @@
             </a:br>
             <a:r>
               <a:rPr lang="pt-BR" dirty="0"/>
-              <a:t>    grafo[b-</a:t>
-            </a:r>
-            <a:r>
-              <a:rPr lang="pt-BR" dirty="0">
-                <a:solidFill>
-                  <a:srgbClr val="0000FF"/>
-                </a:solidFill>
-              </a:rPr>
-              <a:t>1</a:t>
+              <a:t>    grafo[</a:t>
+            </a:r>
+            <a:r>
+              <a:rPr lang="pt-BR" dirty="0" err="1"/>
+              <a:t>b</a:t>
             </a:r>
             <a:r>
               <a:rPr lang="pt-BR" dirty="0"/>
@@ -35370,19 +35367,7 @@
             </a:r>
             <a:r>
               <a:rPr lang="pt-BR" dirty="0"/>
-              <a:t>(a-</a:t>
-            </a:r>
-            <a:r>
-              <a:rPr lang="pt-BR" dirty="0">
-                <a:solidFill>
-                  <a:srgbClr val="0000FF"/>
-                </a:solidFill>
-              </a:rPr>
-              <a:t>1</a:t>
-            </a:r>
-            <a:r>
-              <a:rPr lang="pt-BR" dirty="0"/>
-              <a:t>)</a:t>
+              <a:t>(a)</a:t>
             </a:r>
           </a:p>
         </p:txBody>
@@ -35433,19 +35418,14 @@
             <p:ph type="title"/>
           </p:nvPr>
         </p:nvSpPr>
-        <p:spPr>
-          <a:xfrm>
-            <a:off x="1069847" y="484632"/>
-            <a:ext cx="10201777" cy="1609344"/>
-          </a:xfrm>
-        </p:spPr>
+        <p:spPr/>
         <p:txBody>
           <a:bodyPr/>
           <a:lstStyle/>
           <a:p>
             <a:r>
               <a:rPr lang="pt-BR" dirty="0"/>
-              <a:t>Ciclovias – Estratégia 2 de resolução</a:t>
+              <a:t>Ciclovias – Estratégia 2 - Grafo</a:t>
             </a:r>
           </a:p>
         </p:txBody>
@@ -35468,7 +35448,7 @@
         </p:nvSpPr>
         <p:spPr>
           <a:xfrm>
-            <a:off x="995111" y="1712533"/>
+            <a:off x="601570" y="1793556"/>
             <a:ext cx="10201778" cy="4532992"/>
           </a:xfrm>
         </p:spPr>
@@ -35487,7 +35467,7 @@
             </a:pPr>
             <a:r>
               <a:rPr lang="pt-BR" sz="2800" dirty="0"/>
-              <a:t>Para cada nó do grafo:</a:t>
+              <a:t>Valores iniciais das variáveis:</a:t>
             </a:r>
           </a:p>
           <a:p>
@@ -35496,155 +35476,8 @@
               <a:buAutoNum type="arabicPeriod"/>
             </a:pPr>
             <a:r>
-              <a:rPr lang="pt-BR" sz="2400" b="1" dirty="0"/>
-              <a:t>Se o nó não possuir nó vizinho</a:t>
-            </a:r>
-            <a:r>
-              <a:rPr lang="pt-BR" sz="2400" dirty="0"/>
-              <a:t>, o caminho é 1.</a:t>
-            </a:r>
-          </a:p>
-          <a:p>
-            <a:pPr marL="731520" lvl="1" indent="-457200">
-              <a:buFont typeface="+mj-lt"/>
-              <a:buAutoNum type="arabicPeriod"/>
-            </a:pPr>
-            <a:r>
-              <a:rPr lang="pt-BR" sz="2400" b="1" dirty="0"/>
-              <a:t>Se o maior dos vizinhos do nó vizinho for menor que o nó</a:t>
-            </a:r>
-            <a:r>
-              <a:rPr lang="pt-BR" sz="2400" dirty="0"/>
-              <a:t>, o caminho é 2.</a:t>
-            </a:r>
-          </a:p>
-          <a:p>
-            <a:pPr marL="731520" lvl="1" indent="-457200">
-              <a:buFont typeface="+mj-lt"/>
-              <a:buAutoNum type="arabicPeriod"/>
-            </a:pPr>
-            <a:r>
-              <a:rPr lang="pt-BR" sz="2400" b="1" dirty="0"/>
-              <a:t>Senão passo 2</a:t>
-            </a:r>
-            <a:r>
-              <a:rPr lang="pt-BR" sz="2400" dirty="0"/>
-              <a:t>, para cada </a:t>
-            </a:r>
-            <a:r>
-              <a:rPr lang="pt-BR" sz="2400" b="1" dirty="0"/>
-              <a:t>nó vizinho (no2) do nó (no1)</a:t>
-            </a:r>
-            <a:r>
-              <a:rPr lang="pt-BR" sz="2400" dirty="0"/>
-              <a:t>, é realizada uma busca do maior caminho no grafo recursivamente. </a:t>
-            </a:r>
-          </a:p>
-          <a:p>
-            <a:pPr marL="457200" indent="-457200">
-              <a:buFont typeface="+mj-lt"/>
-              <a:buAutoNum type="arabicPeriod"/>
-            </a:pPr>
-            <a:endParaRPr lang="pt-BR" sz="2800" dirty="0"/>
-          </a:p>
-        </p:txBody>
-      </p:sp>
-    </p:spTree>
-    <p:extLst>
-      <p:ext uri="{BB962C8B-B14F-4D97-AF65-F5344CB8AC3E}">
-        <p14:creationId xmlns:p14="http://schemas.microsoft.com/office/powerpoint/2010/main" val="3506760906"/>
-      </p:ext>
-    </p:extLst>
-  </p:cSld>
-  <p:clrMapOvr>
-    <a:masterClrMapping/>
-  </p:clrMapOvr>
-</p:sld>
-</file>
-
-<file path=ppt/slides/slide44.xml><?xml version="1.0" encoding="utf-8"?>
-<p:sld xmlns:a="http://schemas.openxmlformats.org/drawingml/2006/main" xmlns:r="http://schemas.openxmlformats.org/officeDocument/2006/relationships" xmlns:p="http://schemas.openxmlformats.org/presentationml/2006/main">
-  <p:cSld>
-    <p:spTree>
-      <p:nvGrpSpPr>
-        <p:cNvPr id="1" name=""/>
-        <p:cNvGrpSpPr/>
-        <p:nvPr/>
-      </p:nvGrpSpPr>
-      <p:grpSpPr>
-        <a:xfrm>
-          <a:off x="0" y="0"/>
-          <a:ext cx="0" cy="0"/>
-          <a:chOff x="0" y="0"/>
-          <a:chExt cx="0" cy="0"/>
-        </a:xfrm>
-      </p:grpSpPr>
-      <p:sp>
-        <p:nvSpPr>
-          <p:cNvPr id="2" name="Título 1">
-            <a:extLst>
-              <a:ext uri="{FF2B5EF4-FFF2-40B4-BE49-F238E27FC236}">
-                <a16:creationId xmlns:a16="http://schemas.microsoft.com/office/drawing/2014/main" id="{4FA107A4-4183-F249-A2CC-E1BA466E01EF}"/>
-              </a:ext>
-            </a:extLst>
-          </p:cNvPr>
-          <p:cNvSpPr>
-            <a:spLocks noGrp="1"/>
-          </p:cNvSpPr>
-          <p:nvPr>
-            <p:ph type="title"/>
-          </p:nvPr>
-        </p:nvSpPr>
-        <p:spPr/>
-        <p:txBody>
-          <a:bodyPr/>
-          <a:lstStyle/>
-          <a:p>
-            <a:r>
-              <a:rPr lang="pt-BR" dirty="0"/>
-              <a:t>Ciclovias – Estratégia 2</a:t>
-            </a:r>
-          </a:p>
-        </p:txBody>
-      </p:sp>
-      <p:sp>
-        <p:nvSpPr>
-          <p:cNvPr id="3" name="Espaço Reservado para Conteúdo 2">
-            <a:extLst>
-              <a:ext uri="{FF2B5EF4-FFF2-40B4-BE49-F238E27FC236}">
-                <a16:creationId xmlns:a16="http://schemas.microsoft.com/office/drawing/2014/main" id="{8F556622-D69F-234E-9265-11C48065A712}"/>
-              </a:ext>
-            </a:extLst>
-          </p:cNvPr>
-          <p:cNvSpPr>
-            <a:spLocks noGrp="1"/>
-          </p:cNvSpPr>
-          <p:nvPr>
-            <p:ph idx="1"/>
-          </p:nvPr>
-        </p:nvSpPr>
-        <p:spPr>
-          <a:xfrm>
-            <a:off x="601569" y="1793556"/>
-            <a:ext cx="5104735" cy="4532992"/>
-          </a:xfrm>
-        </p:spPr>
-        <p:txBody>
-          <a:bodyPr>
-            <a:normAutofit/>
-          </a:bodyPr>
-          <a:lstStyle/>
-          <a:p>
-            <a:endParaRPr lang="pt-BR" sz="2800" dirty="0"/>
-          </a:p>
-          <a:p>
-            <a:pPr marL="457200" indent="-457200">
-              <a:buFont typeface="+mj-lt"/>
-              <a:buAutoNum type="arabicPeriod"/>
-            </a:pPr>
-            <a:r>
-              <a:rPr lang="pt-BR" sz="2800" dirty="0"/>
-              <a:t>Fluxograma da estratégia 2</a:t>
+              <a:rPr lang="pt-BR" sz="2600" dirty="0"/>
+              <a:t>grafo: [[2,3,5],[1,5],[1],[5],[1,2,4]]</a:t>
             </a:r>
             <a:endParaRPr lang="pt-BR" sz="2200" dirty="0"/>
           </a:p>
@@ -35671,7 +35504,7 @@
         </p:nvGrpSpPr>
         <p:grpSpPr>
           <a:xfrm>
-            <a:off x="640527" y="3621821"/>
+            <a:off x="7134180" y="1600634"/>
             <a:ext cx="4321214" cy="2084891"/>
             <a:chOff x="1331088" y="4724033"/>
             <a:chExt cx="4321214" cy="2084891"/>
@@ -36160,10 +35993,10 @@
       </p:grpSp>
       <p:sp>
         <p:nvSpPr>
-          <p:cNvPr id="15" name="Retângulo 14">
+          <p:cNvPr id="16" name="Retângulo 15">
             <a:extLst>
               <a:ext uri="{FF2B5EF4-FFF2-40B4-BE49-F238E27FC236}">
-                <a16:creationId xmlns:a16="http://schemas.microsoft.com/office/drawing/2014/main" id="{E29C5E89-0628-4042-93E8-CB66D4EAEE65}"/>
+                <a16:creationId xmlns:a16="http://schemas.microsoft.com/office/drawing/2014/main" id="{AF2780EE-1B22-4A48-82F8-1F1B9CCBAA32}"/>
               </a:ext>
             </a:extLst>
           </p:cNvPr>
@@ -36172,8 +36005,8 @@
         </p:nvSpPr>
         <p:spPr>
           <a:xfrm>
-            <a:off x="9100187" y="612937"/>
-            <a:ext cx="1157468" cy="568201"/>
+            <a:off x="210555" y="3654294"/>
+            <a:ext cx="1667066" cy="561756"/>
           </a:xfrm>
           <a:prstGeom prst="rect">
             <a:avLst/>
@@ -36202,259 +36035,37 @@
             <a:pPr algn="ctr"/>
             <a:r>
               <a:rPr lang="pt-BR" dirty="0"/>
-              <a:t>Nó</a:t>
+              <a:t>Vizinhos do N</a:t>
+            </a:r>
+          </a:p>
+          <a:p>
+            <a:pPr algn="ctr"/>
+            <a:r>
+              <a:rPr lang="pt-BR" b="1" dirty="0"/>
+              <a:t>NÓ 1</a:t>
             </a:r>
           </a:p>
         </p:txBody>
       </p:sp>
       <p:cxnSp>
         <p:nvCxnSpPr>
-          <p:cNvPr id="32" name="Conector de Seta Reta 31">
+          <p:cNvPr id="17" name="Conector de Seta Reta 16">
             <a:extLst>
               <a:ext uri="{FF2B5EF4-FFF2-40B4-BE49-F238E27FC236}">
-                <a16:creationId xmlns:a16="http://schemas.microsoft.com/office/drawing/2014/main" id="{ACC7A50C-DF7D-4B4A-893E-4E7F30D952C1}"/>
+                <a16:creationId xmlns:a16="http://schemas.microsoft.com/office/drawing/2014/main" id="{7D87B99C-4D7F-6C45-917B-D03D34223999}"/>
               </a:ext>
             </a:extLst>
           </p:cNvPr>
           <p:cNvCxnSpPr>
             <a:cxnSpLocks/>
-            <a:stCxn id="87" idx="0"/>
-            <a:endCxn id="15" idx="2"/>
+            <a:endCxn id="16" idx="0"/>
           </p:cNvCxnSpPr>
           <p:nvPr/>
         </p:nvCxnSpPr>
         <p:spPr>
-          <a:xfrm flipH="1" flipV="1">
-            <a:off x="9678921" y="1181138"/>
-            <a:ext cx="9120" cy="589268"/>
-          </a:xfrm>
-          <a:prstGeom prst="straightConnector1">
-            <a:avLst/>
-          </a:prstGeom>
-          <a:ln w="50800">
-            <a:solidFill>
-              <a:srgbClr val="00B050"/>
-            </a:solidFill>
-            <a:headEnd type="triangle"/>
-            <a:tailEnd type="none" w="lg" len="med"/>
-          </a:ln>
-        </p:spPr>
-        <p:style>
-          <a:lnRef idx="1">
-            <a:schemeClr val="accent1"/>
-          </a:lnRef>
-          <a:fillRef idx="0">
-            <a:schemeClr val="accent1"/>
-          </a:fillRef>
-          <a:effectRef idx="0">
-            <a:schemeClr val="accent1"/>
-          </a:effectRef>
-          <a:fontRef idx="minor">
-            <a:schemeClr val="tx1"/>
-          </a:fontRef>
-        </p:style>
-      </p:cxnSp>
-      <p:sp>
-        <p:nvSpPr>
-          <p:cNvPr id="33" name="Retângulo 32">
-            <a:extLst>
-              <a:ext uri="{FF2B5EF4-FFF2-40B4-BE49-F238E27FC236}">
-                <a16:creationId xmlns:a16="http://schemas.microsoft.com/office/drawing/2014/main" id="{CF0D5AF1-312A-F744-A66C-8A1EB709001B}"/>
-              </a:ext>
-            </a:extLst>
-          </p:cNvPr>
-          <p:cNvSpPr/>
-          <p:nvPr/>
-        </p:nvSpPr>
-        <p:spPr>
-          <a:xfrm>
-            <a:off x="8796453" y="1964461"/>
-            <a:ext cx="1880686" cy="369332"/>
-          </a:xfrm>
-          <a:prstGeom prst="rect">
-            <a:avLst/>
-          </a:prstGeom>
-        </p:spPr>
-        <p:txBody>
-          <a:bodyPr wrap="square">
-            <a:spAutoFit/>
-          </a:bodyPr>
-          <a:lstStyle/>
-          <a:p>
-            <a:r>
-              <a:rPr lang="pt-BR" dirty="0"/>
-              <a:t>Possui vizinhos?</a:t>
-            </a:r>
-          </a:p>
-        </p:txBody>
-      </p:sp>
-      <p:sp>
-        <p:nvSpPr>
-          <p:cNvPr id="35" name="Retângulo 34">
-            <a:extLst>
-              <a:ext uri="{FF2B5EF4-FFF2-40B4-BE49-F238E27FC236}">
-                <a16:creationId xmlns:a16="http://schemas.microsoft.com/office/drawing/2014/main" id="{3B50ED54-965C-3146-B4BF-F09A02FE49DB}"/>
-              </a:ext>
-            </a:extLst>
-          </p:cNvPr>
-          <p:cNvSpPr/>
-          <p:nvPr/>
-        </p:nvSpPr>
-        <p:spPr>
-          <a:xfrm>
-            <a:off x="7546692" y="1923040"/>
-            <a:ext cx="1157468" cy="568201"/>
-          </a:xfrm>
-          <a:prstGeom prst="rect">
-            <a:avLst/>
-          </a:prstGeom>
-        </p:spPr>
-        <p:style>
-          <a:lnRef idx="2">
-            <a:schemeClr val="accent1">
-              <a:shade val="50000"/>
-            </a:schemeClr>
-          </a:lnRef>
-          <a:fillRef idx="1">
-            <a:schemeClr val="accent1"/>
-          </a:fillRef>
-          <a:effectRef idx="0">
-            <a:schemeClr val="accent1"/>
-          </a:effectRef>
-          <a:fontRef idx="minor">
-            <a:schemeClr val="lt1"/>
-          </a:fontRef>
-        </p:style>
-        <p:txBody>
-          <a:bodyPr rtlCol="0" anchor="ctr"/>
-          <a:lstStyle/>
-          <a:p>
-            <a:pPr algn="ctr"/>
-            <a:r>
-              <a:rPr lang="pt-BR" dirty="0"/>
-              <a:t>Sim</a:t>
-            </a:r>
-          </a:p>
-        </p:txBody>
-      </p:sp>
-      <p:sp>
-        <p:nvSpPr>
-          <p:cNvPr id="36" name="Retângulo 35">
-            <a:extLst>
-              <a:ext uri="{FF2B5EF4-FFF2-40B4-BE49-F238E27FC236}">
-                <a16:creationId xmlns:a16="http://schemas.microsoft.com/office/drawing/2014/main" id="{54F20580-B65B-144B-A110-D85007B0B11D}"/>
-              </a:ext>
-            </a:extLst>
-          </p:cNvPr>
-          <p:cNvSpPr/>
-          <p:nvPr/>
-        </p:nvSpPr>
-        <p:spPr>
-          <a:xfrm>
-            <a:off x="10677139" y="1923039"/>
-            <a:ext cx="1157468" cy="568201"/>
-          </a:xfrm>
-          <a:prstGeom prst="rect">
-            <a:avLst/>
-          </a:prstGeom>
-        </p:spPr>
-        <p:style>
-          <a:lnRef idx="2">
-            <a:schemeClr val="accent1">
-              <a:shade val="50000"/>
-            </a:schemeClr>
-          </a:lnRef>
-          <a:fillRef idx="1">
-            <a:schemeClr val="accent1"/>
-          </a:fillRef>
-          <a:effectRef idx="0">
-            <a:schemeClr val="accent1"/>
-          </a:effectRef>
-          <a:fontRef idx="minor">
-            <a:schemeClr val="lt1"/>
-          </a:fontRef>
-        </p:style>
-        <p:txBody>
-          <a:bodyPr rtlCol="0" anchor="ctr"/>
-          <a:lstStyle/>
-          <a:p>
-            <a:pPr algn="ctr"/>
-            <a:r>
-              <a:rPr lang="pt-BR" dirty="0"/>
-              <a:t>Não</a:t>
-            </a:r>
-          </a:p>
-        </p:txBody>
-      </p:sp>
-      <p:sp>
-        <p:nvSpPr>
-          <p:cNvPr id="37" name="Retângulo 36">
-            <a:extLst>
-              <a:ext uri="{FF2B5EF4-FFF2-40B4-BE49-F238E27FC236}">
-                <a16:creationId xmlns:a16="http://schemas.microsoft.com/office/drawing/2014/main" id="{3FF9440F-781A-5348-83A8-3AB9B9DAF2F6}"/>
-              </a:ext>
-            </a:extLst>
-          </p:cNvPr>
-          <p:cNvSpPr/>
-          <p:nvPr/>
-        </p:nvSpPr>
-        <p:spPr>
-          <a:xfrm>
-            <a:off x="10685044" y="3133621"/>
-            <a:ext cx="1157468" cy="811270"/>
-          </a:xfrm>
-          <a:prstGeom prst="rect">
-            <a:avLst/>
-          </a:prstGeom>
-        </p:spPr>
-        <p:style>
-          <a:lnRef idx="2">
-            <a:schemeClr val="accent1">
-              <a:shade val="50000"/>
-            </a:schemeClr>
-          </a:lnRef>
-          <a:fillRef idx="1">
-            <a:schemeClr val="accent1"/>
-          </a:fillRef>
-          <a:effectRef idx="0">
-            <a:schemeClr val="accent1"/>
-          </a:effectRef>
-          <a:fontRef idx="minor">
-            <a:schemeClr val="lt1"/>
-          </a:fontRef>
-        </p:style>
-        <p:txBody>
-          <a:bodyPr rtlCol="0" anchor="ctr"/>
-          <a:lstStyle/>
-          <a:p>
-            <a:pPr algn="ctr"/>
-            <a:r>
-              <a:rPr lang="pt-BR" dirty="0"/>
-              <a:t>Maior caminho é 1</a:t>
-            </a:r>
-          </a:p>
-        </p:txBody>
-      </p:sp>
-      <p:cxnSp>
-        <p:nvCxnSpPr>
-          <p:cNvPr id="38" name="Conector de Seta Reta 37">
-            <a:extLst>
-              <a:ext uri="{FF2B5EF4-FFF2-40B4-BE49-F238E27FC236}">
-                <a16:creationId xmlns:a16="http://schemas.microsoft.com/office/drawing/2014/main" id="{3165E74D-D71F-E84D-A36A-D867415E7DEF}"/>
-              </a:ext>
-            </a:extLst>
-          </p:cNvPr>
-          <p:cNvCxnSpPr>
-            <a:cxnSpLocks/>
-            <a:stCxn id="37" idx="0"/>
-            <a:endCxn id="36" idx="2"/>
-          </p:cNvCxnSpPr>
-          <p:nvPr/>
-        </p:nvCxnSpPr>
-        <p:spPr>
-          <a:xfrm flipH="1" flipV="1">
-            <a:off x="11255873" y="2491240"/>
-            <a:ext cx="7905" cy="642381"/>
+          <a:xfrm flipH="1">
+            <a:off x="1044088" y="3206189"/>
+            <a:ext cx="1848300" cy="448105"/>
           </a:xfrm>
           <a:prstGeom prst="straightConnector1">
             <a:avLst/>
@@ -36484,10 +36095,10 @@
       </p:cxnSp>
       <p:sp>
         <p:nvSpPr>
-          <p:cNvPr id="39" name="Retângulo 38">
+          <p:cNvPr id="20" name="Retângulo 19">
             <a:extLst>
               <a:ext uri="{FF2B5EF4-FFF2-40B4-BE49-F238E27FC236}">
-                <a16:creationId xmlns:a16="http://schemas.microsoft.com/office/drawing/2014/main" id="{4D99CB46-769E-DD49-A187-32228E48B1AA}"/>
+                <a16:creationId xmlns:a16="http://schemas.microsoft.com/office/drawing/2014/main" id="{4B88A09E-0250-0845-A0F9-BC0F7742C1BA}"/>
               </a:ext>
             </a:extLst>
           </p:cNvPr>
@@ -36496,8 +36107,8 @@
         </p:nvSpPr>
         <p:spPr>
           <a:xfrm>
-            <a:off x="9158062" y="6057991"/>
-            <a:ext cx="1157468" cy="811270"/>
+            <a:off x="652033" y="4810325"/>
+            <a:ext cx="1667066" cy="561756"/>
           </a:xfrm>
           <a:prstGeom prst="rect">
             <a:avLst/>
@@ -36526,31 +36137,34 @@
             <a:pPr algn="ctr"/>
             <a:r>
               <a:rPr lang="pt-BR" dirty="0"/>
-              <a:t>Próximo Nó</a:t>
+              <a:t>Vizinhos do </a:t>
+            </a:r>
+            <a:r>
+              <a:rPr lang="pt-BR" b="1" dirty="0"/>
+              <a:t>NÓ 2</a:t>
             </a:r>
           </a:p>
         </p:txBody>
       </p:sp>
       <p:cxnSp>
         <p:nvCxnSpPr>
-          <p:cNvPr id="40" name="Conector de Seta Reta 39">
+          <p:cNvPr id="21" name="Conector de Seta Reta 20">
             <a:extLst>
               <a:ext uri="{FF2B5EF4-FFF2-40B4-BE49-F238E27FC236}">
-                <a16:creationId xmlns:a16="http://schemas.microsoft.com/office/drawing/2014/main" id="{379DBA86-1509-E94A-9BE7-AF06B5B9CDA1}"/>
+                <a16:creationId xmlns:a16="http://schemas.microsoft.com/office/drawing/2014/main" id="{1E9ACFBA-EA45-7540-BD0E-7E533FD64782}"/>
               </a:ext>
             </a:extLst>
           </p:cNvPr>
           <p:cNvCxnSpPr>
             <a:cxnSpLocks/>
-            <a:stCxn id="39" idx="0"/>
-            <a:endCxn id="37" idx="2"/>
+            <a:endCxn id="20" idx="0"/>
           </p:cNvCxnSpPr>
           <p:nvPr/>
         </p:nvCxnSpPr>
         <p:spPr>
-          <a:xfrm flipV="1">
-            <a:off x="9736796" y="3944891"/>
-            <a:ext cx="1526982" cy="2113100"/>
+          <a:xfrm flipH="1">
+            <a:off x="1485566" y="3206189"/>
+            <a:ext cx="2442088" cy="1604136"/>
           </a:xfrm>
           <a:prstGeom prst="straightConnector1">
             <a:avLst/>
@@ -36580,10 +36194,10 @@
       </p:cxnSp>
       <p:sp>
         <p:nvSpPr>
-          <p:cNvPr id="45" name="Retângulo 44">
+          <p:cNvPr id="23" name="Retângulo 22">
             <a:extLst>
               <a:ext uri="{FF2B5EF4-FFF2-40B4-BE49-F238E27FC236}">
-                <a16:creationId xmlns:a16="http://schemas.microsoft.com/office/drawing/2014/main" id="{860B2FAA-EE0A-4344-A821-6B4290742906}"/>
+                <a16:creationId xmlns:a16="http://schemas.microsoft.com/office/drawing/2014/main" id="{B2EA5A25-71CB-5146-B29B-E8CBF218FC78}"/>
               </a:ext>
             </a:extLst>
           </p:cNvPr>
@@ -36592,8 +36206,8 @@
         </p:nvSpPr>
         <p:spPr>
           <a:xfrm>
-            <a:off x="9048141" y="4285019"/>
-            <a:ext cx="1157468" cy="811270"/>
+            <a:off x="1649716" y="5655803"/>
+            <a:ext cx="1667066" cy="561756"/>
           </a:xfrm>
           <a:prstGeom prst="rect">
             <a:avLst/>
@@ -36622,208 +36236,34 @@
             <a:pPr algn="ctr"/>
             <a:r>
               <a:rPr lang="pt-BR" dirty="0"/>
-              <a:t>Maior caminho é 2</a:t>
+              <a:t>Vizinhos do </a:t>
+            </a:r>
+            <a:r>
+              <a:rPr lang="pt-BR" b="1" dirty="0"/>
+              <a:t>NÓ 3</a:t>
             </a:r>
           </a:p>
         </p:txBody>
       </p:sp>
       <p:cxnSp>
         <p:nvCxnSpPr>
-          <p:cNvPr id="46" name="Conector de Seta Reta 45">
+          <p:cNvPr id="24" name="Conector de Seta Reta 23">
             <a:extLst>
               <a:ext uri="{FF2B5EF4-FFF2-40B4-BE49-F238E27FC236}">
-                <a16:creationId xmlns:a16="http://schemas.microsoft.com/office/drawing/2014/main" id="{CBE50FA0-D4EA-F248-98CD-7E3B1B9FF537}"/>
+                <a16:creationId xmlns:a16="http://schemas.microsoft.com/office/drawing/2014/main" id="{FCCA507B-0739-F84B-9843-FE7728D8FFF1}"/>
               </a:ext>
             </a:extLst>
           </p:cNvPr>
           <p:cNvCxnSpPr>
             <a:cxnSpLocks/>
+            <a:endCxn id="23" idx="0"/>
           </p:cNvCxnSpPr>
           <p:nvPr/>
         </p:nvCxnSpPr>
         <p:spPr>
-          <a:xfrm flipV="1">
-            <a:off x="8060236" y="2491241"/>
-            <a:ext cx="65190" cy="542626"/>
-          </a:xfrm>
-          <a:prstGeom prst="straightConnector1">
-            <a:avLst/>
-          </a:prstGeom>
-          <a:ln w="50800">
-            <a:solidFill>
-              <a:srgbClr val="00B050"/>
-            </a:solidFill>
-            <a:headEnd type="triangle"/>
-            <a:tailEnd type="none" w="lg" len="med"/>
-          </a:ln>
-        </p:spPr>
-        <p:style>
-          <a:lnRef idx="1">
-            <a:schemeClr val="accent1"/>
-          </a:lnRef>
-          <a:fillRef idx="0">
-            <a:schemeClr val="accent1"/>
-          </a:fillRef>
-          <a:effectRef idx="0">
-            <a:schemeClr val="accent1"/>
-          </a:effectRef>
-          <a:fontRef idx="minor">
-            <a:schemeClr val="tx1"/>
-          </a:fontRef>
-        </p:style>
-      </p:cxnSp>
-      <p:sp>
-        <p:nvSpPr>
-          <p:cNvPr id="47" name="Retângulo 46">
-            <a:extLst>
-              <a:ext uri="{FF2B5EF4-FFF2-40B4-BE49-F238E27FC236}">
-                <a16:creationId xmlns:a16="http://schemas.microsoft.com/office/drawing/2014/main" id="{15DE61B4-7D61-A84C-A1E0-87A43D7652E1}"/>
-              </a:ext>
-            </a:extLst>
-          </p:cNvPr>
-          <p:cNvSpPr/>
-          <p:nvPr/>
-        </p:nvSpPr>
-        <p:spPr>
-          <a:xfrm>
-            <a:off x="7347230" y="3104340"/>
-            <a:ext cx="1491202" cy="646331"/>
-          </a:xfrm>
-          <a:prstGeom prst="rect">
-            <a:avLst/>
-          </a:prstGeom>
-        </p:spPr>
-        <p:txBody>
-          <a:bodyPr wrap="square">
-            <a:spAutoFit/>
-          </a:bodyPr>
-          <a:lstStyle/>
-          <a:p>
-            <a:r>
-              <a:rPr lang="pt-BR" sz="1200" dirty="0"/>
-              <a:t>Possui vizinhos do nó vizinho maior ou igual ao nó?</a:t>
-            </a:r>
-          </a:p>
-        </p:txBody>
-      </p:sp>
-      <p:sp>
-        <p:nvSpPr>
-          <p:cNvPr id="51" name="Retângulo 50">
-            <a:extLst>
-              <a:ext uri="{FF2B5EF4-FFF2-40B4-BE49-F238E27FC236}">
-                <a16:creationId xmlns:a16="http://schemas.microsoft.com/office/drawing/2014/main" id="{6B35FA44-CA4D-5E45-AD0F-EACD268380EF}"/>
-              </a:ext>
-            </a:extLst>
-          </p:cNvPr>
-          <p:cNvSpPr/>
-          <p:nvPr/>
-        </p:nvSpPr>
-        <p:spPr>
-          <a:xfrm>
-            <a:off x="5911119" y="3188126"/>
-            <a:ext cx="1157468" cy="568201"/>
-          </a:xfrm>
-          <a:prstGeom prst="rect">
-            <a:avLst/>
-          </a:prstGeom>
-        </p:spPr>
-        <p:style>
-          <a:lnRef idx="2">
-            <a:schemeClr val="accent1">
-              <a:shade val="50000"/>
-            </a:schemeClr>
-          </a:lnRef>
-          <a:fillRef idx="1">
-            <a:schemeClr val="accent1"/>
-          </a:fillRef>
-          <a:effectRef idx="0">
-            <a:schemeClr val="accent1"/>
-          </a:effectRef>
-          <a:fontRef idx="minor">
-            <a:schemeClr val="lt1"/>
-          </a:fontRef>
-        </p:style>
-        <p:txBody>
-          <a:bodyPr rtlCol="0" anchor="ctr"/>
-          <a:lstStyle/>
-          <a:p>
-            <a:pPr algn="ctr"/>
-            <a:r>
-              <a:rPr lang="pt-BR" dirty="0"/>
-              <a:t>Sim</a:t>
-            </a:r>
-          </a:p>
-        </p:txBody>
-      </p:sp>
-      <p:sp>
-        <p:nvSpPr>
-          <p:cNvPr id="52" name="Retângulo 51">
-            <a:extLst>
-              <a:ext uri="{FF2B5EF4-FFF2-40B4-BE49-F238E27FC236}">
-                <a16:creationId xmlns:a16="http://schemas.microsoft.com/office/drawing/2014/main" id="{AE85818C-DC89-534B-9655-CECD0C9A30E0}"/>
-              </a:ext>
-            </a:extLst>
-          </p:cNvPr>
-          <p:cNvSpPr/>
-          <p:nvPr/>
-        </p:nvSpPr>
-        <p:spPr>
-          <a:xfrm>
-            <a:off x="9041566" y="3188125"/>
-            <a:ext cx="1157468" cy="568201"/>
-          </a:xfrm>
-          <a:prstGeom prst="rect">
-            <a:avLst/>
-          </a:prstGeom>
-        </p:spPr>
-        <p:style>
-          <a:lnRef idx="2">
-            <a:schemeClr val="accent1">
-              <a:shade val="50000"/>
-            </a:schemeClr>
-          </a:lnRef>
-          <a:fillRef idx="1">
-            <a:schemeClr val="accent1"/>
-          </a:fillRef>
-          <a:effectRef idx="0">
-            <a:schemeClr val="accent1"/>
-          </a:effectRef>
-          <a:fontRef idx="minor">
-            <a:schemeClr val="lt1"/>
-          </a:fontRef>
-        </p:style>
-        <p:txBody>
-          <a:bodyPr rtlCol="0" anchor="ctr"/>
-          <a:lstStyle/>
-          <a:p>
-            <a:pPr algn="ctr"/>
-            <a:r>
-              <a:rPr lang="pt-BR" dirty="0"/>
-              <a:t>Não</a:t>
-            </a:r>
-          </a:p>
-        </p:txBody>
-      </p:sp>
-      <p:cxnSp>
-        <p:nvCxnSpPr>
-          <p:cNvPr id="53" name="Conector de Seta Reta 52">
-            <a:extLst>
-              <a:ext uri="{FF2B5EF4-FFF2-40B4-BE49-F238E27FC236}">
-                <a16:creationId xmlns:a16="http://schemas.microsoft.com/office/drawing/2014/main" id="{F6EB60EF-BD55-B64C-AF7D-38DE03377066}"/>
-              </a:ext>
-            </a:extLst>
-          </p:cNvPr>
-          <p:cNvCxnSpPr>
-            <a:cxnSpLocks/>
-            <a:stCxn id="45" idx="0"/>
-            <a:endCxn id="52" idx="2"/>
-          </p:cNvCxnSpPr>
-          <p:nvPr/>
-        </p:nvCxnSpPr>
-        <p:spPr>
-          <a:xfrm flipH="1" flipV="1">
-            <a:off x="9620300" y="3756326"/>
-            <a:ext cx="6575" cy="528693"/>
+          <a:xfrm flipH="1">
+            <a:off x="2483249" y="3206189"/>
+            <a:ext cx="2065905" cy="2449614"/>
           </a:xfrm>
           <a:prstGeom prst="straightConnector1">
             <a:avLst/>
@@ -36851,73 +36291,78 @@
           </a:fontRef>
         </p:style>
       </p:cxnSp>
+      <p:sp>
+        <p:nvSpPr>
+          <p:cNvPr id="26" name="Retângulo 25">
+            <a:extLst>
+              <a:ext uri="{FF2B5EF4-FFF2-40B4-BE49-F238E27FC236}">
+                <a16:creationId xmlns:a16="http://schemas.microsoft.com/office/drawing/2014/main" id="{A404B168-F564-234F-92F7-BD3277B4B251}"/>
+              </a:ext>
+            </a:extLst>
+          </p:cNvPr>
+          <p:cNvSpPr/>
+          <p:nvPr/>
+        </p:nvSpPr>
+        <p:spPr>
+          <a:xfrm>
+            <a:off x="3399097" y="4960956"/>
+            <a:ext cx="1667066" cy="561756"/>
+          </a:xfrm>
+          <a:prstGeom prst="rect">
+            <a:avLst/>
+          </a:prstGeom>
+        </p:spPr>
+        <p:style>
+          <a:lnRef idx="2">
+            <a:schemeClr val="accent1">
+              <a:shade val="50000"/>
+            </a:schemeClr>
+          </a:lnRef>
+          <a:fillRef idx="1">
+            <a:schemeClr val="accent1"/>
+          </a:fillRef>
+          <a:effectRef idx="0">
+            <a:schemeClr val="accent1"/>
+          </a:effectRef>
+          <a:fontRef idx="minor">
+            <a:schemeClr val="lt1"/>
+          </a:fontRef>
+        </p:style>
+        <p:txBody>
+          <a:bodyPr rtlCol="0" anchor="ctr"/>
+          <a:lstStyle/>
+          <a:p>
+            <a:pPr algn="ctr"/>
+            <a:r>
+              <a:rPr lang="pt-BR" dirty="0"/>
+              <a:t>Vizinhos do </a:t>
+            </a:r>
+            <a:r>
+              <a:rPr lang="pt-BR" b="1" dirty="0"/>
+              <a:t>NÓ 4</a:t>
+            </a:r>
+          </a:p>
+        </p:txBody>
+      </p:sp>
       <p:cxnSp>
         <p:nvCxnSpPr>
-          <p:cNvPr id="54" name="Conector de Seta Reta 53">
+          <p:cNvPr id="27" name="Conector de Seta Reta 26">
             <a:extLst>
               <a:ext uri="{FF2B5EF4-FFF2-40B4-BE49-F238E27FC236}">
-                <a16:creationId xmlns:a16="http://schemas.microsoft.com/office/drawing/2014/main" id="{E2723627-36E5-D244-B53E-16F28F1B36E1}"/>
+                <a16:creationId xmlns:a16="http://schemas.microsoft.com/office/drawing/2014/main" id="{D5AA0D1B-B30E-D143-9B1F-114D9F487C91}"/>
               </a:ext>
             </a:extLst>
           </p:cNvPr>
           <p:cNvCxnSpPr>
             <a:cxnSpLocks/>
-            <a:stCxn id="61" idx="0"/>
-            <a:endCxn id="51" idx="2"/>
+            <a:endCxn id="26" idx="0"/>
           </p:cNvCxnSpPr>
           <p:nvPr/>
         </p:nvCxnSpPr>
         <p:spPr>
-          <a:xfrm flipV="1">
-            <a:off x="6485696" y="3756327"/>
-            <a:ext cx="4157" cy="427922"/>
-          </a:xfrm>
-          <a:prstGeom prst="straightConnector1">
-            <a:avLst/>
-          </a:prstGeom>
-          <a:ln w="50800">
-            <a:solidFill>
-              <a:srgbClr val="00B050"/>
-            </a:solidFill>
-            <a:headEnd type="triangle"/>
-            <a:tailEnd type="none" w="lg" len="med"/>
-          </a:ln>
-        </p:spPr>
-        <p:style>
-          <a:lnRef idx="1">
-            <a:schemeClr val="accent1"/>
-          </a:lnRef>
-          <a:fillRef idx="0">
-            <a:schemeClr val="accent1"/>
-          </a:fillRef>
-          <a:effectRef idx="0">
-            <a:schemeClr val="accent1"/>
-          </a:effectRef>
-          <a:fontRef idx="minor">
-            <a:schemeClr val="tx1"/>
-          </a:fontRef>
-        </p:style>
-      </p:cxnSp>
-      <p:cxnSp>
-        <p:nvCxnSpPr>
-          <p:cNvPr id="58" name="Conector de Seta Reta 57">
-            <a:extLst>
-              <a:ext uri="{FF2B5EF4-FFF2-40B4-BE49-F238E27FC236}">
-                <a16:creationId xmlns:a16="http://schemas.microsoft.com/office/drawing/2014/main" id="{74F79BF6-C459-D64F-BB36-AC36D92E38ED}"/>
-              </a:ext>
-            </a:extLst>
-          </p:cNvPr>
-          <p:cNvCxnSpPr>
-            <a:cxnSpLocks/>
-            <a:stCxn id="39" idx="0"/>
-            <a:endCxn id="45" idx="2"/>
-          </p:cNvCxnSpPr>
-          <p:nvPr/>
-        </p:nvCxnSpPr>
-        <p:spPr>
-          <a:xfrm flipH="1" flipV="1">
-            <a:off x="9626875" y="5096289"/>
-            <a:ext cx="109921" cy="961702"/>
+          <a:xfrm flipH="1">
+            <a:off x="4232630" y="3206189"/>
+            <a:ext cx="906550" cy="1754767"/>
           </a:xfrm>
           <a:prstGeom prst="straightConnector1">
             <a:avLst/>
@@ -36947,10 +36392,10 @@
       </p:cxnSp>
       <p:sp>
         <p:nvSpPr>
-          <p:cNvPr id="61" name="Retângulo 60">
+          <p:cNvPr id="29" name="Retângulo 28">
             <a:extLst>
               <a:ext uri="{FF2B5EF4-FFF2-40B4-BE49-F238E27FC236}">
-                <a16:creationId xmlns:a16="http://schemas.microsoft.com/office/drawing/2014/main" id="{2FB475DD-5A00-9147-BBB6-FCD4D578821B}"/>
+                <a16:creationId xmlns:a16="http://schemas.microsoft.com/office/drawing/2014/main" id="{B9231ED8-D684-8041-A11C-9BA89AAA101E}"/>
               </a:ext>
             </a:extLst>
           </p:cNvPr>
@@ -36959,8 +36404,8 @@
         </p:nvSpPr>
         <p:spPr>
           <a:xfrm>
-            <a:off x="5505659" y="4184249"/>
-            <a:ext cx="1960073" cy="960036"/>
+            <a:off x="5479609" y="4350299"/>
+            <a:ext cx="1667066" cy="561756"/>
           </a:xfrm>
           <a:prstGeom prst="rect">
             <a:avLst/>
@@ -36989,140 +36434,34 @@
             <a:pPr algn="ctr"/>
             <a:r>
               <a:rPr lang="pt-BR" dirty="0"/>
-              <a:t>Busca recursiva utilizando </a:t>
+              <a:t>Vizinhos do </a:t>
             </a:r>
             <a:r>
               <a:rPr lang="pt-BR" b="1" dirty="0"/>
-              <a:t>nó e </a:t>
-            </a:r>
-            <a:r>
-              <a:rPr lang="pt-BR" b="1" dirty="0" err="1"/>
-              <a:t>nó_vizinho</a:t>
-            </a:r>
-            <a:endParaRPr lang="pt-BR" b="1" dirty="0"/>
-          </a:p>
-        </p:txBody>
-      </p:sp>
-      <p:sp>
-        <p:nvSpPr>
-          <p:cNvPr id="62" name="Retângulo 61">
-            <a:extLst>
-              <a:ext uri="{FF2B5EF4-FFF2-40B4-BE49-F238E27FC236}">
-                <a16:creationId xmlns:a16="http://schemas.microsoft.com/office/drawing/2014/main" id="{8DB18D99-6079-284C-90A7-54DFA437CA45}"/>
-              </a:ext>
-            </a:extLst>
-          </p:cNvPr>
-          <p:cNvSpPr/>
-          <p:nvPr/>
-        </p:nvSpPr>
-        <p:spPr>
-          <a:xfrm>
-            <a:off x="6227241" y="6046730"/>
-            <a:ext cx="1157468" cy="811270"/>
-          </a:xfrm>
-          <a:prstGeom prst="rect">
-            <a:avLst/>
-          </a:prstGeom>
-        </p:spPr>
-        <p:style>
-          <a:lnRef idx="2">
-            <a:schemeClr val="accent1">
-              <a:shade val="50000"/>
-            </a:schemeClr>
-          </a:lnRef>
-          <a:fillRef idx="1">
-            <a:schemeClr val="accent1"/>
-          </a:fillRef>
-          <a:effectRef idx="0">
-            <a:schemeClr val="accent1"/>
-          </a:effectRef>
-          <a:fontRef idx="minor">
-            <a:schemeClr val="lt1"/>
-          </a:fontRef>
-        </p:style>
-        <p:txBody>
-          <a:bodyPr rtlCol="0" anchor="ctr"/>
-          <a:lstStyle/>
-          <a:p>
-            <a:pPr algn="ctr"/>
-            <a:r>
-              <a:rPr lang="pt-BR" dirty="0"/>
-              <a:t>Maior caminho é </a:t>
-            </a:r>
-            <a:r>
-              <a:rPr lang="pt-BR" dirty="0" err="1"/>
-              <a:t>X</a:t>
-            </a:r>
-            <a:endParaRPr lang="pt-BR" dirty="0"/>
+              <a:t>NÓ 5</a:t>
+            </a:r>
           </a:p>
         </p:txBody>
       </p:sp>
       <p:cxnSp>
         <p:nvCxnSpPr>
-          <p:cNvPr id="63" name="Conector de Seta Reta 62">
+          <p:cNvPr id="30" name="Conector de Seta Reta 29">
             <a:extLst>
               <a:ext uri="{FF2B5EF4-FFF2-40B4-BE49-F238E27FC236}">
-                <a16:creationId xmlns:a16="http://schemas.microsoft.com/office/drawing/2014/main" id="{91CA75E2-9FB1-534B-8EEE-190C731458CB}"/>
+                <a16:creationId xmlns:a16="http://schemas.microsoft.com/office/drawing/2014/main" id="{7EC77C8F-98B1-CD4F-A680-013BC0C2F892}"/>
               </a:ext>
             </a:extLst>
           </p:cNvPr>
           <p:cNvCxnSpPr>
             <a:cxnSpLocks/>
-            <a:endCxn id="61" idx="2"/>
+            <a:endCxn id="29" idx="0"/>
           </p:cNvCxnSpPr>
           <p:nvPr/>
         </p:nvCxnSpPr>
         <p:spPr>
-          <a:xfrm flipV="1">
-            <a:off x="6485696" y="5144285"/>
-            <a:ext cx="0" cy="913706"/>
-          </a:xfrm>
-          <a:prstGeom prst="straightConnector1">
-            <a:avLst/>
-          </a:prstGeom>
-          <a:ln w="50800">
-            <a:solidFill>
-              <a:srgbClr val="00B050"/>
-            </a:solidFill>
-            <a:headEnd type="triangle"/>
-            <a:tailEnd type="none" w="lg" len="med"/>
-          </a:ln>
-        </p:spPr>
-        <p:style>
-          <a:lnRef idx="1">
-            <a:schemeClr val="accent1"/>
-          </a:lnRef>
-          <a:fillRef idx="0">
-            <a:schemeClr val="accent1"/>
-          </a:fillRef>
-          <a:effectRef idx="0">
-            <a:schemeClr val="accent1"/>
-          </a:effectRef>
-          <a:fontRef idx="minor">
-            <a:schemeClr val="tx1"/>
-          </a:fontRef>
-        </p:style>
-      </p:cxnSp>
-      <p:cxnSp>
-        <p:nvCxnSpPr>
-          <p:cNvPr id="66" name="Conector de Seta Reta 65">
-            <a:extLst>
-              <a:ext uri="{FF2B5EF4-FFF2-40B4-BE49-F238E27FC236}">
-                <a16:creationId xmlns:a16="http://schemas.microsoft.com/office/drawing/2014/main" id="{BAFA1E79-E393-A14D-941D-35390CAFDB9D}"/>
-              </a:ext>
-            </a:extLst>
-          </p:cNvPr>
-          <p:cNvCxnSpPr>
-            <a:cxnSpLocks/>
-            <a:stCxn id="39" idx="1"/>
-            <a:endCxn id="62" idx="3"/>
-          </p:cNvCxnSpPr>
-          <p:nvPr/>
-        </p:nvCxnSpPr>
-        <p:spPr>
-          <a:xfrm flipH="1" flipV="1">
-            <a:off x="7384709" y="6452365"/>
-            <a:ext cx="1773353" cy="11261"/>
+          <a:xfrm>
+            <a:off x="5914663" y="3206189"/>
+            <a:ext cx="398479" cy="1144110"/>
           </a:xfrm>
           <a:prstGeom prst="straightConnector1">
             <a:avLst/>
@@ -37152,10 +36491,10 @@
       </p:cxnSp>
       <p:sp>
         <p:nvSpPr>
-          <p:cNvPr id="87" name="Retângulo 86">
+          <p:cNvPr id="34" name="Retângulo 33">
             <a:extLst>
               <a:ext uri="{FF2B5EF4-FFF2-40B4-BE49-F238E27FC236}">
-                <a16:creationId xmlns:a16="http://schemas.microsoft.com/office/drawing/2014/main" id="{6A78C5F5-4064-AB4D-ADD9-9045E421AFF7}"/>
+                <a16:creationId xmlns:a16="http://schemas.microsoft.com/office/drawing/2014/main" id="{77341444-EDD2-F94C-901F-DE74378D7AC8}"/>
               </a:ext>
             </a:extLst>
           </p:cNvPr>
@@ -37164,190 +36503,8 @@
         </p:nvSpPr>
         <p:spPr>
           <a:xfrm>
-            <a:off x="7384709" y="1770406"/>
-            <a:ext cx="4606663" cy="833897"/>
-          </a:xfrm>
-          <a:prstGeom prst="rect">
-            <a:avLst/>
-          </a:prstGeom>
-          <a:noFill/>
-          <a:ln w="38100">
-            <a:solidFill>
-              <a:schemeClr val="tx1"/>
-            </a:solidFill>
-          </a:ln>
-        </p:spPr>
-        <p:style>
-          <a:lnRef idx="2">
-            <a:schemeClr val="accent1">
-              <a:shade val="50000"/>
-            </a:schemeClr>
-          </a:lnRef>
-          <a:fillRef idx="1">
-            <a:schemeClr val="accent1"/>
-          </a:fillRef>
-          <a:effectRef idx="0">
-            <a:schemeClr val="accent1"/>
-          </a:effectRef>
-          <a:fontRef idx="minor">
-            <a:schemeClr val="lt1"/>
-          </a:fontRef>
-        </p:style>
-        <p:txBody>
-          <a:bodyPr rtlCol="0" anchor="ctr"/>
-          <a:lstStyle/>
-          <a:p>
-            <a:pPr algn="ctr"/>
-            <a:endParaRPr lang="pt-BR">
-              <a:ln w="0"/>
-              <a:gradFill>
-                <a:gsLst>
-                  <a:gs pos="21000">
-                    <a:srgbClr val="53575C"/>
-                  </a:gs>
-                  <a:gs pos="88000">
-                    <a:srgbClr val="C5C7CA"/>
-                  </a:gs>
-                </a:gsLst>
-                <a:lin ang="5400000"/>
-              </a:gradFill>
-            </a:endParaRPr>
-          </a:p>
-        </p:txBody>
-      </p:sp>
-      <p:sp>
-        <p:nvSpPr>
-          <p:cNvPr id="88" name="Retângulo 87">
-            <a:extLst>
-              <a:ext uri="{FF2B5EF4-FFF2-40B4-BE49-F238E27FC236}">
-                <a16:creationId xmlns:a16="http://schemas.microsoft.com/office/drawing/2014/main" id="{8D390736-7653-F74B-8A93-9C04F4DCF6C5}"/>
-              </a:ext>
-            </a:extLst>
-          </p:cNvPr>
-          <p:cNvSpPr/>
-          <p:nvPr/>
-        </p:nvSpPr>
-        <p:spPr>
-          <a:xfrm>
-            <a:off x="5756904" y="3033867"/>
-            <a:ext cx="4606663" cy="833897"/>
-          </a:xfrm>
-          <a:prstGeom prst="rect">
-            <a:avLst/>
-          </a:prstGeom>
-          <a:noFill/>
-          <a:ln w="38100">
-            <a:solidFill>
-              <a:schemeClr val="tx1"/>
-            </a:solidFill>
-          </a:ln>
-        </p:spPr>
-        <p:style>
-          <a:lnRef idx="2">
-            <a:schemeClr val="accent1">
-              <a:shade val="50000"/>
-            </a:schemeClr>
-          </a:lnRef>
-          <a:fillRef idx="1">
-            <a:schemeClr val="accent1"/>
-          </a:fillRef>
-          <a:effectRef idx="0">
-            <a:schemeClr val="accent1"/>
-          </a:effectRef>
-          <a:fontRef idx="minor">
-            <a:schemeClr val="lt1"/>
-          </a:fontRef>
-        </p:style>
-        <p:txBody>
-          <a:bodyPr rtlCol="0" anchor="ctr"/>
-          <a:lstStyle/>
-          <a:p>
-            <a:pPr algn="ctr"/>
-            <a:endParaRPr lang="pt-BR">
-              <a:ln w="0"/>
-              <a:gradFill>
-                <a:gsLst>
-                  <a:gs pos="21000">
-                    <a:srgbClr val="53575C"/>
-                  </a:gs>
-                  <a:gs pos="88000">
-                    <a:srgbClr val="C5C7CA"/>
-                  </a:gs>
-                </a:gsLst>
-                <a:lin ang="5400000"/>
-              </a:gradFill>
-            </a:endParaRPr>
-          </a:p>
-        </p:txBody>
-      </p:sp>
-      <p:sp>
-        <p:nvSpPr>
-          <p:cNvPr id="93" name="Oval 92">
-            <a:extLst>
-              <a:ext uri="{FF2B5EF4-FFF2-40B4-BE49-F238E27FC236}">
-                <a16:creationId xmlns:a16="http://schemas.microsoft.com/office/drawing/2014/main" id="{CD42F4C9-9E5B-F645-9F87-4654968A89F7}"/>
-              </a:ext>
-            </a:extLst>
-          </p:cNvPr>
-          <p:cNvSpPr/>
-          <p:nvPr/>
-        </p:nvSpPr>
-        <p:spPr>
-          <a:xfrm>
-            <a:off x="537715" y="4316225"/>
-            <a:ext cx="730557" cy="706981"/>
-          </a:xfrm>
-          <a:prstGeom prst="ellipse">
-            <a:avLst/>
-          </a:prstGeom>
-          <a:noFill/>
-          <a:ln w="57150">
-            <a:solidFill>
-              <a:srgbClr val="00B050"/>
-            </a:solidFill>
-          </a:ln>
-        </p:spPr>
-        <p:style>
-          <a:lnRef idx="2">
-            <a:schemeClr val="accent1">
-              <a:shade val="50000"/>
-            </a:schemeClr>
-          </a:lnRef>
-          <a:fillRef idx="1">
-            <a:schemeClr val="accent1"/>
-          </a:fillRef>
-          <a:effectRef idx="0">
-            <a:schemeClr val="accent1"/>
-          </a:effectRef>
-          <a:fontRef idx="minor">
-            <a:schemeClr val="lt1"/>
-          </a:fontRef>
-        </p:style>
-        <p:txBody>
-          <a:bodyPr rtlCol="0" anchor="ctr"/>
-          <a:lstStyle/>
-          <a:p>
-            <a:pPr algn="ctr"/>
-            <a:endParaRPr lang="pt-BR"/>
-          </a:p>
-        </p:txBody>
-      </p:sp>
-      <p:sp>
-        <p:nvSpPr>
-          <p:cNvPr id="101" name="Retângulo 100">
-            <a:extLst>
-              <a:ext uri="{FF2B5EF4-FFF2-40B4-BE49-F238E27FC236}">
-                <a16:creationId xmlns:a16="http://schemas.microsoft.com/office/drawing/2014/main" id="{5A664F3F-2B1D-6746-BA10-56BCEF74C3DA}"/>
-              </a:ext>
-            </a:extLst>
-          </p:cNvPr>
-          <p:cNvSpPr/>
-          <p:nvPr/>
-        </p:nvSpPr>
-        <p:spPr>
-          <a:xfrm>
-            <a:off x="7361762" y="2630455"/>
-            <a:ext cx="1960073" cy="276999"/>
+            <a:off x="7552679" y="3973195"/>
+            <a:ext cx="4742342" cy="2862322"/>
           </a:xfrm>
           <a:prstGeom prst="rect">
             <a:avLst/>
@@ -37360,8 +36517,287 @@
           <a:lstStyle/>
           <a:p>
             <a:r>
-              <a:rPr lang="pt-BR" sz="1200" dirty="0"/>
-              <a:t>Percorre cada nó vizinho</a:t>
+              <a:rPr lang="pt-BR" dirty="0"/>
+              <a:t>grafo = []</a:t>
+            </a:r>
+            <a:br>
+              <a:rPr lang="pt-BR" dirty="0"/>
+            </a:br>
+            <a:endParaRPr lang="pt-BR" dirty="0"/>
+          </a:p>
+          <a:p>
+            <a:r>
+              <a:rPr lang="pt-BR" b="1" dirty="0">
+                <a:solidFill>
+                  <a:srgbClr val="000080"/>
+                </a:solidFill>
+              </a:rPr>
+              <a:t>for </a:t>
+            </a:r>
+            <a:r>
+              <a:rPr lang="pt-BR" dirty="0" err="1"/>
+              <a:t>i</a:t>
+            </a:r>
+            <a:r>
+              <a:rPr lang="pt-BR" dirty="0"/>
+              <a:t> </a:t>
+            </a:r>
+            <a:r>
+              <a:rPr lang="pt-BR" b="1" dirty="0">
+                <a:solidFill>
+                  <a:srgbClr val="000080"/>
+                </a:solidFill>
+              </a:rPr>
+              <a:t>in </a:t>
+            </a:r>
+            <a:r>
+              <a:rPr lang="pt-BR" dirty="0">
+                <a:solidFill>
+                  <a:srgbClr val="000080"/>
+                </a:solidFill>
+              </a:rPr>
+              <a:t>range</a:t>
+            </a:r>
+            <a:r>
+              <a:rPr lang="pt-BR" dirty="0"/>
+              <a:t>(</a:t>
+            </a:r>
+            <a:r>
+              <a:rPr lang="pt-BR" dirty="0" err="1"/>
+              <a:t>n</a:t>
+            </a:r>
+            <a:r>
+              <a:rPr lang="pt-BR" dirty="0"/>
+              <a:t>):</a:t>
+            </a:r>
+            <a:br>
+              <a:rPr lang="pt-BR" dirty="0"/>
+            </a:br>
+            <a:r>
+              <a:rPr lang="pt-BR" dirty="0"/>
+              <a:t>    </a:t>
+            </a:r>
+            <a:r>
+              <a:rPr lang="pt-BR" dirty="0" err="1"/>
+              <a:t>grafo.append</a:t>
+            </a:r>
+            <a:r>
+              <a:rPr lang="pt-BR" dirty="0"/>
+              <a:t>([])</a:t>
+            </a:r>
+            <a:br>
+              <a:rPr lang="pt-BR" dirty="0"/>
+            </a:br>
+            <a:br>
+              <a:rPr lang="pt-BR" dirty="0"/>
+            </a:br>
+            <a:r>
+              <a:rPr lang="pt-BR" i="1" dirty="0">
+                <a:solidFill>
+                  <a:srgbClr val="808080"/>
+                </a:solidFill>
+              </a:rPr>
+              <a:t>#armazena o caminho de cada nó numa lista</a:t>
+            </a:r>
+            <a:br>
+              <a:rPr lang="pt-BR" i="1" dirty="0">
+                <a:solidFill>
+                  <a:srgbClr val="808080"/>
+                </a:solidFill>
+              </a:rPr>
+            </a:br>
+            <a:r>
+              <a:rPr lang="pt-BR" b="1" dirty="0">
+                <a:solidFill>
+                  <a:srgbClr val="000080"/>
+                </a:solidFill>
+              </a:rPr>
+              <a:t>for </a:t>
+            </a:r>
+            <a:r>
+              <a:rPr lang="pt-BR" dirty="0" err="1"/>
+              <a:t>i</a:t>
+            </a:r>
+            <a:r>
+              <a:rPr lang="pt-BR" dirty="0"/>
+              <a:t> </a:t>
+            </a:r>
+            <a:r>
+              <a:rPr lang="pt-BR" b="1" dirty="0">
+                <a:solidFill>
+                  <a:srgbClr val="000080"/>
+                </a:solidFill>
+              </a:rPr>
+              <a:t>in </a:t>
+            </a:r>
+            <a:r>
+              <a:rPr lang="pt-BR" dirty="0">
+                <a:solidFill>
+                  <a:srgbClr val="000080"/>
+                </a:solidFill>
+              </a:rPr>
+              <a:t>range</a:t>
+            </a:r>
+            <a:r>
+              <a:rPr lang="pt-BR" dirty="0"/>
+              <a:t>(m):</a:t>
+            </a:r>
+            <a:br>
+              <a:rPr lang="pt-BR" dirty="0"/>
+            </a:br>
+            <a:r>
+              <a:rPr lang="pt-BR" dirty="0"/>
+              <a:t>    a, </a:t>
+            </a:r>
+            <a:r>
+              <a:rPr lang="pt-BR" dirty="0" err="1"/>
+              <a:t>b</a:t>
+            </a:r>
+            <a:r>
+              <a:rPr lang="pt-BR" dirty="0"/>
+              <a:t> = [</a:t>
+            </a:r>
+            <a:r>
+              <a:rPr lang="pt-BR" dirty="0" err="1">
+                <a:solidFill>
+                  <a:srgbClr val="000080"/>
+                </a:solidFill>
+              </a:rPr>
+              <a:t>int</a:t>
+            </a:r>
+            <a:r>
+              <a:rPr lang="pt-BR" dirty="0"/>
+              <a:t>(</a:t>
+            </a:r>
+            <a:r>
+              <a:rPr lang="pt-BR" dirty="0" err="1"/>
+              <a:t>i</a:t>
+            </a:r>
+            <a:r>
+              <a:rPr lang="pt-BR" dirty="0"/>
+              <a:t>) </a:t>
+            </a:r>
+            <a:r>
+              <a:rPr lang="pt-BR" b="1" dirty="0">
+                <a:solidFill>
+                  <a:srgbClr val="000080"/>
+                </a:solidFill>
+              </a:rPr>
+              <a:t>for </a:t>
+            </a:r>
+            <a:r>
+              <a:rPr lang="pt-BR" dirty="0" err="1"/>
+              <a:t>i</a:t>
+            </a:r>
+            <a:r>
+              <a:rPr lang="pt-BR" dirty="0"/>
+              <a:t> </a:t>
+            </a:r>
+            <a:r>
+              <a:rPr lang="pt-BR" b="1" dirty="0">
+                <a:solidFill>
+                  <a:srgbClr val="000080"/>
+                </a:solidFill>
+              </a:rPr>
+              <a:t>in </a:t>
+            </a:r>
+            <a:r>
+              <a:rPr lang="pt-BR" dirty="0">
+                <a:solidFill>
+                  <a:srgbClr val="000080"/>
+                </a:solidFill>
+              </a:rPr>
+              <a:t>input</a:t>
+            </a:r>
+            <a:r>
+              <a:rPr lang="pt-BR" dirty="0"/>
+              <a:t>().</a:t>
+            </a:r>
+            <a:r>
+              <a:rPr lang="pt-BR" dirty="0" err="1"/>
+              <a:t>split</a:t>
+            </a:r>
+            <a:r>
+              <a:rPr lang="pt-BR" dirty="0"/>
+              <a:t>()]</a:t>
+            </a:r>
+            <a:br>
+              <a:rPr lang="pt-BR" dirty="0"/>
+            </a:br>
+            <a:r>
+              <a:rPr lang="pt-BR" dirty="0"/>
+              <a:t>    grafo[a-</a:t>
+            </a:r>
+            <a:r>
+              <a:rPr lang="pt-BR" dirty="0">
+                <a:solidFill>
+                  <a:srgbClr val="0000FF"/>
+                </a:solidFill>
+              </a:rPr>
+              <a:t>1</a:t>
+            </a:r>
+            <a:r>
+              <a:rPr lang="pt-BR" dirty="0"/>
+              <a:t>].</a:t>
+            </a:r>
+            <a:r>
+              <a:rPr lang="pt-BR" dirty="0" err="1"/>
+              <a:t>append</a:t>
+            </a:r>
+            <a:r>
+              <a:rPr lang="pt-BR" dirty="0"/>
+              <a:t>(b-</a:t>
+            </a:r>
+            <a:r>
+              <a:rPr lang="pt-BR" dirty="0">
+                <a:solidFill>
+                  <a:srgbClr val="0000FF"/>
+                </a:solidFill>
+              </a:rPr>
+              <a:t>1</a:t>
+            </a:r>
+            <a:r>
+              <a:rPr lang="pt-BR" dirty="0"/>
+              <a:t>)</a:t>
+            </a:r>
+            <a:br>
+              <a:rPr lang="pt-BR" dirty="0"/>
+            </a:br>
+            <a:r>
+              <a:rPr lang="pt-BR" dirty="0"/>
+              <a:t>    grafo[b-</a:t>
+            </a:r>
+            <a:r>
+              <a:rPr lang="pt-BR" dirty="0">
+                <a:solidFill>
+                  <a:srgbClr val="0000FF"/>
+                </a:solidFill>
+              </a:rPr>
+              <a:t>1</a:t>
+            </a:r>
+            <a:r>
+              <a:rPr lang="pt-BR" dirty="0"/>
+              <a:t>].</a:t>
+            </a:r>
+            <a:r>
+              <a:rPr lang="pt-BR" dirty="0" err="1"/>
+              <a:t>append</a:t>
+            </a:r>
+            <a:r>
+              <a:rPr lang="pt-BR" dirty="0"/>
+              <a:t>(a-</a:t>
+            </a:r>
+            <a:r>
+              <a:rPr lang="pt-BR" dirty="0">
+                <a:solidFill>
+                  <a:srgbClr val="0000FF"/>
+                </a:solidFill>
+              </a:rPr>
+              <a:t>1</a:t>
+            </a:r>
+            <a:r>
+              <a:rPr lang="pt-BR" dirty="0"/>
+              <a:t>)</a:t>
             </a:r>
           </a:p>
         </p:txBody>
@@ -37369,7 +36805,193 @@
     </p:spTree>
     <p:extLst>
       <p:ext uri="{BB962C8B-B14F-4D97-AF65-F5344CB8AC3E}">
-        <p14:creationId xmlns:p14="http://schemas.microsoft.com/office/powerpoint/2010/main" val="2603791332"/>
+        <p14:creationId xmlns:p14="http://schemas.microsoft.com/office/powerpoint/2010/main" val="4016227171"/>
+      </p:ext>
+    </p:extLst>
+  </p:cSld>
+  <p:clrMapOvr>
+    <a:masterClrMapping/>
+  </p:clrMapOvr>
+</p:sld>
+</file>
+
+<file path=ppt/slides/slide44.xml><?xml version="1.0" encoding="utf-8"?>
+<p:sld xmlns:a="http://schemas.openxmlformats.org/drawingml/2006/main" xmlns:r="http://schemas.openxmlformats.org/officeDocument/2006/relationships" xmlns:p="http://schemas.openxmlformats.org/presentationml/2006/main">
+  <p:cSld>
+    <p:spTree>
+      <p:nvGrpSpPr>
+        <p:cNvPr id="1" name=""/>
+        <p:cNvGrpSpPr/>
+        <p:nvPr/>
+      </p:nvGrpSpPr>
+      <p:grpSpPr>
+        <a:xfrm>
+          <a:off x="0" y="0"/>
+          <a:ext cx="0" cy="0"/>
+          <a:chOff x="0" y="0"/>
+          <a:chExt cx="0" cy="0"/>
+        </a:xfrm>
+      </p:grpSpPr>
+      <p:sp>
+        <p:nvSpPr>
+          <p:cNvPr id="2" name="Título 1">
+            <a:extLst>
+              <a:ext uri="{FF2B5EF4-FFF2-40B4-BE49-F238E27FC236}">
+                <a16:creationId xmlns:a16="http://schemas.microsoft.com/office/drawing/2014/main" id="{4FA107A4-4183-F249-A2CC-E1BA466E01EF}"/>
+              </a:ext>
+            </a:extLst>
+          </p:cNvPr>
+          <p:cNvSpPr>
+            <a:spLocks noGrp="1"/>
+          </p:cNvSpPr>
+          <p:nvPr>
+            <p:ph type="title"/>
+          </p:nvPr>
+        </p:nvSpPr>
+        <p:spPr>
+          <a:xfrm>
+            <a:off x="1069847" y="484632"/>
+            <a:ext cx="10201777" cy="1609344"/>
+          </a:xfrm>
+        </p:spPr>
+        <p:txBody>
+          <a:bodyPr/>
+          <a:lstStyle/>
+          <a:p>
+            <a:r>
+              <a:rPr lang="pt-BR" dirty="0"/>
+              <a:t>Ciclovias – Estratégia 2 de resolução</a:t>
+            </a:r>
+          </a:p>
+        </p:txBody>
+      </p:sp>
+      <p:sp>
+        <p:nvSpPr>
+          <p:cNvPr id="3" name="Espaço Reservado para Conteúdo 2">
+            <a:extLst>
+              <a:ext uri="{FF2B5EF4-FFF2-40B4-BE49-F238E27FC236}">
+                <a16:creationId xmlns:a16="http://schemas.microsoft.com/office/drawing/2014/main" id="{8F556622-D69F-234E-9265-11C48065A712}"/>
+              </a:ext>
+            </a:extLst>
+          </p:cNvPr>
+          <p:cNvSpPr>
+            <a:spLocks noGrp="1"/>
+          </p:cNvSpPr>
+          <p:nvPr>
+            <p:ph idx="1"/>
+          </p:nvPr>
+        </p:nvSpPr>
+        <p:spPr>
+          <a:xfrm>
+            <a:off x="995111" y="1712533"/>
+            <a:ext cx="10201778" cy="4532992"/>
+          </a:xfrm>
+        </p:spPr>
+        <p:txBody>
+          <a:bodyPr>
+            <a:normAutofit/>
+          </a:bodyPr>
+          <a:lstStyle/>
+          <a:p>
+            <a:endParaRPr lang="pt-BR" sz="2800" dirty="0"/>
+          </a:p>
+          <a:p>
+            <a:pPr marL="457200" indent="-457200">
+              <a:buFont typeface="+mj-lt"/>
+              <a:buAutoNum type="arabicPeriod"/>
+            </a:pPr>
+            <a:r>
+              <a:rPr lang="pt-BR" sz="2800" dirty="0"/>
+              <a:t>Para cada </a:t>
+            </a:r>
+            <a:r>
+              <a:rPr lang="pt-BR" sz="2800" b="1" dirty="0"/>
+              <a:t>NÓ</a:t>
+            </a:r>
+            <a:r>
+              <a:rPr lang="pt-BR" sz="2800" dirty="0"/>
+              <a:t> do grafo:</a:t>
+            </a:r>
+          </a:p>
+          <a:p>
+            <a:pPr marL="731520" lvl="1" indent="-457200">
+              <a:buFont typeface="+mj-lt"/>
+              <a:buAutoNum type="arabicPeriod"/>
+            </a:pPr>
+            <a:r>
+              <a:rPr lang="pt-BR" sz="2400" b="1" dirty="0"/>
+              <a:t>Se o NÓ não possuir nó(</a:t>
+            </a:r>
+            <a:r>
+              <a:rPr lang="pt-BR" sz="2400" b="1" dirty="0" err="1"/>
+              <a:t>s</a:t>
+            </a:r>
+            <a:r>
+              <a:rPr lang="pt-BR" sz="2400" b="1" dirty="0"/>
+              <a:t>) vizinho(</a:t>
+            </a:r>
+            <a:r>
+              <a:rPr lang="pt-BR" sz="2400" b="1" dirty="0" err="1"/>
+              <a:t>s</a:t>
+            </a:r>
+            <a:r>
+              <a:rPr lang="pt-BR" sz="2400" b="1" dirty="0"/>
+              <a:t>)</a:t>
+            </a:r>
+            <a:r>
+              <a:rPr lang="pt-BR" sz="2400" dirty="0"/>
+              <a:t>, o caminho é 1.</a:t>
+            </a:r>
+          </a:p>
+          <a:p>
+            <a:pPr marL="731520" lvl="1" indent="-457200">
+              <a:buFont typeface="+mj-lt"/>
+              <a:buAutoNum type="arabicPeriod"/>
+            </a:pPr>
+            <a:r>
+              <a:rPr lang="pt-BR" sz="2400" b="1" dirty="0"/>
+              <a:t>Se o maior dos vizinhos do nó vizinho for menor que o NÓ</a:t>
+            </a:r>
+            <a:r>
+              <a:rPr lang="pt-BR" sz="2400" dirty="0"/>
+              <a:t>, o caminho é 2.</a:t>
+            </a:r>
+          </a:p>
+          <a:p>
+            <a:pPr marL="731520" lvl="1" indent="-457200">
+              <a:buFont typeface="+mj-lt"/>
+              <a:buAutoNum type="arabicPeriod"/>
+            </a:pPr>
+            <a:r>
+              <a:rPr lang="pt-BR" sz="2400" b="1" dirty="0"/>
+              <a:t>Senão passo 2</a:t>
+            </a:r>
+            <a:r>
+              <a:rPr lang="pt-BR" sz="2400" dirty="0"/>
+              <a:t>, para cada </a:t>
+            </a:r>
+            <a:r>
+              <a:rPr lang="pt-BR" sz="2400" b="1" dirty="0"/>
+              <a:t>nó vizinho (no2) do NÓ (no1)</a:t>
+            </a:r>
+            <a:r>
+              <a:rPr lang="pt-BR" sz="2400" dirty="0"/>
+              <a:t>, é realizada uma busca do maior caminho no grafo recursivamente. </a:t>
+            </a:r>
+          </a:p>
+          <a:p>
+            <a:pPr marL="457200" indent="-457200">
+              <a:buFont typeface="+mj-lt"/>
+              <a:buAutoNum type="arabicPeriod"/>
+            </a:pPr>
+            <a:endParaRPr lang="pt-BR" sz="2800" dirty="0"/>
+          </a:p>
+        </p:txBody>
+      </p:sp>
+    </p:spTree>
+    <p:extLst>
+      <p:ext uri="{BB962C8B-B14F-4D97-AF65-F5344CB8AC3E}">
+        <p14:creationId xmlns:p14="http://schemas.microsoft.com/office/powerpoint/2010/main" val="3506760906"/>
       </p:ext>
     </p:extLst>
   </p:cSld>
@@ -37442,8 +37064,8 @@
         </p:nvSpPr>
         <p:spPr>
           <a:xfrm>
-            <a:off x="601570" y="1793556"/>
-            <a:ext cx="5233210" cy="4532992"/>
+            <a:off x="601569" y="1793556"/>
+            <a:ext cx="5104735" cy="4532992"/>
           </a:xfrm>
         </p:spPr>
         <p:txBody>
@@ -38491,6 +38113,40 @@
       </p:cxnSp>
       <p:sp>
         <p:nvSpPr>
+          <p:cNvPr id="47" name="Retângulo 46">
+            <a:extLst>
+              <a:ext uri="{FF2B5EF4-FFF2-40B4-BE49-F238E27FC236}">
+                <a16:creationId xmlns:a16="http://schemas.microsoft.com/office/drawing/2014/main" id="{15DE61B4-7D61-A84C-A1E0-87A43D7652E1}"/>
+              </a:ext>
+            </a:extLst>
+          </p:cNvPr>
+          <p:cNvSpPr/>
+          <p:nvPr/>
+        </p:nvSpPr>
+        <p:spPr>
+          <a:xfrm>
+            <a:off x="7347230" y="3104340"/>
+            <a:ext cx="1491202" cy="646331"/>
+          </a:xfrm>
+          <a:prstGeom prst="rect">
+            <a:avLst/>
+          </a:prstGeom>
+        </p:spPr>
+        <p:txBody>
+          <a:bodyPr wrap="square">
+            <a:spAutoFit/>
+          </a:bodyPr>
+          <a:lstStyle/>
+          <a:p>
+            <a:r>
+              <a:rPr lang="pt-BR" sz="1200" dirty="0"/>
+              <a:t>Possui vizinhos do nó vizinho maior ou igual ao nó?</a:t>
+            </a:r>
+          </a:p>
+        </p:txBody>
+      </p:sp>
+      <p:sp>
+        <p:nvSpPr>
           <p:cNvPr id="51" name="Retângulo 50">
             <a:extLst>
               <a:ext uri="{FF2B5EF4-FFF2-40B4-BE49-F238E27FC236}">
@@ -38613,7 +38269,7 @@
           </a:prstGeom>
           <a:ln w="50800">
             <a:solidFill>
-              <a:srgbClr val="00B050"/>
+              <a:srgbClr val="0070C0"/>
             </a:solidFill>
             <a:headEnd type="triangle"/>
             <a:tailEnd type="none" w="lg" len="med"/>
@@ -38660,7 +38316,7 @@
           </a:prstGeom>
           <a:ln w="50800">
             <a:solidFill>
-              <a:srgbClr val="0070C0"/>
+              <a:srgbClr val="00B050"/>
             </a:solidFill>
             <a:headEnd type="triangle"/>
             <a:tailEnd type="none" w="lg" len="med"/>
@@ -38707,7 +38363,7 @@
           </a:prstGeom>
           <a:ln w="50800">
             <a:solidFill>
-              <a:srgbClr val="00B050"/>
+              <a:srgbClr val="0070C0"/>
             </a:solidFill>
             <a:headEnd type="triangle"/>
             <a:tailEnd type="none" w="lg" len="med"/>
@@ -38865,7 +38521,7 @@
           </a:prstGeom>
           <a:ln w="50800">
             <a:solidFill>
-              <a:srgbClr val="0070C0"/>
+              <a:srgbClr val="00B050"/>
             </a:solidFill>
             <a:headEnd type="triangle"/>
             <a:tailEnd type="none" w="lg" len="med"/>
@@ -39077,7 +38733,7 @@
         </p:nvSpPr>
         <p:spPr>
           <a:xfrm>
-            <a:off x="4336031" y="4310776"/>
+            <a:off x="537715" y="4316225"/>
             <a:ext cx="730557" cy="706981"/>
           </a:xfrm>
           <a:prstGeom prst="ellipse">
@@ -39117,44 +38773,10 @@
       </p:sp>
       <p:sp>
         <p:nvSpPr>
-          <p:cNvPr id="41" name="Retângulo 40">
+          <p:cNvPr id="101" name="Retângulo 100">
             <a:extLst>
               <a:ext uri="{FF2B5EF4-FFF2-40B4-BE49-F238E27FC236}">
-                <a16:creationId xmlns:a16="http://schemas.microsoft.com/office/drawing/2014/main" id="{90C8C96C-B35F-144A-A721-FABBCF1770F3}"/>
-              </a:ext>
-            </a:extLst>
-          </p:cNvPr>
-          <p:cNvSpPr/>
-          <p:nvPr/>
-        </p:nvSpPr>
-        <p:spPr>
-          <a:xfrm>
-            <a:off x="7347230" y="3104340"/>
-            <a:ext cx="1491202" cy="646331"/>
-          </a:xfrm>
-          <a:prstGeom prst="rect">
-            <a:avLst/>
-          </a:prstGeom>
-        </p:spPr>
-        <p:txBody>
-          <a:bodyPr wrap="square">
-            <a:spAutoFit/>
-          </a:bodyPr>
-          <a:lstStyle/>
-          <a:p>
-            <a:r>
-              <a:rPr lang="pt-BR" sz="1200" dirty="0"/>
-              <a:t>Possui vizinhos do nó vizinho maior ou igual ao nó?</a:t>
-            </a:r>
-          </a:p>
-        </p:txBody>
-      </p:sp>
-      <p:sp>
-        <p:nvSpPr>
-          <p:cNvPr id="42" name="Retângulo 41">
-            <a:extLst>
-              <a:ext uri="{FF2B5EF4-FFF2-40B4-BE49-F238E27FC236}">
-                <a16:creationId xmlns:a16="http://schemas.microsoft.com/office/drawing/2014/main" id="{18F562FF-3B6A-1047-8794-7AC26E32F620}"/>
+                <a16:creationId xmlns:a16="http://schemas.microsoft.com/office/drawing/2014/main" id="{5A664F3F-2B1D-6746-BA10-56BCEF74C3DA}"/>
               </a:ext>
             </a:extLst>
           </p:cNvPr>
@@ -39186,7 +38808,7 @@
     </p:spTree>
     <p:extLst>
       <p:ext uri="{BB962C8B-B14F-4D97-AF65-F5344CB8AC3E}">
-        <p14:creationId xmlns:p14="http://schemas.microsoft.com/office/powerpoint/2010/main" val="1191889507"/>
+        <p14:creationId xmlns:p14="http://schemas.microsoft.com/office/powerpoint/2010/main" val="2603791332"/>
       </p:ext>
     </p:extLst>
   </p:cSld>
@@ -39259,15 +38881,18 @@
         </p:nvSpPr>
         <p:spPr>
           <a:xfrm>
-            <a:off x="601569" y="1781980"/>
-            <a:ext cx="5813740" cy="1585198"/>
+            <a:off x="601570" y="1793556"/>
+            <a:ext cx="5233210" cy="4532992"/>
           </a:xfrm>
         </p:spPr>
         <p:txBody>
           <a:bodyPr>
-            <a:normAutofit fontScale="77500" lnSpcReduction="20000"/>
+            <a:normAutofit/>
           </a:bodyPr>
           <a:lstStyle/>
+          <a:p>
+            <a:endParaRPr lang="pt-BR" sz="2800" dirty="0"/>
+          </a:p>
           <a:p>
             <a:pPr marL="457200" indent="-457200">
               <a:buFont typeface="+mj-lt"/>
@@ -39275,60 +38900,8 @@
             </a:pPr>
             <a:r>
               <a:rPr lang="pt-BR" sz="2800" dirty="0"/>
-              <a:t>Fluxograma da estratégia do método de busca do maior caminho.</a:t>
-            </a:r>
-          </a:p>
-          <a:p>
-            <a:pPr marL="457200" indent="-457200">
-              <a:buFont typeface="+mj-lt"/>
-              <a:buAutoNum type="arabicPeriod"/>
-            </a:pPr>
-            <a:r>
-              <a:rPr lang="pt-BR" sz="2800" dirty="0"/>
-              <a:t>Variáveis:</a:t>
-            </a:r>
-          </a:p>
-          <a:p>
-            <a:pPr lvl="1">
-              <a:buFont typeface="Wingdings" pitchFamily="2" charset="2"/>
-              <a:buChar char="v"/>
-            </a:pPr>
-            <a:r>
-              <a:rPr lang="pt-BR" sz="2600" b="1" dirty="0">
-                <a:solidFill>
-                  <a:srgbClr val="0070C0"/>
-                </a:solidFill>
-              </a:rPr>
-              <a:t>caminho = 1.</a:t>
-            </a:r>
-          </a:p>
-          <a:p>
-            <a:pPr lvl="1">
-              <a:buFont typeface="Wingdings" pitchFamily="2" charset="2"/>
-              <a:buChar char="v"/>
-            </a:pPr>
-            <a:r>
-              <a:rPr lang="pt-BR" sz="2600" b="1" dirty="0" err="1">
-                <a:solidFill>
-                  <a:srgbClr val="0070C0"/>
-                </a:solidFill>
-              </a:rPr>
-              <a:t>cam_int</a:t>
-            </a:r>
-            <a:r>
-              <a:rPr lang="pt-BR" sz="2600" b="1" dirty="0">
-                <a:solidFill>
-                  <a:srgbClr val="0070C0"/>
-                </a:solidFill>
-              </a:rPr>
-              <a:t> = 2. #caminho intermediário</a:t>
-            </a:r>
-          </a:p>
-          <a:p>
-            <a:pPr marL="457200" indent="-457200">
-              <a:buFont typeface="+mj-lt"/>
-              <a:buAutoNum type="arabicPeriod"/>
-            </a:pPr>
+              <a:t>Fluxograma da estratégia 2</a:t>
+            </a:r>
             <a:endParaRPr lang="pt-BR" sz="2200" dirty="0"/>
           </a:p>
           <a:p>
@@ -39855,7 +39428,7 @@
         </p:nvSpPr>
         <p:spPr>
           <a:xfrm>
-            <a:off x="8428856" y="670811"/>
+            <a:off x="9100187" y="612937"/>
             <a:ext cx="1157468" cy="568201"/>
           </a:xfrm>
           <a:prstGeom prst="rect">
@@ -39885,7 +39458,7 @@
             <a:pPr algn="ctr"/>
             <a:r>
               <a:rPr lang="pt-BR" dirty="0"/>
-              <a:t>Nó 1</a:t>
+              <a:t>Nó</a:t>
             </a:r>
           </a:p>
         </p:txBody>
@@ -39901,14 +39474,243 @@
           </p:cNvPr>
           <p:cNvCxnSpPr>
             <a:cxnSpLocks/>
+            <a:stCxn id="87" idx="0"/>
             <a:endCxn id="15" idx="2"/>
           </p:cNvCxnSpPr>
           <p:nvPr/>
         </p:nvCxnSpPr>
         <p:spPr>
-          <a:xfrm flipV="1">
-            <a:off x="9007590" y="1239012"/>
-            <a:ext cx="0" cy="424216"/>
+          <a:xfrm flipH="1" flipV="1">
+            <a:off x="9678921" y="1181138"/>
+            <a:ext cx="9120" cy="589268"/>
+          </a:xfrm>
+          <a:prstGeom prst="straightConnector1">
+            <a:avLst/>
+          </a:prstGeom>
+          <a:ln w="50800">
+            <a:solidFill>
+              <a:srgbClr val="00B050"/>
+            </a:solidFill>
+            <a:headEnd type="triangle"/>
+            <a:tailEnd type="none" w="lg" len="med"/>
+          </a:ln>
+        </p:spPr>
+        <p:style>
+          <a:lnRef idx="1">
+            <a:schemeClr val="accent1"/>
+          </a:lnRef>
+          <a:fillRef idx="0">
+            <a:schemeClr val="accent1"/>
+          </a:fillRef>
+          <a:effectRef idx="0">
+            <a:schemeClr val="accent1"/>
+          </a:effectRef>
+          <a:fontRef idx="minor">
+            <a:schemeClr val="tx1"/>
+          </a:fontRef>
+        </p:style>
+      </p:cxnSp>
+      <p:sp>
+        <p:nvSpPr>
+          <p:cNvPr id="33" name="Retângulo 32">
+            <a:extLst>
+              <a:ext uri="{FF2B5EF4-FFF2-40B4-BE49-F238E27FC236}">
+                <a16:creationId xmlns:a16="http://schemas.microsoft.com/office/drawing/2014/main" id="{CF0D5AF1-312A-F744-A66C-8A1EB709001B}"/>
+              </a:ext>
+            </a:extLst>
+          </p:cNvPr>
+          <p:cNvSpPr/>
+          <p:nvPr/>
+        </p:nvSpPr>
+        <p:spPr>
+          <a:xfrm>
+            <a:off x="8796453" y="1964461"/>
+            <a:ext cx="1880686" cy="369332"/>
+          </a:xfrm>
+          <a:prstGeom prst="rect">
+            <a:avLst/>
+          </a:prstGeom>
+        </p:spPr>
+        <p:txBody>
+          <a:bodyPr wrap="square">
+            <a:spAutoFit/>
+          </a:bodyPr>
+          <a:lstStyle/>
+          <a:p>
+            <a:r>
+              <a:rPr lang="pt-BR" dirty="0"/>
+              <a:t>Possui vizinhos?</a:t>
+            </a:r>
+          </a:p>
+        </p:txBody>
+      </p:sp>
+      <p:sp>
+        <p:nvSpPr>
+          <p:cNvPr id="35" name="Retângulo 34">
+            <a:extLst>
+              <a:ext uri="{FF2B5EF4-FFF2-40B4-BE49-F238E27FC236}">
+                <a16:creationId xmlns:a16="http://schemas.microsoft.com/office/drawing/2014/main" id="{3B50ED54-965C-3146-B4BF-F09A02FE49DB}"/>
+              </a:ext>
+            </a:extLst>
+          </p:cNvPr>
+          <p:cNvSpPr/>
+          <p:nvPr/>
+        </p:nvSpPr>
+        <p:spPr>
+          <a:xfrm>
+            <a:off x="7546692" y="1923040"/>
+            <a:ext cx="1157468" cy="568201"/>
+          </a:xfrm>
+          <a:prstGeom prst="rect">
+            <a:avLst/>
+          </a:prstGeom>
+        </p:spPr>
+        <p:style>
+          <a:lnRef idx="2">
+            <a:schemeClr val="accent1">
+              <a:shade val="50000"/>
+            </a:schemeClr>
+          </a:lnRef>
+          <a:fillRef idx="1">
+            <a:schemeClr val="accent1"/>
+          </a:fillRef>
+          <a:effectRef idx="0">
+            <a:schemeClr val="accent1"/>
+          </a:effectRef>
+          <a:fontRef idx="minor">
+            <a:schemeClr val="lt1"/>
+          </a:fontRef>
+        </p:style>
+        <p:txBody>
+          <a:bodyPr rtlCol="0" anchor="ctr"/>
+          <a:lstStyle/>
+          <a:p>
+            <a:pPr algn="ctr"/>
+            <a:r>
+              <a:rPr lang="pt-BR" dirty="0"/>
+              <a:t>Sim</a:t>
+            </a:r>
+          </a:p>
+        </p:txBody>
+      </p:sp>
+      <p:sp>
+        <p:nvSpPr>
+          <p:cNvPr id="36" name="Retângulo 35">
+            <a:extLst>
+              <a:ext uri="{FF2B5EF4-FFF2-40B4-BE49-F238E27FC236}">
+                <a16:creationId xmlns:a16="http://schemas.microsoft.com/office/drawing/2014/main" id="{54F20580-B65B-144B-A110-D85007B0B11D}"/>
+              </a:ext>
+            </a:extLst>
+          </p:cNvPr>
+          <p:cNvSpPr/>
+          <p:nvPr/>
+        </p:nvSpPr>
+        <p:spPr>
+          <a:xfrm>
+            <a:off x="10677139" y="1923039"/>
+            <a:ext cx="1157468" cy="568201"/>
+          </a:xfrm>
+          <a:prstGeom prst="rect">
+            <a:avLst/>
+          </a:prstGeom>
+        </p:spPr>
+        <p:style>
+          <a:lnRef idx="2">
+            <a:schemeClr val="accent1">
+              <a:shade val="50000"/>
+            </a:schemeClr>
+          </a:lnRef>
+          <a:fillRef idx="1">
+            <a:schemeClr val="accent1"/>
+          </a:fillRef>
+          <a:effectRef idx="0">
+            <a:schemeClr val="accent1"/>
+          </a:effectRef>
+          <a:fontRef idx="minor">
+            <a:schemeClr val="lt1"/>
+          </a:fontRef>
+        </p:style>
+        <p:txBody>
+          <a:bodyPr rtlCol="0" anchor="ctr"/>
+          <a:lstStyle/>
+          <a:p>
+            <a:pPr algn="ctr"/>
+            <a:r>
+              <a:rPr lang="pt-BR" dirty="0"/>
+              <a:t>Não</a:t>
+            </a:r>
+          </a:p>
+        </p:txBody>
+      </p:sp>
+      <p:sp>
+        <p:nvSpPr>
+          <p:cNvPr id="37" name="Retângulo 36">
+            <a:extLst>
+              <a:ext uri="{FF2B5EF4-FFF2-40B4-BE49-F238E27FC236}">
+                <a16:creationId xmlns:a16="http://schemas.microsoft.com/office/drawing/2014/main" id="{3FF9440F-781A-5348-83A8-3AB9B9DAF2F6}"/>
+              </a:ext>
+            </a:extLst>
+          </p:cNvPr>
+          <p:cNvSpPr/>
+          <p:nvPr/>
+        </p:nvSpPr>
+        <p:spPr>
+          <a:xfrm>
+            <a:off x="10685044" y="3133621"/>
+            <a:ext cx="1157468" cy="811270"/>
+          </a:xfrm>
+          <a:prstGeom prst="rect">
+            <a:avLst/>
+          </a:prstGeom>
+        </p:spPr>
+        <p:style>
+          <a:lnRef idx="2">
+            <a:schemeClr val="accent1">
+              <a:shade val="50000"/>
+            </a:schemeClr>
+          </a:lnRef>
+          <a:fillRef idx="1">
+            <a:schemeClr val="accent1"/>
+          </a:fillRef>
+          <a:effectRef idx="0">
+            <a:schemeClr val="accent1"/>
+          </a:effectRef>
+          <a:fontRef idx="minor">
+            <a:schemeClr val="lt1"/>
+          </a:fontRef>
+        </p:style>
+        <p:txBody>
+          <a:bodyPr rtlCol="0" anchor="ctr"/>
+          <a:lstStyle/>
+          <a:p>
+            <a:pPr algn="ctr"/>
+            <a:r>
+              <a:rPr lang="pt-BR" dirty="0"/>
+              <a:t>Maior caminho é 1</a:t>
+            </a:r>
+          </a:p>
+        </p:txBody>
+      </p:sp>
+      <p:cxnSp>
+        <p:nvCxnSpPr>
+          <p:cNvPr id="38" name="Conector de Seta Reta 37">
+            <a:extLst>
+              <a:ext uri="{FF2B5EF4-FFF2-40B4-BE49-F238E27FC236}">
+                <a16:creationId xmlns:a16="http://schemas.microsoft.com/office/drawing/2014/main" id="{3165E74D-D71F-E84D-A36A-D867415E7DEF}"/>
+              </a:ext>
+            </a:extLst>
+          </p:cNvPr>
+          <p:cNvCxnSpPr>
+            <a:cxnSpLocks/>
+            <a:stCxn id="37" idx="0"/>
+            <a:endCxn id="36" idx="2"/>
+          </p:cNvCxnSpPr>
+          <p:nvPr/>
+        </p:nvCxnSpPr>
+        <p:spPr>
+          <a:xfrm flipH="1" flipV="1">
+            <a:off x="11255873" y="2491240"/>
+            <a:ext cx="7905" cy="642381"/>
           </a:xfrm>
           <a:prstGeom prst="straightConnector1">
             <a:avLst/>
@@ -39950,7 +39752,7 @@
         </p:nvSpPr>
         <p:spPr>
           <a:xfrm>
-            <a:off x="10525334" y="4145552"/>
+            <a:off x="9158062" y="6057991"/>
             <a:ext cx="1157468" cy="811270"/>
           </a:xfrm>
           <a:prstGeom prst="rect">
@@ -39980,7 +39782,7 @@
             <a:pPr algn="ctr"/>
             <a:r>
               <a:rPr lang="pt-BR" dirty="0"/>
-              <a:t>Fim</a:t>
+              <a:t>Próximo Nó</a:t>
             </a:r>
           </a:p>
         </p:txBody>
@@ -39997,14 +39799,14 @@
           <p:cNvCxnSpPr>
             <a:cxnSpLocks/>
             <a:stCxn id="39" idx="0"/>
-            <a:endCxn id="60" idx="2"/>
+            <a:endCxn id="37" idx="2"/>
           </p:cNvCxnSpPr>
           <p:nvPr/>
         </p:nvCxnSpPr>
         <p:spPr>
-          <a:xfrm flipH="1" flipV="1">
-            <a:off x="11097640" y="3604818"/>
-            <a:ext cx="6428" cy="540734"/>
+          <a:xfrm flipV="1">
+            <a:off x="9736796" y="3944891"/>
+            <a:ext cx="1526982" cy="2113100"/>
           </a:xfrm>
           <a:prstGeom prst="straightConnector1">
             <a:avLst/>
@@ -40012,6 +39814,339 @@
           <a:ln w="50800">
             <a:solidFill>
               <a:srgbClr val="0070C0"/>
+            </a:solidFill>
+            <a:headEnd type="triangle"/>
+            <a:tailEnd type="none" w="lg" len="med"/>
+          </a:ln>
+        </p:spPr>
+        <p:style>
+          <a:lnRef idx="1">
+            <a:schemeClr val="accent1"/>
+          </a:lnRef>
+          <a:fillRef idx="0">
+            <a:schemeClr val="accent1"/>
+          </a:fillRef>
+          <a:effectRef idx="0">
+            <a:schemeClr val="accent1"/>
+          </a:effectRef>
+          <a:fontRef idx="minor">
+            <a:schemeClr val="tx1"/>
+          </a:fontRef>
+        </p:style>
+      </p:cxnSp>
+      <p:sp>
+        <p:nvSpPr>
+          <p:cNvPr id="45" name="Retângulo 44">
+            <a:extLst>
+              <a:ext uri="{FF2B5EF4-FFF2-40B4-BE49-F238E27FC236}">
+                <a16:creationId xmlns:a16="http://schemas.microsoft.com/office/drawing/2014/main" id="{860B2FAA-EE0A-4344-A821-6B4290742906}"/>
+              </a:ext>
+            </a:extLst>
+          </p:cNvPr>
+          <p:cNvSpPr/>
+          <p:nvPr/>
+        </p:nvSpPr>
+        <p:spPr>
+          <a:xfrm>
+            <a:off x="9048141" y="4285019"/>
+            <a:ext cx="1157468" cy="811270"/>
+          </a:xfrm>
+          <a:prstGeom prst="rect">
+            <a:avLst/>
+          </a:prstGeom>
+        </p:spPr>
+        <p:style>
+          <a:lnRef idx="2">
+            <a:schemeClr val="accent1">
+              <a:shade val="50000"/>
+            </a:schemeClr>
+          </a:lnRef>
+          <a:fillRef idx="1">
+            <a:schemeClr val="accent1"/>
+          </a:fillRef>
+          <a:effectRef idx="0">
+            <a:schemeClr val="accent1"/>
+          </a:effectRef>
+          <a:fontRef idx="minor">
+            <a:schemeClr val="lt1"/>
+          </a:fontRef>
+        </p:style>
+        <p:txBody>
+          <a:bodyPr rtlCol="0" anchor="ctr"/>
+          <a:lstStyle/>
+          <a:p>
+            <a:pPr algn="ctr"/>
+            <a:r>
+              <a:rPr lang="pt-BR" dirty="0"/>
+              <a:t>Maior caminho é 2</a:t>
+            </a:r>
+          </a:p>
+        </p:txBody>
+      </p:sp>
+      <p:cxnSp>
+        <p:nvCxnSpPr>
+          <p:cNvPr id="46" name="Conector de Seta Reta 45">
+            <a:extLst>
+              <a:ext uri="{FF2B5EF4-FFF2-40B4-BE49-F238E27FC236}">
+                <a16:creationId xmlns:a16="http://schemas.microsoft.com/office/drawing/2014/main" id="{CBE50FA0-D4EA-F248-98CD-7E3B1B9FF537}"/>
+              </a:ext>
+            </a:extLst>
+          </p:cNvPr>
+          <p:cNvCxnSpPr>
+            <a:cxnSpLocks/>
+          </p:cNvCxnSpPr>
+          <p:nvPr/>
+        </p:nvCxnSpPr>
+        <p:spPr>
+          <a:xfrm flipV="1">
+            <a:off x="8060236" y="2491241"/>
+            <a:ext cx="65190" cy="542626"/>
+          </a:xfrm>
+          <a:prstGeom prst="straightConnector1">
+            <a:avLst/>
+          </a:prstGeom>
+          <a:ln w="50800">
+            <a:solidFill>
+              <a:srgbClr val="00B050"/>
+            </a:solidFill>
+            <a:headEnd type="triangle"/>
+            <a:tailEnd type="none" w="lg" len="med"/>
+          </a:ln>
+        </p:spPr>
+        <p:style>
+          <a:lnRef idx="1">
+            <a:schemeClr val="accent1"/>
+          </a:lnRef>
+          <a:fillRef idx="0">
+            <a:schemeClr val="accent1"/>
+          </a:fillRef>
+          <a:effectRef idx="0">
+            <a:schemeClr val="accent1"/>
+          </a:effectRef>
+          <a:fontRef idx="minor">
+            <a:schemeClr val="tx1"/>
+          </a:fontRef>
+        </p:style>
+      </p:cxnSp>
+      <p:sp>
+        <p:nvSpPr>
+          <p:cNvPr id="51" name="Retângulo 50">
+            <a:extLst>
+              <a:ext uri="{FF2B5EF4-FFF2-40B4-BE49-F238E27FC236}">
+                <a16:creationId xmlns:a16="http://schemas.microsoft.com/office/drawing/2014/main" id="{6B35FA44-CA4D-5E45-AD0F-EACD268380EF}"/>
+              </a:ext>
+            </a:extLst>
+          </p:cNvPr>
+          <p:cNvSpPr/>
+          <p:nvPr/>
+        </p:nvSpPr>
+        <p:spPr>
+          <a:xfrm>
+            <a:off x="5911119" y="3188126"/>
+            <a:ext cx="1157468" cy="568201"/>
+          </a:xfrm>
+          <a:prstGeom prst="rect">
+            <a:avLst/>
+          </a:prstGeom>
+        </p:spPr>
+        <p:style>
+          <a:lnRef idx="2">
+            <a:schemeClr val="accent1">
+              <a:shade val="50000"/>
+            </a:schemeClr>
+          </a:lnRef>
+          <a:fillRef idx="1">
+            <a:schemeClr val="accent1"/>
+          </a:fillRef>
+          <a:effectRef idx="0">
+            <a:schemeClr val="accent1"/>
+          </a:effectRef>
+          <a:fontRef idx="minor">
+            <a:schemeClr val="lt1"/>
+          </a:fontRef>
+        </p:style>
+        <p:txBody>
+          <a:bodyPr rtlCol="0" anchor="ctr"/>
+          <a:lstStyle/>
+          <a:p>
+            <a:pPr algn="ctr"/>
+            <a:r>
+              <a:rPr lang="pt-BR" dirty="0"/>
+              <a:t>Sim</a:t>
+            </a:r>
+          </a:p>
+        </p:txBody>
+      </p:sp>
+      <p:sp>
+        <p:nvSpPr>
+          <p:cNvPr id="52" name="Retângulo 51">
+            <a:extLst>
+              <a:ext uri="{FF2B5EF4-FFF2-40B4-BE49-F238E27FC236}">
+                <a16:creationId xmlns:a16="http://schemas.microsoft.com/office/drawing/2014/main" id="{AE85818C-DC89-534B-9655-CECD0C9A30E0}"/>
+              </a:ext>
+            </a:extLst>
+          </p:cNvPr>
+          <p:cNvSpPr/>
+          <p:nvPr/>
+        </p:nvSpPr>
+        <p:spPr>
+          <a:xfrm>
+            <a:off x="9041566" y="3188125"/>
+            <a:ext cx="1157468" cy="568201"/>
+          </a:xfrm>
+          <a:prstGeom prst="rect">
+            <a:avLst/>
+          </a:prstGeom>
+        </p:spPr>
+        <p:style>
+          <a:lnRef idx="2">
+            <a:schemeClr val="accent1">
+              <a:shade val="50000"/>
+            </a:schemeClr>
+          </a:lnRef>
+          <a:fillRef idx="1">
+            <a:schemeClr val="accent1"/>
+          </a:fillRef>
+          <a:effectRef idx="0">
+            <a:schemeClr val="accent1"/>
+          </a:effectRef>
+          <a:fontRef idx="minor">
+            <a:schemeClr val="lt1"/>
+          </a:fontRef>
+        </p:style>
+        <p:txBody>
+          <a:bodyPr rtlCol="0" anchor="ctr"/>
+          <a:lstStyle/>
+          <a:p>
+            <a:pPr algn="ctr"/>
+            <a:r>
+              <a:rPr lang="pt-BR" dirty="0"/>
+              <a:t>Não</a:t>
+            </a:r>
+          </a:p>
+        </p:txBody>
+      </p:sp>
+      <p:cxnSp>
+        <p:nvCxnSpPr>
+          <p:cNvPr id="53" name="Conector de Seta Reta 52">
+            <a:extLst>
+              <a:ext uri="{FF2B5EF4-FFF2-40B4-BE49-F238E27FC236}">
+                <a16:creationId xmlns:a16="http://schemas.microsoft.com/office/drawing/2014/main" id="{F6EB60EF-BD55-B64C-AF7D-38DE03377066}"/>
+              </a:ext>
+            </a:extLst>
+          </p:cNvPr>
+          <p:cNvCxnSpPr>
+            <a:cxnSpLocks/>
+            <a:stCxn id="45" idx="0"/>
+            <a:endCxn id="52" idx="2"/>
+          </p:cNvCxnSpPr>
+          <p:nvPr/>
+        </p:nvCxnSpPr>
+        <p:spPr>
+          <a:xfrm flipH="1" flipV="1">
+            <a:off x="9620300" y="3756326"/>
+            <a:ext cx="6575" cy="528693"/>
+          </a:xfrm>
+          <a:prstGeom prst="straightConnector1">
+            <a:avLst/>
+          </a:prstGeom>
+          <a:ln w="50800">
+            <a:solidFill>
+              <a:srgbClr val="00B050"/>
+            </a:solidFill>
+            <a:headEnd type="triangle"/>
+            <a:tailEnd type="none" w="lg" len="med"/>
+          </a:ln>
+        </p:spPr>
+        <p:style>
+          <a:lnRef idx="1">
+            <a:schemeClr val="accent1"/>
+          </a:lnRef>
+          <a:fillRef idx="0">
+            <a:schemeClr val="accent1"/>
+          </a:fillRef>
+          <a:effectRef idx="0">
+            <a:schemeClr val="accent1"/>
+          </a:effectRef>
+          <a:fontRef idx="minor">
+            <a:schemeClr val="tx1"/>
+          </a:fontRef>
+        </p:style>
+      </p:cxnSp>
+      <p:cxnSp>
+        <p:nvCxnSpPr>
+          <p:cNvPr id="54" name="Conector de Seta Reta 53">
+            <a:extLst>
+              <a:ext uri="{FF2B5EF4-FFF2-40B4-BE49-F238E27FC236}">
+                <a16:creationId xmlns:a16="http://schemas.microsoft.com/office/drawing/2014/main" id="{E2723627-36E5-D244-B53E-16F28F1B36E1}"/>
+              </a:ext>
+            </a:extLst>
+          </p:cNvPr>
+          <p:cNvCxnSpPr>
+            <a:cxnSpLocks/>
+            <a:stCxn id="61" idx="0"/>
+            <a:endCxn id="51" idx="2"/>
+          </p:cNvCxnSpPr>
+          <p:nvPr/>
+        </p:nvCxnSpPr>
+        <p:spPr>
+          <a:xfrm flipV="1">
+            <a:off x="6485696" y="3756327"/>
+            <a:ext cx="4157" cy="427922"/>
+          </a:xfrm>
+          <a:prstGeom prst="straightConnector1">
+            <a:avLst/>
+          </a:prstGeom>
+          <a:ln w="50800">
+            <a:solidFill>
+              <a:srgbClr val="0070C0"/>
+            </a:solidFill>
+            <a:headEnd type="triangle"/>
+            <a:tailEnd type="none" w="lg" len="med"/>
+          </a:ln>
+        </p:spPr>
+        <p:style>
+          <a:lnRef idx="1">
+            <a:schemeClr val="accent1"/>
+          </a:lnRef>
+          <a:fillRef idx="0">
+            <a:schemeClr val="accent1"/>
+          </a:fillRef>
+          <a:effectRef idx="0">
+            <a:schemeClr val="accent1"/>
+          </a:effectRef>
+          <a:fontRef idx="minor">
+            <a:schemeClr val="tx1"/>
+          </a:fontRef>
+        </p:style>
+      </p:cxnSp>
+      <p:cxnSp>
+        <p:nvCxnSpPr>
+          <p:cNvPr id="58" name="Conector de Seta Reta 57">
+            <a:extLst>
+              <a:ext uri="{FF2B5EF4-FFF2-40B4-BE49-F238E27FC236}">
+                <a16:creationId xmlns:a16="http://schemas.microsoft.com/office/drawing/2014/main" id="{74F79BF6-C459-D64F-BB36-AC36D92E38ED}"/>
+              </a:ext>
+            </a:extLst>
+          </p:cNvPr>
+          <p:cNvCxnSpPr>
+            <a:cxnSpLocks/>
+            <a:stCxn id="39" idx="0"/>
+            <a:endCxn id="45" idx="2"/>
+          </p:cNvCxnSpPr>
+          <p:nvPr/>
+        </p:nvCxnSpPr>
+        <p:spPr>
+          <a:xfrm flipH="1" flipV="1">
+            <a:off x="9626875" y="5096289"/>
+            <a:ext cx="109921" cy="961702"/>
+          </a:xfrm>
+          <a:prstGeom prst="straightConnector1">
+            <a:avLst/>
+          </a:prstGeom>
+          <a:ln w="50800">
+            <a:solidFill>
+              <a:srgbClr val="00B050"/>
             </a:solidFill>
             <a:headEnd type="triangle"/>
             <a:tailEnd type="none" w="lg" len="med"/>
@@ -40046,8 +40181,8 @@
         </p:nvSpPr>
         <p:spPr>
           <a:xfrm>
-            <a:off x="6201561" y="4393731"/>
-            <a:ext cx="3706445" cy="1374698"/>
+            <a:off x="5505659" y="4184249"/>
+            <a:ext cx="1960073" cy="960036"/>
           </a:xfrm>
           <a:prstGeom prst="rect">
             <a:avLst/>
@@ -40073,71 +40208,18 @@
           <a:bodyPr rtlCol="0" anchor="ctr"/>
           <a:lstStyle/>
           <a:p>
-            <a:pPr marL="342900" indent="-342900">
-              <a:buFont typeface="Courier New" panose="02070309020205020404" pitchFamily="49" charset="0"/>
-              <a:buChar char="o"/>
-            </a:pPr>
-            <a:r>
-              <a:rPr lang="pt-BR" dirty="0" err="1"/>
-              <a:t>cam_int</a:t>
-            </a:r>
+            <a:pPr algn="ctr"/>
             <a:r>
               <a:rPr lang="pt-BR" dirty="0"/>
-              <a:t> += 1</a:t>
-            </a:r>
-          </a:p>
-          <a:p>
-            <a:pPr marL="342900" indent="-342900">
-              <a:buFont typeface="Courier New" panose="02070309020205020404" pitchFamily="49" charset="0"/>
-              <a:buChar char="o"/>
-            </a:pPr>
-            <a:r>
-              <a:rPr lang="pt-BR" dirty="0" err="1"/>
-              <a:t>método_busca</a:t>
-            </a:r>
-            <a:r>
-              <a:rPr lang="pt-BR" dirty="0"/>
-              <a:t> (no2, no)</a:t>
-            </a:r>
-          </a:p>
-          <a:p>
-            <a:pPr marL="342900" indent="-342900">
-              <a:buFont typeface="Courier New" panose="02070309020205020404" pitchFamily="49" charset="0"/>
-              <a:buChar char="o"/>
-            </a:pPr>
-            <a:r>
-              <a:rPr lang="pt-BR" dirty="0"/>
-              <a:t>caminho = </a:t>
-            </a:r>
-            <a:r>
-              <a:rPr lang="pt-BR" dirty="0" err="1"/>
-              <a:t>max</a:t>
-            </a:r>
-            <a:r>
-              <a:rPr lang="pt-BR" dirty="0"/>
-              <a:t>(</a:t>
-            </a:r>
-            <a:r>
-              <a:rPr lang="pt-BR" dirty="0" err="1"/>
-              <a:t>caminho,cam</a:t>
-            </a:r>
-            <a:r>
-              <a:rPr lang="pt-BR" dirty="0"/>
-              <a:t>)</a:t>
-            </a:r>
-          </a:p>
-          <a:p>
-            <a:pPr marL="342900" indent="-342900">
-              <a:buFont typeface="Courier New" panose="02070309020205020404" pitchFamily="49" charset="0"/>
-              <a:buChar char="o"/>
-            </a:pPr>
-            <a:r>
-              <a:rPr lang="pt-BR" dirty="0" err="1"/>
-              <a:t>cam_int</a:t>
-            </a:r>
-            <a:r>
-              <a:rPr lang="pt-BR" dirty="0"/>
-              <a:t> -= 1</a:t>
+              <a:t>Busca recursiva utilizando </a:t>
+            </a:r>
+            <a:r>
+              <a:rPr lang="pt-BR" b="1" dirty="0"/>
+              <a:t>nó e </a:t>
+            </a:r>
+            <a:r>
+              <a:rPr lang="pt-BR" b="1" dirty="0" err="1"/>
+              <a:t>nó_vizinho</a:t>
             </a:r>
             <a:endParaRPr lang="pt-BR" b="1" dirty="0"/>
           </a:p>
@@ -40145,10 +40227,10 @@
       </p:sp>
       <p:sp>
         <p:nvSpPr>
-          <p:cNvPr id="88" name="Retângulo 87">
+          <p:cNvPr id="62" name="Retângulo 61">
             <a:extLst>
               <a:ext uri="{FF2B5EF4-FFF2-40B4-BE49-F238E27FC236}">
-                <a16:creationId xmlns:a16="http://schemas.microsoft.com/office/drawing/2014/main" id="{8D390736-7653-F74B-8A93-9C04F4DCF6C5}"/>
+                <a16:creationId xmlns:a16="http://schemas.microsoft.com/office/drawing/2014/main" id="{8DB18D99-6079-284C-90A7-54DFA437CA45}"/>
               </a:ext>
             </a:extLst>
           </p:cNvPr>
@@ -40157,73 +40239,8 @@
         </p:nvSpPr>
         <p:spPr>
           <a:xfrm>
-            <a:off x="8273482" y="1663228"/>
-            <a:ext cx="2840702" cy="862547"/>
-          </a:xfrm>
-          <a:prstGeom prst="rect">
-            <a:avLst/>
-          </a:prstGeom>
-          <a:noFill/>
-          <a:ln w="38100">
-            <a:solidFill>
-              <a:schemeClr val="tx1"/>
-            </a:solidFill>
-          </a:ln>
-        </p:spPr>
-        <p:style>
-          <a:lnRef idx="2">
-            <a:schemeClr val="accent1">
-              <a:shade val="50000"/>
-            </a:schemeClr>
-          </a:lnRef>
-          <a:fillRef idx="1">
-            <a:schemeClr val="accent1"/>
-          </a:fillRef>
-          <a:effectRef idx="0">
-            <a:schemeClr val="accent1"/>
-          </a:effectRef>
-          <a:fontRef idx="minor">
-            <a:schemeClr val="lt1"/>
-          </a:fontRef>
-        </p:style>
-        <p:txBody>
-          <a:bodyPr rtlCol="0" anchor="ctr"/>
-          <a:lstStyle/>
-          <a:p>
-            <a:pPr algn="ctr"/>
-            <a:endParaRPr lang="pt-BR">
-              <a:ln w="0"/>
-              <a:gradFill>
-                <a:gsLst>
-                  <a:gs pos="21000">
-                    <a:srgbClr val="53575C"/>
-                  </a:gs>
-                  <a:gs pos="88000">
-                    <a:srgbClr val="C5C7CA"/>
-                  </a:gs>
-                </a:gsLst>
-                <a:lin ang="5400000"/>
-              </a:gradFill>
-            </a:endParaRPr>
-          </a:p>
-        </p:txBody>
-      </p:sp>
-      <p:sp>
-        <p:nvSpPr>
-          <p:cNvPr id="41" name="Retângulo 40">
-            <a:extLst>
-              <a:ext uri="{FF2B5EF4-FFF2-40B4-BE49-F238E27FC236}">
-                <a16:creationId xmlns:a16="http://schemas.microsoft.com/office/drawing/2014/main" id="{CC96BBFF-1BDA-6A48-B801-AF426C7690E4}"/>
-              </a:ext>
-            </a:extLst>
-          </p:cNvPr>
-          <p:cNvSpPr/>
-          <p:nvPr/>
-        </p:nvSpPr>
-        <p:spPr>
-          <a:xfrm>
-            <a:off x="9956715" y="660618"/>
-            <a:ext cx="1157468" cy="568201"/>
+            <a:off x="6227241" y="6046730"/>
+            <a:ext cx="1157468" cy="811270"/>
           </a:xfrm>
           <a:prstGeom prst="rect">
             <a:avLst/>
@@ -40252,30 +40269,35 @@
             <a:pPr algn="ctr"/>
             <a:r>
               <a:rPr lang="pt-BR" dirty="0"/>
-              <a:t>Nó 2</a:t>
-            </a:r>
+              <a:t>Maior caminho é </a:t>
+            </a:r>
+            <a:r>
+              <a:rPr lang="pt-BR" dirty="0" err="1"/>
+              <a:t>X</a:t>
+            </a:r>
+            <a:endParaRPr lang="pt-BR" dirty="0"/>
           </a:p>
         </p:txBody>
       </p:sp>
       <p:cxnSp>
         <p:nvCxnSpPr>
-          <p:cNvPr id="42" name="Conector de Seta Reta 41">
+          <p:cNvPr id="63" name="Conector de Seta Reta 62">
             <a:extLst>
               <a:ext uri="{FF2B5EF4-FFF2-40B4-BE49-F238E27FC236}">
-                <a16:creationId xmlns:a16="http://schemas.microsoft.com/office/drawing/2014/main" id="{17061286-D8B6-F845-B7CB-4E199B048D26}"/>
+                <a16:creationId xmlns:a16="http://schemas.microsoft.com/office/drawing/2014/main" id="{91CA75E2-9FB1-534B-8EEE-190C731458CB}"/>
               </a:ext>
             </a:extLst>
           </p:cNvPr>
           <p:cNvCxnSpPr>
             <a:cxnSpLocks/>
-            <a:endCxn id="41" idx="2"/>
+            <a:endCxn id="61" idx="2"/>
           </p:cNvCxnSpPr>
           <p:nvPr/>
         </p:nvCxnSpPr>
         <p:spPr>
-          <a:xfrm flipH="1" flipV="1">
-            <a:off x="10535449" y="1228819"/>
-            <a:ext cx="9119" cy="434409"/>
+          <a:xfrm flipV="1">
+            <a:off x="6485696" y="5144285"/>
+            <a:ext cx="0" cy="913706"/>
           </a:xfrm>
           <a:prstGeom prst="straightConnector1">
             <a:avLst/>
@@ -40303,207 +40325,26 @@
           </a:fontRef>
         </p:style>
       </p:cxnSp>
-      <p:sp>
-        <p:nvSpPr>
-          <p:cNvPr id="55" name="Retângulo 54">
+      <p:cxnSp>
+        <p:nvCxnSpPr>
+          <p:cNvPr id="66" name="Conector de Seta Reta 65">
             <a:extLst>
               <a:ext uri="{FF2B5EF4-FFF2-40B4-BE49-F238E27FC236}">
-                <a16:creationId xmlns:a16="http://schemas.microsoft.com/office/drawing/2014/main" id="{B640B66C-35D7-BA4F-B043-9DD6F461E0C0}"/>
-              </a:ext>
-            </a:extLst>
-          </p:cNvPr>
-          <p:cNvSpPr/>
-          <p:nvPr/>
-        </p:nvSpPr>
-        <p:spPr>
-          <a:xfrm>
-            <a:off x="8352017" y="1628899"/>
-            <a:ext cx="2971814" cy="923330"/>
-          </a:xfrm>
-          <a:prstGeom prst="rect">
-            <a:avLst/>
-          </a:prstGeom>
-        </p:spPr>
-        <p:txBody>
-          <a:bodyPr wrap="square">
-            <a:spAutoFit/>
-          </a:bodyPr>
-          <a:lstStyle/>
-          <a:p>
-            <a:r>
-              <a:rPr lang="pt-BR" dirty="0"/>
-              <a:t>Lista de Nó(</a:t>
-            </a:r>
-            <a:r>
-              <a:rPr lang="pt-BR" dirty="0" err="1"/>
-              <a:t>s</a:t>
-            </a:r>
-            <a:r>
-              <a:rPr lang="pt-BR" dirty="0"/>
-              <a:t>) Vizinho(</a:t>
-            </a:r>
-            <a:r>
-              <a:rPr lang="pt-BR" dirty="0" err="1"/>
-              <a:t>s</a:t>
-            </a:r>
-            <a:r>
-              <a:rPr lang="pt-BR" dirty="0"/>
-              <a:t>) do Nó 2 que são maiores que Nó 1. </a:t>
-            </a:r>
-          </a:p>
-        </p:txBody>
-      </p:sp>
-      <p:sp>
-        <p:nvSpPr>
-          <p:cNvPr id="57" name="Retângulo 56">
-            <a:extLst>
-              <a:ext uri="{FF2B5EF4-FFF2-40B4-BE49-F238E27FC236}">
-                <a16:creationId xmlns:a16="http://schemas.microsoft.com/office/drawing/2014/main" id="{599AC75B-EE9C-0441-BC32-191B4635DE7C}"/>
-              </a:ext>
-            </a:extLst>
-          </p:cNvPr>
-          <p:cNvSpPr/>
-          <p:nvPr/>
-        </p:nvSpPr>
-        <p:spPr>
-          <a:xfrm>
-            <a:off x="8894151" y="3113093"/>
-            <a:ext cx="1384346" cy="369332"/>
-          </a:xfrm>
-          <a:prstGeom prst="rect">
-            <a:avLst/>
-          </a:prstGeom>
-        </p:spPr>
-        <p:txBody>
-          <a:bodyPr wrap="square">
-            <a:spAutoFit/>
-          </a:bodyPr>
-          <a:lstStyle/>
-          <a:p>
-            <a:r>
-              <a:rPr lang="pt-BR" dirty="0"/>
-              <a:t>Lista Vazia?</a:t>
-            </a:r>
-          </a:p>
-        </p:txBody>
-      </p:sp>
-      <p:sp>
-        <p:nvSpPr>
-          <p:cNvPr id="59" name="Retângulo 58">
-            <a:extLst>
-              <a:ext uri="{FF2B5EF4-FFF2-40B4-BE49-F238E27FC236}">
-                <a16:creationId xmlns:a16="http://schemas.microsoft.com/office/drawing/2014/main" id="{511E315D-DD79-294A-BE69-C2292AAA81FB}"/>
-              </a:ext>
-            </a:extLst>
-          </p:cNvPr>
-          <p:cNvSpPr/>
-          <p:nvPr/>
-        </p:nvSpPr>
-        <p:spPr>
-          <a:xfrm>
-            <a:off x="7388459" y="3036618"/>
-            <a:ext cx="1157468" cy="568201"/>
-          </a:xfrm>
-          <a:prstGeom prst="rect">
-            <a:avLst/>
-          </a:prstGeom>
-        </p:spPr>
-        <p:style>
-          <a:lnRef idx="2">
-            <a:schemeClr val="accent1">
-              <a:shade val="50000"/>
-            </a:schemeClr>
-          </a:lnRef>
-          <a:fillRef idx="1">
-            <a:schemeClr val="accent1"/>
-          </a:fillRef>
-          <a:effectRef idx="0">
-            <a:schemeClr val="accent1"/>
-          </a:effectRef>
-          <a:fontRef idx="minor">
-            <a:schemeClr val="lt1"/>
-          </a:fontRef>
-        </p:style>
-        <p:txBody>
-          <a:bodyPr rtlCol="0" anchor="ctr"/>
-          <a:lstStyle/>
-          <a:p>
-            <a:pPr algn="ctr"/>
-            <a:r>
-              <a:rPr lang="pt-BR" dirty="0"/>
-              <a:t>Não</a:t>
-            </a:r>
-          </a:p>
-        </p:txBody>
-      </p:sp>
-      <p:sp>
-        <p:nvSpPr>
-          <p:cNvPr id="60" name="Retângulo 59">
-            <a:extLst>
-              <a:ext uri="{FF2B5EF4-FFF2-40B4-BE49-F238E27FC236}">
-                <a16:creationId xmlns:a16="http://schemas.microsoft.com/office/drawing/2014/main" id="{789E9EF2-4124-C34E-AA83-BA9ED1DA4D17}"/>
-              </a:ext>
-            </a:extLst>
-          </p:cNvPr>
-          <p:cNvSpPr/>
-          <p:nvPr/>
-        </p:nvSpPr>
-        <p:spPr>
-          <a:xfrm>
-            <a:off x="10518906" y="3036617"/>
-            <a:ext cx="1157468" cy="568201"/>
-          </a:xfrm>
-          <a:prstGeom prst="rect">
-            <a:avLst/>
-          </a:prstGeom>
-        </p:spPr>
-        <p:style>
-          <a:lnRef idx="2">
-            <a:schemeClr val="accent1">
-              <a:shade val="50000"/>
-            </a:schemeClr>
-          </a:lnRef>
-          <a:fillRef idx="1">
-            <a:schemeClr val="accent1"/>
-          </a:fillRef>
-          <a:effectRef idx="0">
-            <a:schemeClr val="accent1"/>
-          </a:effectRef>
-          <a:fontRef idx="minor">
-            <a:schemeClr val="lt1"/>
-          </a:fontRef>
-        </p:style>
-        <p:txBody>
-          <a:bodyPr rtlCol="0" anchor="ctr"/>
-          <a:lstStyle/>
-          <a:p>
-            <a:pPr algn="ctr"/>
-            <a:r>
-              <a:rPr lang="pt-BR" dirty="0"/>
-              <a:t>Sim</a:t>
-            </a:r>
-          </a:p>
-        </p:txBody>
-      </p:sp>
-      <p:cxnSp>
-        <p:nvCxnSpPr>
-          <p:cNvPr id="64" name="Conector de Seta Reta 63">
-            <a:extLst>
-              <a:ext uri="{FF2B5EF4-FFF2-40B4-BE49-F238E27FC236}">
-                <a16:creationId xmlns:a16="http://schemas.microsoft.com/office/drawing/2014/main" id="{FCC66E29-6DE3-4F4D-BCE1-18AFBF9EFCB2}"/>
+                <a16:creationId xmlns:a16="http://schemas.microsoft.com/office/drawing/2014/main" id="{BAFA1E79-E393-A14D-941D-35390CAFDB9D}"/>
               </a:ext>
             </a:extLst>
           </p:cNvPr>
           <p:cNvCxnSpPr>
             <a:cxnSpLocks/>
-            <a:stCxn id="61" idx="0"/>
+            <a:stCxn id="39" idx="1"/>
+            <a:endCxn id="62" idx="3"/>
           </p:cNvCxnSpPr>
           <p:nvPr/>
         </p:nvCxnSpPr>
         <p:spPr>
-          <a:xfrm flipV="1">
-            <a:off x="8054784" y="3711535"/>
-            <a:ext cx="263925" cy="682196"/>
+          <a:xfrm flipH="1" flipV="1">
+            <a:off x="7384709" y="6452365"/>
+            <a:ext cx="1773353" cy="11261"/>
           </a:xfrm>
           <a:prstGeom prst="straightConnector1">
             <a:avLst/>
@@ -40533,10 +40374,10 @@
       </p:cxnSp>
       <p:sp>
         <p:nvSpPr>
-          <p:cNvPr id="65" name="Retângulo 64">
+          <p:cNvPr id="87" name="Retângulo 86">
             <a:extLst>
               <a:ext uri="{FF2B5EF4-FFF2-40B4-BE49-F238E27FC236}">
-                <a16:creationId xmlns:a16="http://schemas.microsoft.com/office/drawing/2014/main" id="{EA756BC8-B1AE-1848-A4E5-0CAE178DA192}"/>
+                <a16:creationId xmlns:a16="http://schemas.microsoft.com/office/drawing/2014/main" id="{6A78C5F5-4064-AB4D-ADD9-9045E421AFF7}"/>
               </a:ext>
             </a:extLst>
           </p:cNvPr>
@@ -40545,7 +40386,7 @@
         </p:nvSpPr>
         <p:spPr>
           <a:xfrm>
-            <a:off x="7226476" y="2883984"/>
+            <a:off x="7384709" y="1770406"/>
             <a:ext cx="4606663" cy="833897"/>
           </a:xfrm>
           <a:prstGeom prst="rect">
@@ -40598,10 +40439,10 @@
       </p:sp>
       <p:sp>
         <p:nvSpPr>
-          <p:cNvPr id="67" name="Retângulo 66">
+          <p:cNvPr id="88" name="Retângulo 87">
             <a:extLst>
               <a:ext uri="{FF2B5EF4-FFF2-40B4-BE49-F238E27FC236}">
-                <a16:creationId xmlns:a16="http://schemas.microsoft.com/office/drawing/2014/main" id="{6CF9C9AE-8F05-5D4E-AFA0-CFF9A2B098E4}"/>
+                <a16:creationId xmlns:a16="http://schemas.microsoft.com/office/drawing/2014/main" id="{8D390736-7653-F74B-8A93-9C04F4DCF6C5}"/>
               </a:ext>
             </a:extLst>
           </p:cNvPr>
@@ -40610,8 +40451,125 @@
         </p:nvSpPr>
         <p:spPr>
           <a:xfrm>
-            <a:off x="7271579" y="3828374"/>
-            <a:ext cx="2572458" cy="338554"/>
+            <a:off x="5756904" y="3033867"/>
+            <a:ext cx="4606663" cy="833897"/>
+          </a:xfrm>
+          <a:prstGeom prst="rect">
+            <a:avLst/>
+          </a:prstGeom>
+          <a:noFill/>
+          <a:ln w="38100">
+            <a:solidFill>
+              <a:schemeClr val="tx1"/>
+            </a:solidFill>
+          </a:ln>
+        </p:spPr>
+        <p:style>
+          <a:lnRef idx="2">
+            <a:schemeClr val="accent1">
+              <a:shade val="50000"/>
+            </a:schemeClr>
+          </a:lnRef>
+          <a:fillRef idx="1">
+            <a:schemeClr val="accent1"/>
+          </a:fillRef>
+          <a:effectRef idx="0">
+            <a:schemeClr val="accent1"/>
+          </a:effectRef>
+          <a:fontRef idx="minor">
+            <a:schemeClr val="lt1"/>
+          </a:fontRef>
+        </p:style>
+        <p:txBody>
+          <a:bodyPr rtlCol="0" anchor="ctr"/>
+          <a:lstStyle/>
+          <a:p>
+            <a:pPr algn="ctr"/>
+            <a:endParaRPr lang="pt-BR">
+              <a:ln w="0"/>
+              <a:gradFill>
+                <a:gsLst>
+                  <a:gs pos="21000">
+                    <a:srgbClr val="53575C"/>
+                  </a:gs>
+                  <a:gs pos="88000">
+                    <a:srgbClr val="C5C7CA"/>
+                  </a:gs>
+                </a:gsLst>
+                <a:lin ang="5400000"/>
+              </a:gradFill>
+            </a:endParaRPr>
+          </a:p>
+        </p:txBody>
+      </p:sp>
+      <p:sp>
+        <p:nvSpPr>
+          <p:cNvPr id="93" name="Oval 92">
+            <a:extLst>
+              <a:ext uri="{FF2B5EF4-FFF2-40B4-BE49-F238E27FC236}">
+                <a16:creationId xmlns:a16="http://schemas.microsoft.com/office/drawing/2014/main" id="{CD42F4C9-9E5B-F645-9F87-4654968A89F7}"/>
+              </a:ext>
+            </a:extLst>
+          </p:cNvPr>
+          <p:cNvSpPr/>
+          <p:nvPr/>
+        </p:nvSpPr>
+        <p:spPr>
+          <a:xfrm>
+            <a:off x="4336031" y="4310776"/>
+            <a:ext cx="730557" cy="706981"/>
+          </a:xfrm>
+          <a:prstGeom prst="ellipse">
+            <a:avLst/>
+          </a:prstGeom>
+          <a:noFill/>
+          <a:ln w="57150">
+            <a:solidFill>
+              <a:srgbClr val="00B050"/>
+            </a:solidFill>
+          </a:ln>
+        </p:spPr>
+        <p:style>
+          <a:lnRef idx="2">
+            <a:schemeClr val="accent1">
+              <a:shade val="50000"/>
+            </a:schemeClr>
+          </a:lnRef>
+          <a:fillRef idx="1">
+            <a:schemeClr val="accent1"/>
+          </a:fillRef>
+          <a:effectRef idx="0">
+            <a:schemeClr val="accent1"/>
+          </a:effectRef>
+          <a:fontRef idx="minor">
+            <a:schemeClr val="lt1"/>
+          </a:fontRef>
+        </p:style>
+        <p:txBody>
+          <a:bodyPr rtlCol="0" anchor="ctr"/>
+          <a:lstStyle/>
+          <a:p>
+            <a:pPr algn="ctr"/>
+            <a:endParaRPr lang="pt-BR"/>
+          </a:p>
+        </p:txBody>
+      </p:sp>
+      <p:sp>
+        <p:nvSpPr>
+          <p:cNvPr id="41" name="Retângulo 40">
+            <a:extLst>
+              <a:ext uri="{FF2B5EF4-FFF2-40B4-BE49-F238E27FC236}">
+                <a16:creationId xmlns:a16="http://schemas.microsoft.com/office/drawing/2014/main" id="{90C8C96C-B35F-144A-A721-FABBCF1770F3}"/>
+              </a:ext>
+            </a:extLst>
+          </p:cNvPr>
+          <p:cNvSpPr/>
+          <p:nvPr/>
+        </p:nvSpPr>
+        <p:spPr>
+          <a:xfrm>
+            <a:off x="7347230" y="3104340"/>
+            <a:ext cx="1491202" cy="646331"/>
           </a:xfrm>
           <a:prstGeom prst="rect">
             <a:avLst/>
@@ -40624,61 +40582,50 @@
           <a:lstStyle/>
           <a:p>
             <a:r>
-              <a:rPr lang="pt-BR" sz="1600" dirty="0"/>
-              <a:t>Percorre cada nó vizinho</a:t>
+              <a:rPr lang="pt-BR" sz="1200" dirty="0"/>
+              <a:t>Possui vizinhos do nó vizinho maior ou igual ao nó?</a:t>
             </a:r>
           </a:p>
         </p:txBody>
       </p:sp>
-      <p:cxnSp>
-        <p:nvCxnSpPr>
-          <p:cNvPr id="68" name="Conector de Seta Reta 67">
+      <p:sp>
+        <p:nvSpPr>
+          <p:cNvPr id="42" name="Retângulo 41">
             <a:extLst>
               <a:ext uri="{FF2B5EF4-FFF2-40B4-BE49-F238E27FC236}">
-                <a16:creationId xmlns:a16="http://schemas.microsoft.com/office/drawing/2014/main" id="{23CB0D0E-4094-0B4D-8AF2-F47204A6682B}"/>
+                <a16:creationId xmlns:a16="http://schemas.microsoft.com/office/drawing/2014/main" id="{18F562FF-3B6A-1047-8794-7AC26E32F620}"/>
               </a:ext>
             </a:extLst>
           </p:cNvPr>
-          <p:cNvCxnSpPr>
-            <a:cxnSpLocks/>
-          </p:cNvCxnSpPr>
+          <p:cNvSpPr/>
           <p:nvPr/>
-        </p:nvCxnSpPr>
+        </p:nvSpPr>
         <p:spPr>
-          <a:xfrm flipH="1" flipV="1">
-            <a:off x="9683040" y="2538546"/>
-            <a:ext cx="2537" cy="362567"/>
+          <a:xfrm>
+            <a:off x="7361762" y="2630455"/>
+            <a:ext cx="1960073" cy="276999"/>
           </a:xfrm>
-          <a:prstGeom prst="straightConnector1">
+          <a:prstGeom prst="rect">
             <a:avLst/>
           </a:prstGeom>
-          <a:ln w="50800">
-            <a:solidFill>
-              <a:srgbClr val="0070C0"/>
-            </a:solidFill>
-            <a:headEnd type="triangle"/>
-            <a:tailEnd type="none" w="lg" len="med"/>
-          </a:ln>
         </p:spPr>
-        <p:style>
-          <a:lnRef idx="1">
-            <a:schemeClr val="accent1"/>
-          </a:lnRef>
-          <a:fillRef idx="0">
-            <a:schemeClr val="accent1"/>
-          </a:fillRef>
-          <a:effectRef idx="0">
-            <a:schemeClr val="accent1"/>
-          </a:effectRef>
-          <a:fontRef idx="minor">
-            <a:schemeClr val="tx1"/>
-          </a:fontRef>
-        </p:style>
-      </p:cxnSp>
+        <p:txBody>
+          <a:bodyPr wrap="square">
+            <a:spAutoFit/>
+          </a:bodyPr>
+          <a:lstStyle/>
+          <a:p>
+            <a:r>
+              <a:rPr lang="pt-BR" sz="1200" dirty="0"/>
+              <a:t>Percorre cada nó vizinho</a:t>
+            </a:r>
+          </a:p>
+        </p:txBody>
+      </p:sp>
     </p:spTree>
     <p:extLst>
       <p:ext uri="{BB962C8B-B14F-4D97-AF65-F5344CB8AC3E}">
-        <p14:creationId xmlns:p14="http://schemas.microsoft.com/office/powerpoint/2010/main" val="3958499626"/>
+        <p14:creationId xmlns:p14="http://schemas.microsoft.com/office/powerpoint/2010/main" val="1191889507"/>
       </p:ext>
     </p:extLst>
   </p:cSld>
@@ -40757,7 +40704,7 @@
         </p:spPr>
         <p:txBody>
           <a:bodyPr>
-            <a:normAutofit fontScale="92500" lnSpcReduction="10000"/>
+            <a:normAutofit fontScale="77500" lnSpcReduction="20000"/>
           </a:bodyPr>
           <a:lstStyle/>
           <a:p>
@@ -40771,18 +40718,50 @@
             </a:r>
           </a:p>
           <a:p>
-            <a:pPr marL="0" indent="0">
-              <a:buNone/>
+            <a:pPr marL="457200" indent="-457200">
+              <a:buFont typeface="+mj-lt"/>
+              <a:buAutoNum type="arabicPeriod"/>
             </a:pPr>
             <a:r>
               <a:rPr lang="pt-BR" sz="2800" dirty="0"/>
-              <a:t>1ª chamada ao método</a:t>
-            </a:r>
-            <a:endParaRPr lang="pt-BR" sz="2600" b="1" dirty="0">
-              <a:solidFill>
-                <a:srgbClr val="0070C0"/>
-              </a:solidFill>
-            </a:endParaRPr>
+              <a:t>Variáveis Globais:</a:t>
+            </a:r>
+          </a:p>
+          <a:p>
+            <a:pPr lvl="1">
+              <a:buFont typeface="Wingdings" pitchFamily="2" charset="2"/>
+              <a:buChar char="v"/>
+            </a:pPr>
+            <a:r>
+              <a:rPr lang="pt-BR" sz="2600" b="1" dirty="0">
+                <a:solidFill>
+                  <a:srgbClr val="0070C0"/>
+                </a:solidFill>
+              </a:rPr>
+              <a:t>caminho = 1.</a:t>
+            </a:r>
+          </a:p>
+          <a:p>
+            <a:pPr lvl="1">
+              <a:buFont typeface="Wingdings" pitchFamily="2" charset="2"/>
+              <a:buChar char="v"/>
+            </a:pPr>
+            <a:r>
+              <a:rPr lang="pt-BR" sz="2600" b="1" dirty="0" err="1">
+                <a:solidFill>
+                  <a:srgbClr val="0070C0"/>
+                </a:solidFill>
+              </a:rPr>
+              <a:t>cam_int</a:t>
+            </a:r>
+            <a:r>
+              <a:rPr lang="pt-BR" sz="2600" b="1" dirty="0">
+                <a:solidFill>
+                  <a:srgbClr val="0070C0"/>
+                </a:solidFill>
+              </a:rPr>
+              <a:t> = 2. #caminho intermediário</a:t>
+            </a:r>
           </a:p>
           <a:p>
             <a:pPr marL="457200" indent="-457200">
@@ -41375,7 +41354,7 @@
           </a:prstGeom>
           <a:ln w="50800">
             <a:solidFill>
-              <a:srgbClr val="00B050"/>
+              <a:srgbClr val="0070C0"/>
             </a:solidFill>
             <a:headEnd type="triangle"/>
             <a:tailEnd type="none" w="lg" len="med"/>
@@ -41506,8 +41485,8 @@
         </p:nvSpPr>
         <p:spPr>
           <a:xfrm>
-            <a:off x="6201561" y="4393731"/>
-            <a:ext cx="3706445" cy="1374698"/>
+            <a:off x="5854320" y="4277984"/>
+            <a:ext cx="4227306" cy="1374698"/>
           </a:xfrm>
           <a:prstGeom prst="rect">
             <a:avLst/>
@@ -41557,7 +41536,7 @@
             </a:r>
             <a:r>
               <a:rPr lang="pt-BR" dirty="0"/>
-              <a:t> (no2, no)</a:t>
+              <a:t> (Nó 2, Nó)</a:t>
             </a:r>
           </a:p>
           <a:p>
@@ -41579,7 +41558,7 @@
             </a:r>
             <a:r>
               <a:rPr lang="pt-BR" dirty="0" err="1"/>
-              <a:t>caminho,cam</a:t>
+              <a:t>caminho,cam_int</a:t>
             </a:r>
             <a:r>
               <a:rPr lang="pt-BR" dirty="0"/>
@@ -41670,58 +41649,6 @@
       </p:sp>
       <p:sp>
         <p:nvSpPr>
-          <p:cNvPr id="93" name="Oval 92">
-            <a:extLst>
-              <a:ext uri="{FF2B5EF4-FFF2-40B4-BE49-F238E27FC236}">
-                <a16:creationId xmlns:a16="http://schemas.microsoft.com/office/drawing/2014/main" id="{CD42F4C9-9E5B-F645-9F87-4654968A89F7}"/>
-              </a:ext>
-            </a:extLst>
-          </p:cNvPr>
-          <p:cNvSpPr/>
-          <p:nvPr/>
-        </p:nvSpPr>
-        <p:spPr>
-          <a:xfrm>
-            <a:off x="537715" y="4316225"/>
-            <a:ext cx="730557" cy="706981"/>
-          </a:xfrm>
-          <a:prstGeom prst="ellipse">
-            <a:avLst/>
-          </a:prstGeom>
-          <a:noFill/>
-          <a:ln w="57150">
-            <a:solidFill>
-              <a:srgbClr val="00B050"/>
-            </a:solidFill>
-          </a:ln>
-        </p:spPr>
-        <p:style>
-          <a:lnRef idx="2">
-            <a:schemeClr val="accent1">
-              <a:shade val="50000"/>
-            </a:schemeClr>
-          </a:lnRef>
-          <a:fillRef idx="1">
-            <a:schemeClr val="accent1"/>
-          </a:fillRef>
-          <a:effectRef idx="0">
-            <a:schemeClr val="accent1"/>
-          </a:effectRef>
-          <a:fontRef idx="minor">
-            <a:schemeClr val="lt1"/>
-          </a:fontRef>
-        </p:style>
-        <p:txBody>
-          <a:bodyPr rtlCol="0" anchor="ctr"/>
-          <a:lstStyle/>
-          <a:p>
-            <a:pPr algn="ctr"/>
-            <a:endParaRPr lang="pt-BR"/>
-          </a:p>
-        </p:txBody>
-      </p:sp>
-      <p:sp>
-        <p:nvSpPr>
           <p:cNvPr id="41" name="Retângulo 40">
             <a:extLst>
               <a:ext uri="{FF2B5EF4-FFF2-40B4-BE49-F238E27FC236}">
@@ -41794,247 +41721,7 @@
           </a:prstGeom>
           <a:ln w="50800">
             <a:solidFill>
-              <a:srgbClr val="00B050"/>
-            </a:solidFill>
-            <a:headEnd type="triangle"/>
-            <a:tailEnd type="none" w="lg" len="med"/>
-          </a:ln>
-        </p:spPr>
-        <p:style>
-          <a:lnRef idx="1">
-            <a:schemeClr val="accent1"/>
-          </a:lnRef>
-          <a:fillRef idx="0">
-            <a:schemeClr val="accent1"/>
-          </a:fillRef>
-          <a:effectRef idx="0">
-            <a:schemeClr val="accent1"/>
-          </a:effectRef>
-          <a:fontRef idx="minor">
-            <a:schemeClr val="tx1"/>
-          </a:fontRef>
-        </p:style>
-      </p:cxnSp>
-      <p:sp>
-        <p:nvSpPr>
-          <p:cNvPr id="43" name="Oval 42">
-            <a:extLst>
-              <a:ext uri="{FF2B5EF4-FFF2-40B4-BE49-F238E27FC236}">
-                <a16:creationId xmlns:a16="http://schemas.microsoft.com/office/drawing/2014/main" id="{A43F2FB8-D518-A14C-BD66-E0E271C5A2A7}"/>
-              </a:ext>
-            </a:extLst>
-          </p:cNvPr>
-          <p:cNvSpPr/>
-          <p:nvPr/>
-        </p:nvSpPr>
-        <p:spPr>
-          <a:xfrm>
-            <a:off x="2300806" y="5131057"/>
-            <a:ext cx="730557" cy="706981"/>
-          </a:xfrm>
-          <a:prstGeom prst="ellipse">
-            <a:avLst/>
-          </a:prstGeom>
-          <a:noFill/>
-          <a:ln w="57150">
-            <a:solidFill>
-              <a:srgbClr val="00B050"/>
-            </a:solidFill>
-          </a:ln>
-        </p:spPr>
-        <p:style>
-          <a:lnRef idx="2">
-            <a:schemeClr val="accent1">
-              <a:shade val="50000"/>
-            </a:schemeClr>
-          </a:lnRef>
-          <a:fillRef idx="1">
-            <a:schemeClr val="accent1"/>
-          </a:fillRef>
-          <a:effectRef idx="0">
-            <a:schemeClr val="accent1"/>
-          </a:effectRef>
-          <a:fontRef idx="minor">
-            <a:schemeClr val="lt1"/>
-          </a:fontRef>
-        </p:style>
-        <p:txBody>
-          <a:bodyPr rtlCol="0" anchor="ctr"/>
-          <a:lstStyle/>
-          <a:p>
-            <a:pPr algn="ctr"/>
-            <a:endParaRPr lang="pt-BR"/>
-          </a:p>
-        </p:txBody>
-      </p:sp>
-      <p:sp>
-        <p:nvSpPr>
-          <p:cNvPr id="44" name="Retângulo 43">
-            <a:extLst>
-              <a:ext uri="{FF2B5EF4-FFF2-40B4-BE49-F238E27FC236}">
-                <a16:creationId xmlns:a16="http://schemas.microsoft.com/office/drawing/2014/main" id="{853DDB6D-288D-E743-9179-5D7554C4035C}"/>
-              </a:ext>
-            </a:extLst>
-          </p:cNvPr>
-          <p:cNvSpPr/>
-          <p:nvPr/>
-        </p:nvSpPr>
-        <p:spPr>
-          <a:xfrm>
-            <a:off x="328567" y="6179736"/>
-            <a:ext cx="674631" cy="568201"/>
-          </a:xfrm>
-          <a:prstGeom prst="rect">
-            <a:avLst/>
-          </a:prstGeom>
-        </p:spPr>
-        <p:style>
-          <a:lnRef idx="3">
-            <a:schemeClr val="lt1"/>
-          </a:lnRef>
-          <a:fillRef idx="1">
-            <a:schemeClr val="dk1"/>
-          </a:fillRef>
-          <a:effectRef idx="1">
-            <a:schemeClr val="dk1"/>
-          </a:effectRef>
-          <a:fontRef idx="minor">
-            <a:schemeClr val="lt1"/>
-          </a:fontRef>
-        </p:style>
-        <p:txBody>
-          <a:bodyPr rtlCol="0" anchor="ctr"/>
-          <a:lstStyle/>
-          <a:p>
-            <a:pPr algn="ctr"/>
-            <a:r>
-              <a:rPr lang="pt-BR" dirty="0"/>
-              <a:t>Nó 1</a:t>
-            </a:r>
-          </a:p>
-        </p:txBody>
-      </p:sp>
-      <p:sp>
-        <p:nvSpPr>
-          <p:cNvPr id="48" name="Retângulo 47">
-            <a:extLst>
-              <a:ext uri="{FF2B5EF4-FFF2-40B4-BE49-F238E27FC236}">
-                <a16:creationId xmlns:a16="http://schemas.microsoft.com/office/drawing/2014/main" id="{2AA36107-50A6-3846-91A2-2E6ACBDB8B28}"/>
-              </a:ext>
-            </a:extLst>
-          </p:cNvPr>
-          <p:cNvSpPr/>
-          <p:nvPr/>
-        </p:nvSpPr>
-        <p:spPr>
-          <a:xfrm>
-            <a:off x="2330989" y="6181117"/>
-            <a:ext cx="674631" cy="568201"/>
-          </a:xfrm>
-          <a:prstGeom prst="rect">
-            <a:avLst/>
-          </a:prstGeom>
-        </p:spPr>
-        <p:style>
-          <a:lnRef idx="3">
-            <a:schemeClr val="lt1"/>
-          </a:lnRef>
-          <a:fillRef idx="1">
-            <a:schemeClr val="dk1"/>
-          </a:fillRef>
-          <a:effectRef idx="1">
-            <a:schemeClr val="dk1"/>
-          </a:effectRef>
-          <a:fontRef idx="minor">
-            <a:schemeClr val="lt1"/>
-          </a:fontRef>
-        </p:style>
-        <p:txBody>
-          <a:bodyPr rtlCol="0" anchor="ctr"/>
-          <a:lstStyle/>
-          <a:p>
-            <a:pPr algn="ctr"/>
-            <a:r>
-              <a:rPr lang="pt-BR" dirty="0"/>
-              <a:t>Nó 2</a:t>
-            </a:r>
-          </a:p>
-        </p:txBody>
-      </p:sp>
-      <p:cxnSp>
-        <p:nvCxnSpPr>
-          <p:cNvPr id="49" name="Conector de Seta Reta 48">
-            <a:extLst>
-              <a:ext uri="{FF2B5EF4-FFF2-40B4-BE49-F238E27FC236}">
-                <a16:creationId xmlns:a16="http://schemas.microsoft.com/office/drawing/2014/main" id="{A1DB05F4-23C6-8849-8DEB-6BB9023EBADD}"/>
-              </a:ext>
-            </a:extLst>
-          </p:cNvPr>
-          <p:cNvCxnSpPr>
-            <a:cxnSpLocks/>
-            <a:stCxn id="93" idx="4"/>
-            <a:endCxn id="44" idx="0"/>
-          </p:cNvCxnSpPr>
-          <p:nvPr/>
-        </p:nvCxnSpPr>
-        <p:spPr>
-          <a:xfrm flipH="1">
-            <a:off x="665883" y="5023206"/>
-            <a:ext cx="237111" cy="1156530"/>
-          </a:xfrm>
-          <a:prstGeom prst="straightConnector1">
-            <a:avLst/>
-          </a:prstGeom>
-          <a:ln w="50800">
-            <a:solidFill>
-              <a:srgbClr val="FFC000"/>
-            </a:solidFill>
-            <a:headEnd type="triangle"/>
-            <a:tailEnd type="none" w="lg" len="med"/>
-          </a:ln>
-        </p:spPr>
-        <p:style>
-          <a:lnRef idx="1">
-            <a:schemeClr val="accent1"/>
-          </a:lnRef>
-          <a:fillRef idx="0">
-            <a:schemeClr val="accent1"/>
-          </a:fillRef>
-          <a:effectRef idx="0">
-            <a:schemeClr val="accent1"/>
-          </a:effectRef>
-          <a:fontRef idx="minor">
-            <a:schemeClr val="tx1"/>
-          </a:fontRef>
-        </p:style>
-      </p:cxnSp>
-      <p:cxnSp>
-        <p:nvCxnSpPr>
-          <p:cNvPr id="50" name="Conector de Seta Reta 49">
-            <a:extLst>
-              <a:ext uri="{FF2B5EF4-FFF2-40B4-BE49-F238E27FC236}">
-                <a16:creationId xmlns:a16="http://schemas.microsoft.com/office/drawing/2014/main" id="{8F9824FF-17AB-0C43-AFFC-55C8D85B2270}"/>
-              </a:ext>
-            </a:extLst>
-          </p:cNvPr>
-          <p:cNvCxnSpPr>
-            <a:cxnSpLocks/>
-            <a:stCxn id="43" idx="4"/>
-            <a:endCxn id="48" idx="0"/>
-          </p:cNvCxnSpPr>
-          <p:nvPr/>
-        </p:nvCxnSpPr>
-        <p:spPr>
-          <a:xfrm>
-            <a:off x="2666085" y="5838038"/>
-            <a:ext cx="2220" cy="343079"/>
-          </a:xfrm>
-          <a:prstGeom prst="straightConnector1">
-            <a:avLst/>
-          </a:prstGeom>
-          <a:ln w="50800">
-            <a:solidFill>
-              <a:srgbClr val="FFC000"/>
+              <a:srgbClr val="0070C0"/>
             </a:solidFill>
             <a:headEnd type="triangle"/>
             <a:tailEnd type="none" w="lg" len="med"/>
@@ -42248,21 +41935,20 @@
           </p:cNvPr>
           <p:cNvCxnSpPr>
             <a:cxnSpLocks/>
-            <a:stCxn id="61" idx="0"/>
           </p:cNvCxnSpPr>
           <p:nvPr/>
         </p:nvCxnSpPr>
         <p:spPr>
           <a:xfrm flipV="1">
-            <a:off x="8054784" y="3711535"/>
-            <a:ext cx="263925" cy="682196"/>
+            <a:off x="7967973" y="3595788"/>
+            <a:ext cx="3495" cy="682196"/>
           </a:xfrm>
           <a:prstGeom prst="straightConnector1">
             <a:avLst/>
           </a:prstGeom>
           <a:ln w="50800">
             <a:solidFill>
-              <a:srgbClr val="00B050"/>
+              <a:srgbClr val="0070C0"/>
             </a:solidFill>
             <a:headEnd type="triangle"/>
             <a:tailEnd type="none" w="lg" len="med"/>
@@ -42362,7 +42048,7 @@
         </p:nvSpPr>
         <p:spPr>
           <a:xfrm>
-            <a:off x="7271579" y="3828374"/>
+            <a:off x="7051658" y="3828374"/>
             <a:ext cx="2572458" cy="338554"/>
           </a:xfrm>
           <a:prstGeom prst="rect">
@@ -42406,7 +42092,7 @@
           </a:prstGeom>
           <a:ln w="50800">
             <a:solidFill>
-              <a:srgbClr val="00B050"/>
+              <a:srgbClr val="0070C0"/>
             </a:solidFill>
             <a:headEnd type="triangle"/>
             <a:tailEnd type="none" w="lg" len="med"/>
@@ -42427,60 +42113,10 @@
           </a:fontRef>
         </p:style>
       </p:cxnSp>
-      <p:sp>
-        <p:nvSpPr>
-          <p:cNvPr id="85" name="Retângulo 84">
-            <a:extLst>
-              <a:ext uri="{FF2B5EF4-FFF2-40B4-BE49-F238E27FC236}">
-                <a16:creationId xmlns:a16="http://schemas.microsoft.com/office/drawing/2014/main" id="{7CCFEA22-8CA8-B549-9510-01368D120FD8}"/>
-              </a:ext>
-            </a:extLst>
-          </p:cNvPr>
-          <p:cNvSpPr/>
-          <p:nvPr/>
-        </p:nvSpPr>
-        <p:spPr>
-          <a:xfrm>
-            <a:off x="3861654" y="5609059"/>
-            <a:ext cx="2403457" cy="1200329"/>
-          </a:xfrm>
-          <a:prstGeom prst="rect">
-            <a:avLst/>
-          </a:prstGeom>
-        </p:spPr>
-        <p:txBody>
-          <a:bodyPr wrap="square">
-            <a:spAutoFit/>
-          </a:bodyPr>
-          <a:lstStyle/>
-          <a:p>
-            <a:r>
-              <a:rPr lang="pt-BR" sz="2400" b="1" dirty="0"/>
-              <a:t>Debug:</a:t>
-            </a:r>
-          </a:p>
-          <a:p>
-            <a:r>
-              <a:rPr lang="pt-BR" sz="2400" b="1" dirty="0" err="1"/>
-              <a:t>cam_int</a:t>
-            </a:r>
-            <a:r>
-              <a:rPr lang="pt-BR" sz="2400" b="1" dirty="0"/>
-              <a:t> = 2</a:t>
-            </a:r>
-          </a:p>
-          <a:p>
-            <a:r>
-              <a:rPr lang="pt-BR" sz="2400" b="1" dirty="0"/>
-              <a:t>caminho = 1</a:t>
-            </a:r>
-          </a:p>
-        </p:txBody>
-      </p:sp>
     </p:spTree>
     <p:extLst>
       <p:ext uri="{BB962C8B-B14F-4D97-AF65-F5344CB8AC3E}">
-        <p14:creationId xmlns:p14="http://schemas.microsoft.com/office/powerpoint/2010/main" val="3842875290"/>
+        <p14:creationId xmlns:p14="http://schemas.microsoft.com/office/powerpoint/2010/main" val="3958499626"/>
       </p:ext>
     </p:extLst>
   </p:cSld>
@@ -43296,117 +42932,6 @@
       </p:cxnSp>
       <p:sp>
         <p:nvSpPr>
-          <p:cNvPr id="61" name="Retângulo 60">
-            <a:extLst>
-              <a:ext uri="{FF2B5EF4-FFF2-40B4-BE49-F238E27FC236}">
-                <a16:creationId xmlns:a16="http://schemas.microsoft.com/office/drawing/2014/main" id="{2FB475DD-5A00-9147-BBB6-FCD4D578821B}"/>
-              </a:ext>
-            </a:extLst>
-          </p:cNvPr>
-          <p:cNvSpPr/>
-          <p:nvPr/>
-        </p:nvSpPr>
-        <p:spPr>
-          <a:xfrm>
-            <a:off x="6201561" y="4393731"/>
-            <a:ext cx="3706445" cy="1374698"/>
-          </a:xfrm>
-          <a:prstGeom prst="rect">
-            <a:avLst/>
-          </a:prstGeom>
-        </p:spPr>
-        <p:style>
-          <a:lnRef idx="2">
-            <a:schemeClr val="accent1">
-              <a:shade val="50000"/>
-            </a:schemeClr>
-          </a:lnRef>
-          <a:fillRef idx="1">
-            <a:schemeClr val="accent1"/>
-          </a:fillRef>
-          <a:effectRef idx="0">
-            <a:schemeClr val="accent1"/>
-          </a:effectRef>
-          <a:fontRef idx="minor">
-            <a:schemeClr val="lt1"/>
-          </a:fontRef>
-        </p:style>
-        <p:txBody>
-          <a:bodyPr rtlCol="0" anchor="ctr"/>
-          <a:lstStyle/>
-          <a:p>
-            <a:pPr marL="342900" indent="-342900">
-              <a:buFont typeface="Courier New" panose="02070309020205020404" pitchFamily="49" charset="0"/>
-              <a:buChar char="o"/>
-            </a:pPr>
-            <a:r>
-              <a:rPr lang="pt-BR" dirty="0" err="1"/>
-              <a:t>cam_int</a:t>
-            </a:r>
-            <a:r>
-              <a:rPr lang="pt-BR" dirty="0"/>
-              <a:t> += 1</a:t>
-            </a:r>
-          </a:p>
-          <a:p>
-            <a:pPr marL="342900" indent="-342900">
-              <a:buFont typeface="Courier New" panose="02070309020205020404" pitchFamily="49" charset="0"/>
-              <a:buChar char="o"/>
-            </a:pPr>
-            <a:r>
-              <a:rPr lang="pt-BR" dirty="0" err="1"/>
-              <a:t>método_busca</a:t>
-            </a:r>
-            <a:r>
-              <a:rPr lang="pt-BR" dirty="0"/>
-              <a:t> (no2, no)</a:t>
-            </a:r>
-          </a:p>
-          <a:p>
-            <a:pPr marL="342900" indent="-342900">
-              <a:buFont typeface="Courier New" panose="02070309020205020404" pitchFamily="49" charset="0"/>
-              <a:buChar char="o"/>
-            </a:pPr>
-            <a:r>
-              <a:rPr lang="pt-BR" dirty="0"/>
-              <a:t>caminho = </a:t>
-            </a:r>
-            <a:r>
-              <a:rPr lang="pt-BR" dirty="0" err="1"/>
-              <a:t>max</a:t>
-            </a:r>
-            <a:r>
-              <a:rPr lang="pt-BR" dirty="0"/>
-              <a:t>(</a:t>
-            </a:r>
-            <a:r>
-              <a:rPr lang="pt-BR" dirty="0" err="1"/>
-              <a:t>caminho,cam</a:t>
-            </a:r>
-            <a:r>
-              <a:rPr lang="pt-BR" dirty="0"/>
-              <a:t>)</a:t>
-            </a:r>
-          </a:p>
-          <a:p>
-            <a:pPr marL="342900" indent="-342900">
-              <a:buFont typeface="Courier New" panose="02070309020205020404" pitchFamily="49" charset="0"/>
-              <a:buChar char="o"/>
-            </a:pPr>
-            <a:r>
-              <a:rPr lang="pt-BR" dirty="0" err="1"/>
-              <a:t>cam_int</a:t>
-            </a:r>
-            <a:r>
-              <a:rPr lang="pt-BR" dirty="0"/>
-              <a:t> -= 1</a:t>
-            </a:r>
-            <a:endParaRPr lang="pt-BR" b="1" dirty="0"/>
-          </a:p>
-        </p:txBody>
-      </p:sp>
-      <p:sp>
-        <p:nvSpPr>
           <p:cNvPr id="88" name="Retângulo 87">
             <a:extLst>
               <a:ext uri="{FF2B5EF4-FFF2-40B4-BE49-F238E27FC236}">
@@ -44050,14 +43575,15 @@
           </p:cNvPr>
           <p:cNvCxnSpPr>
             <a:cxnSpLocks/>
-            <a:stCxn id="61" idx="0"/>
+            <a:stCxn id="38" idx="0"/>
+            <a:endCxn id="59" idx="2"/>
           </p:cNvCxnSpPr>
           <p:nvPr/>
         </p:nvCxnSpPr>
         <p:spPr>
-          <a:xfrm flipV="1">
-            <a:off x="8054784" y="3711535"/>
-            <a:ext cx="263925" cy="682196"/>
+          <a:xfrm flipH="1" flipV="1">
+            <a:off x="7967193" y="3604819"/>
+            <a:ext cx="12355" cy="707888"/>
           </a:xfrm>
           <a:prstGeom prst="straightConnector1">
             <a:avLst/>
@@ -44164,8 +43690,8 @@
         </p:nvSpPr>
         <p:spPr>
           <a:xfrm>
-            <a:off x="7271579" y="3828374"/>
-            <a:ext cx="1609716" cy="338554"/>
+            <a:off x="7063233" y="3828374"/>
+            <a:ext cx="2572458" cy="338554"/>
           </a:xfrm>
           <a:prstGeom prst="rect">
             <a:avLst/>
@@ -44179,7 +43705,7 @@
           <a:p>
             <a:r>
               <a:rPr lang="pt-BR" sz="1600" dirty="0"/>
-              <a:t>Percorre a lista</a:t>
+              <a:t>Percorre cada nó vizinho</a:t>
             </a:r>
           </a:p>
         </p:txBody>
@@ -44284,7 +43810,7 @@
           <p:cNvPr id="38" name="Retângulo 37">
             <a:extLst>
               <a:ext uri="{FF2B5EF4-FFF2-40B4-BE49-F238E27FC236}">
-                <a16:creationId xmlns:a16="http://schemas.microsoft.com/office/drawing/2014/main" id="{C4630258-5D10-5041-973C-230EBADFDDFD}"/>
+                <a16:creationId xmlns:a16="http://schemas.microsoft.com/office/drawing/2014/main" id="{4473517B-CEA9-3D43-9DCE-AF2712C12524}"/>
               </a:ext>
             </a:extLst>
           </p:cNvPr>
@@ -44293,34 +43819,107 @@
         </p:nvSpPr>
         <p:spPr>
           <a:xfrm>
-            <a:off x="6461915" y="1925422"/>
-            <a:ext cx="1933177" cy="461665"/>
+            <a:off x="5865895" y="4312707"/>
+            <a:ext cx="4227306" cy="1374698"/>
           </a:xfrm>
           <a:prstGeom prst="rect">
             <a:avLst/>
           </a:prstGeom>
         </p:spPr>
+        <p:style>
+          <a:lnRef idx="2">
+            <a:schemeClr val="accent1">
+              <a:shade val="50000"/>
+            </a:schemeClr>
+          </a:lnRef>
+          <a:fillRef idx="1">
+            <a:schemeClr val="accent1"/>
+          </a:fillRef>
+          <a:effectRef idx="0">
+            <a:schemeClr val="accent1"/>
+          </a:effectRef>
+          <a:fontRef idx="minor">
+            <a:schemeClr val="lt1"/>
+          </a:fontRef>
+        </p:style>
         <p:txBody>
-          <a:bodyPr wrap="square">
-            <a:spAutoFit/>
-          </a:bodyPr>
+          <a:bodyPr rtlCol="0" anchor="ctr"/>
           <a:lstStyle/>
           <a:p>
-            <a:r>
-              <a:rPr lang="pt-BR" sz="2400" b="1" dirty="0">
-                <a:solidFill>
-                  <a:srgbClr val="00B050"/>
-                </a:solidFill>
-              </a:rPr>
-              <a:t>Lista = [5]</a:t>
-            </a:r>
+            <a:pPr marL="342900" indent="-342900">
+              <a:buFont typeface="Courier New" panose="02070309020205020404" pitchFamily="49" charset="0"/>
+              <a:buChar char="o"/>
+            </a:pPr>
+            <a:r>
+              <a:rPr lang="pt-BR" dirty="0" err="1"/>
+              <a:t>cam_int</a:t>
+            </a:r>
+            <a:r>
+              <a:rPr lang="pt-BR" dirty="0"/>
+              <a:t> += 1</a:t>
+            </a:r>
+          </a:p>
+          <a:p>
+            <a:pPr marL="342900" indent="-342900">
+              <a:buFont typeface="Courier New" panose="02070309020205020404" pitchFamily="49" charset="0"/>
+              <a:buChar char="o"/>
+            </a:pPr>
+            <a:r>
+              <a:rPr lang="pt-BR" dirty="0" err="1"/>
+              <a:t>método_busca</a:t>
+            </a:r>
+            <a:r>
+              <a:rPr lang="pt-BR" dirty="0"/>
+              <a:t> (Nó 2, Nó)</a:t>
+            </a:r>
+          </a:p>
+          <a:p>
+            <a:pPr marL="342900" indent="-342900">
+              <a:buFont typeface="Courier New" panose="02070309020205020404" pitchFamily="49" charset="0"/>
+              <a:buChar char="o"/>
+            </a:pPr>
+            <a:r>
+              <a:rPr lang="pt-BR" dirty="0"/>
+              <a:t>caminho = </a:t>
+            </a:r>
+            <a:r>
+              <a:rPr lang="pt-BR" dirty="0" err="1"/>
+              <a:t>max</a:t>
+            </a:r>
+            <a:r>
+              <a:rPr lang="pt-BR" dirty="0"/>
+              <a:t>(</a:t>
+            </a:r>
+            <a:r>
+              <a:rPr lang="pt-BR" dirty="0" err="1"/>
+              <a:t>caminho,cam_int</a:t>
+            </a:r>
+            <a:r>
+              <a:rPr lang="pt-BR" dirty="0"/>
+              <a:t>)</a:t>
+            </a:r>
+          </a:p>
+          <a:p>
+            <a:pPr marL="342900" indent="-342900">
+              <a:buFont typeface="Courier New" panose="02070309020205020404" pitchFamily="49" charset="0"/>
+              <a:buChar char="o"/>
+            </a:pPr>
+            <a:r>
+              <a:rPr lang="pt-BR" dirty="0" err="1"/>
+              <a:t>cam_int</a:t>
+            </a:r>
+            <a:r>
+              <a:rPr lang="pt-BR" dirty="0"/>
+              <a:t> -= 1</a:t>
+            </a:r>
+            <a:endParaRPr lang="pt-BR" b="1" dirty="0"/>
           </a:p>
         </p:txBody>
       </p:sp>
     </p:spTree>
     <p:extLst>
       <p:ext uri="{BB962C8B-B14F-4D97-AF65-F5344CB8AC3E}">
-        <p14:creationId xmlns:p14="http://schemas.microsoft.com/office/powerpoint/2010/main" val="2411929949"/>
+        <p14:creationId xmlns:p14="http://schemas.microsoft.com/office/powerpoint/2010/main" val="3842875290"/>
       </p:ext>
     </p:extLst>
   </p:cSld>
@@ -44372,6 +43971,73 @@
               <a:rPr lang="pt-BR" dirty="0"/>
               <a:t>Ciclovias – Estratégia 2</a:t>
             </a:r>
+          </a:p>
+        </p:txBody>
+      </p:sp>
+      <p:sp>
+        <p:nvSpPr>
+          <p:cNvPr id="3" name="Espaço Reservado para Conteúdo 2">
+            <a:extLst>
+              <a:ext uri="{FF2B5EF4-FFF2-40B4-BE49-F238E27FC236}">
+                <a16:creationId xmlns:a16="http://schemas.microsoft.com/office/drawing/2014/main" id="{8F556622-D69F-234E-9265-11C48065A712}"/>
+              </a:ext>
+            </a:extLst>
+          </p:cNvPr>
+          <p:cNvSpPr>
+            <a:spLocks noGrp="1"/>
+          </p:cNvSpPr>
+          <p:nvPr>
+            <p:ph idx="1"/>
+          </p:nvPr>
+        </p:nvSpPr>
+        <p:spPr>
+          <a:xfrm>
+            <a:off x="601569" y="1781980"/>
+            <a:ext cx="5813740" cy="1585198"/>
+          </a:xfrm>
+        </p:spPr>
+        <p:txBody>
+          <a:bodyPr>
+            <a:normAutofit fontScale="92500" lnSpcReduction="10000"/>
+          </a:bodyPr>
+          <a:lstStyle/>
+          <a:p>
+            <a:pPr marL="457200" indent="-457200">
+              <a:buFont typeface="+mj-lt"/>
+              <a:buAutoNum type="arabicPeriod"/>
+            </a:pPr>
+            <a:r>
+              <a:rPr lang="pt-BR" sz="2800" dirty="0"/>
+              <a:t>Fluxograma da estratégia do método de busca do maior caminho.</a:t>
+            </a:r>
+          </a:p>
+          <a:p>
+            <a:pPr marL="0" indent="0">
+              <a:buNone/>
+            </a:pPr>
+            <a:r>
+              <a:rPr lang="pt-BR" sz="2800" dirty="0"/>
+              <a:t>1ª chamada ao método</a:t>
+            </a:r>
+            <a:endParaRPr lang="pt-BR" sz="2600" b="1" dirty="0">
+              <a:solidFill>
+                <a:srgbClr val="0070C0"/>
+              </a:solidFill>
+            </a:endParaRPr>
+          </a:p>
+          <a:p>
+            <a:pPr marL="457200" indent="-457200">
+              <a:buFont typeface="+mj-lt"/>
+              <a:buAutoNum type="arabicPeriod"/>
+            </a:pPr>
+            <a:endParaRPr lang="pt-BR" sz="2200" dirty="0"/>
+          </a:p>
+          <a:p>
+            <a:pPr marL="457200" indent="-457200">
+              <a:buFont typeface="+mj-lt"/>
+              <a:buAutoNum type="arabicPeriod"/>
+            </a:pPr>
+            <a:endParaRPr lang="pt-BR" sz="2800" dirty="0"/>
           </a:p>
         </p:txBody>
       </p:sp>
@@ -45069,117 +44735,6 @@
       </p:cxnSp>
       <p:sp>
         <p:nvSpPr>
-          <p:cNvPr id="61" name="Retângulo 60">
-            <a:extLst>
-              <a:ext uri="{FF2B5EF4-FFF2-40B4-BE49-F238E27FC236}">
-                <a16:creationId xmlns:a16="http://schemas.microsoft.com/office/drawing/2014/main" id="{2FB475DD-5A00-9147-BBB6-FCD4D578821B}"/>
-              </a:ext>
-            </a:extLst>
-          </p:cNvPr>
-          <p:cNvSpPr/>
-          <p:nvPr/>
-        </p:nvSpPr>
-        <p:spPr>
-          <a:xfrm>
-            <a:off x="6201561" y="4393731"/>
-            <a:ext cx="3706445" cy="1374698"/>
-          </a:xfrm>
-          <a:prstGeom prst="rect">
-            <a:avLst/>
-          </a:prstGeom>
-        </p:spPr>
-        <p:style>
-          <a:lnRef idx="2">
-            <a:schemeClr val="accent1">
-              <a:shade val="50000"/>
-            </a:schemeClr>
-          </a:lnRef>
-          <a:fillRef idx="1">
-            <a:schemeClr val="accent1"/>
-          </a:fillRef>
-          <a:effectRef idx="0">
-            <a:schemeClr val="accent1"/>
-          </a:effectRef>
-          <a:fontRef idx="minor">
-            <a:schemeClr val="lt1"/>
-          </a:fontRef>
-        </p:style>
-        <p:txBody>
-          <a:bodyPr rtlCol="0" anchor="ctr"/>
-          <a:lstStyle/>
-          <a:p>
-            <a:pPr marL="342900" indent="-342900">
-              <a:buFont typeface="Courier New" panose="02070309020205020404" pitchFamily="49" charset="0"/>
-              <a:buChar char="o"/>
-            </a:pPr>
-            <a:r>
-              <a:rPr lang="pt-BR" dirty="0" err="1"/>
-              <a:t>cam_int</a:t>
-            </a:r>
-            <a:r>
-              <a:rPr lang="pt-BR" dirty="0"/>
-              <a:t> += 1</a:t>
-            </a:r>
-          </a:p>
-          <a:p>
-            <a:pPr marL="342900" indent="-342900">
-              <a:buFont typeface="Courier New" panose="02070309020205020404" pitchFamily="49" charset="0"/>
-              <a:buChar char="o"/>
-            </a:pPr>
-            <a:r>
-              <a:rPr lang="pt-BR" dirty="0" err="1"/>
-              <a:t>método_busca</a:t>
-            </a:r>
-            <a:r>
-              <a:rPr lang="pt-BR" dirty="0"/>
-              <a:t> (no2, no)</a:t>
-            </a:r>
-          </a:p>
-          <a:p>
-            <a:pPr marL="342900" indent="-342900">
-              <a:buFont typeface="Courier New" panose="02070309020205020404" pitchFamily="49" charset="0"/>
-              <a:buChar char="o"/>
-            </a:pPr>
-            <a:r>
-              <a:rPr lang="pt-BR" dirty="0"/>
-              <a:t>caminho = </a:t>
-            </a:r>
-            <a:r>
-              <a:rPr lang="pt-BR" dirty="0" err="1"/>
-              <a:t>max</a:t>
-            </a:r>
-            <a:r>
-              <a:rPr lang="pt-BR" dirty="0"/>
-              <a:t>(</a:t>
-            </a:r>
-            <a:r>
-              <a:rPr lang="pt-BR" dirty="0" err="1"/>
-              <a:t>caminho,cam</a:t>
-            </a:r>
-            <a:r>
-              <a:rPr lang="pt-BR" dirty="0"/>
-              <a:t>)</a:t>
-            </a:r>
-          </a:p>
-          <a:p>
-            <a:pPr marL="342900" indent="-342900">
-              <a:buFont typeface="Courier New" panose="02070309020205020404" pitchFamily="49" charset="0"/>
-              <a:buChar char="o"/>
-            </a:pPr>
-            <a:r>
-              <a:rPr lang="pt-BR" dirty="0" err="1"/>
-              <a:t>cam_int</a:t>
-            </a:r>
-            <a:r>
-              <a:rPr lang="pt-BR" dirty="0"/>
-              <a:t> -= 1</a:t>
-            </a:r>
-            <a:endParaRPr lang="pt-BR" b="1" dirty="0"/>
-          </a:p>
-        </p:txBody>
-      </p:sp>
-      <p:sp>
-        <p:nvSpPr>
           <p:cNvPr id="88" name="Retângulo 87">
             <a:extLst>
               <a:ext uri="{FF2B5EF4-FFF2-40B4-BE49-F238E27FC236}">
@@ -45257,7 +44812,7 @@
         </p:nvSpPr>
         <p:spPr>
           <a:xfrm>
-            <a:off x="2294108" y="5105442"/>
+            <a:off x="537715" y="4316225"/>
             <a:ext cx="730557" cy="706981"/>
           </a:xfrm>
           <a:prstGeom prst="ellipse">
@@ -45404,7 +44959,7 @@
         </p:nvSpPr>
         <p:spPr>
           <a:xfrm>
-            <a:off x="2404450" y="4300923"/>
+            <a:off x="2300806" y="5131057"/>
             <a:ext cx="730557" cy="706981"/>
           </a:xfrm>
           <a:prstGeom prst="ellipse">
@@ -45456,7 +45011,7 @@
         </p:nvSpPr>
         <p:spPr>
           <a:xfrm>
-            <a:off x="1456299" y="6089267"/>
+            <a:off x="328567" y="6179736"/>
             <a:ext cx="674631" cy="568201"/>
           </a:xfrm>
           <a:prstGeom prst="rect">
@@ -45503,7 +45058,7 @@
         </p:nvSpPr>
         <p:spPr>
           <a:xfrm>
-            <a:off x="3394615" y="3695879"/>
+            <a:off x="2330989" y="6181117"/>
             <a:ext cx="674631" cy="568201"/>
           </a:xfrm>
           <a:prstGeom prst="rect">
@@ -45554,8 +45109,8 @@
         </p:nvCxnSpPr>
         <p:spPr>
           <a:xfrm flipH="1">
-            <a:off x="1793615" y="5812423"/>
-            <a:ext cx="865772" cy="276844"/>
+            <a:off x="665883" y="5023206"/>
+            <a:ext cx="237111" cy="1156530"/>
           </a:xfrm>
           <a:prstGeom prst="straightConnector1">
             <a:avLst/>
@@ -45594,15 +45149,15 @@
           </p:cNvPr>
           <p:cNvCxnSpPr>
             <a:cxnSpLocks/>
-            <a:stCxn id="43" idx="7"/>
-            <a:endCxn id="48" idx="1"/>
+            <a:stCxn id="43" idx="4"/>
+            <a:endCxn id="48" idx="0"/>
           </p:cNvCxnSpPr>
           <p:nvPr/>
         </p:nvCxnSpPr>
         <p:spPr>
-          <a:xfrm flipV="1">
-            <a:off x="3028019" y="3979980"/>
-            <a:ext cx="366596" cy="424478"/>
+          <a:xfrm>
+            <a:off x="2666085" y="5838038"/>
+            <a:ext cx="2220" cy="343079"/>
           </a:xfrm>
           <a:prstGeom prst="straightConnector1">
             <a:avLst/>
@@ -45812,52 +45367,6 @@
           </a:p>
         </p:txBody>
       </p:sp>
-      <p:cxnSp>
-        <p:nvCxnSpPr>
-          <p:cNvPr id="64" name="Conector de Seta Reta 63">
-            <a:extLst>
-              <a:ext uri="{FF2B5EF4-FFF2-40B4-BE49-F238E27FC236}">
-                <a16:creationId xmlns:a16="http://schemas.microsoft.com/office/drawing/2014/main" id="{FCC66E29-6DE3-4F4D-BCE1-18AFBF9EFCB2}"/>
-              </a:ext>
-            </a:extLst>
-          </p:cNvPr>
-          <p:cNvCxnSpPr>
-            <a:cxnSpLocks/>
-            <a:stCxn id="61" idx="0"/>
-          </p:cNvCxnSpPr>
-          <p:nvPr/>
-        </p:nvCxnSpPr>
-        <p:spPr>
-          <a:xfrm flipV="1">
-            <a:off x="8054784" y="3711535"/>
-            <a:ext cx="263925" cy="682196"/>
-          </a:xfrm>
-          <a:prstGeom prst="straightConnector1">
-            <a:avLst/>
-          </a:prstGeom>
-          <a:ln w="50800">
-            <a:solidFill>
-              <a:srgbClr val="00B050"/>
-            </a:solidFill>
-            <a:headEnd type="triangle"/>
-            <a:tailEnd type="none" w="lg" len="med"/>
-          </a:ln>
-        </p:spPr>
-        <p:style>
-          <a:lnRef idx="1">
-            <a:schemeClr val="accent1"/>
-          </a:lnRef>
-          <a:fillRef idx="0">
-            <a:schemeClr val="accent1"/>
-          </a:fillRef>
-          <a:effectRef idx="0">
-            <a:schemeClr val="accent1"/>
-          </a:effectRef>
-          <a:fontRef idx="minor">
-            <a:schemeClr val="tx1"/>
-          </a:fontRef>
-        </p:style>
-      </p:cxnSp>
       <p:sp>
         <p:nvSpPr>
           <p:cNvPr id="65" name="Retângulo 64">
@@ -45937,7 +45446,7 @@
         </p:nvSpPr>
         <p:spPr>
           <a:xfrm>
-            <a:off x="7271579" y="3828374"/>
+            <a:off x="7051657" y="3793650"/>
             <a:ext cx="1609716" cy="338554"/>
           </a:xfrm>
           <a:prstGeom prst="rect">
@@ -46085,82 +45594,172 @@
                   <a:srgbClr val="00B050"/>
                 </a:solidFill>
               </a:rPr>
-              <a:t>Lista = [4]</a:t>
+              <a:t>Lista = [5]</a:t>
             </a:r>
           </a:p>
         </p:txBody>
       </p:sp>
-      <p:sp>
-        <p:nvSpPr>
-          <p:cNvPr id="47" name="Espaço Reservado para Conteúdo 2">
+      <p:cxnSp>
+        <p:nvCxnSpPr>
+          <p:cNvPr id="46" name="Conector de Seta Reta 45">
             <a:extLst>
               <a:ext uri="{FF2B5EF4-FFF2-40B4-BE49-F238E27FC236}">
-                <a16:creationId xmlns:a16="http://schemas.microsoft.com/office/drawing/2014/main" id="{37FD660B-A4A8-4D44-B3BB-DFEFA1D204ED}"/>
+                <a16:creationId xmlns:a16="http://schemas.microsoft.com/office/drawing/2014/main" id="{292B2C77-5608-0947-9CDD-DED4AC792478}"/>
               </a:ext>
             </a:extLst>
           </p:cNvPr>
-          <p:cNvSpPr>
-            <a:spLocks noGrp="1"/>
-          </p:cNvSpPr>
-          <p:nvPr>
-            <p:ph idx="1"/>
-          </p:nvPr>
+          <p:cNvCxnSpPr>
+            <a:cxnSpLocks/>
+            <a:stCxn id="47" idx="0"/>
+          </p:cNvCxnSpPr>
+          <p:nvPr/>
+        </p:nvCxnSpPr>
+        <p:spPr>
+          <a:xfrm flipH="1" flipV="1">
+            <a:off x="7967193" y="3604819"/>
+            <a:ext cx="12355" cy="707888"/>
+          </a:xfrm>
+          <a:prstGeom prst="straightConnector1">
+            <a:avLst/>
+          </a:prstGeom>
+          <a:ln w="50800">
+            <a:solidFill>
+              <a:srgbClr val="00B050"/>
+            </a:solidFill>
+            <a:headEnd type="triangle"/>
+            <a:tailEnd type="none" w="lg" len="med"/>
+          </a:ln>
+        </p:spPr>
+        <p:style>
+          <a:lnRef idx="1">
+            <a:schemeClr val="accent1"/>
+          </a:lnRef>
+          <a:fillRef idx="0">
+            <a:schemeClr val="accent1"/>
+          </a:fillRef>
+          <a:effectRef idx="0">
+            <a:schemeClr val="accent1"/>
+          </a:effectRef>
+          <a:fontRef idx="minor">
+            <a:schemeClr val="tx1"/>
+          </a:fontRef>
+        </p:style>
+      </p:cxnSp>
+      <p:sp>
+        <p:nvSpPr>
+          <p:cNvPr id="47" name="Retângulo 46">
+            <a:extLst>
+              <a:ext uri="{FF2B5EF4-FFF2-40B4-BE49-F238E27FC236}">
+                <a16:creationId xmlns:a16="http://schemas.microsoft.com/office/drawing/2014/main" id="{A7B9BCEC-135A-2D46-BD31-1E37AE6B930E}"/>
+              </a:ext>
+            </a:extLst>
+          </p:cNvPr>
+          <p:cNvSpPr/>
+          <p:nvPr/>
         </p:nvSpPr>
         <p:spPr>
           <a:xfrm>
-            <a:off x="601569" y="1781980"/>
-            <a:ext cx="5813740" cy="1585198"/>
+            <a:off x="5865895" y="4312707"/>
+            <a:ext cx="4227306" cy="1374698"/>
           </a:xfrm>
+          <a:prstGeom prst="rect">
+            <a:avLst/>
+          </a:prstGeom>
         </p:spPr>
+        <p:style>
+          <a:lnRef idx="2">
+            <a:schemeClr val="accent1">
+              <a:shade val="50000"/>
+            </a:schemeClr>
+          </a:lnRef>
+          <a:fillRef idx="1">
+            <a:schemeClr val="accent1"/>
+          </a:fillRef>
+          <a:effectRef idx="0">
+            <a:schemeClr val="accent1"/>
+          </a:effectRef>
+          <a:fontRef idx="minor">
+            <a:schemeClr val="lt1"/>
+          </a:fontRef>
+        </p:style>
         <p:txBody>
-          <a:bodyPr>
-            <a:normAutofit fontScale="92500" lnSpcReduction="10000"/>
-          </a:bodyPr>
+          <a:bodyPr rtlCol="0" anchor="ctr"/>
           <a:lstStyle/>
           <a:p>
-            <a:pPr marL="457200" indent="-457200">
-              <a:buFont typeface="+mj-lt"/>
-              <a:buAutoNum type="arabicPeriod"/>
+            <a:pPr marL="342900" indent="-342900">
+              <a:buFont typeface="Courier New" panose="02070309020205020404" pitchFamily="49" charset="0"/>
+              <a:buChar char="o"/>
             </a:pPr>
             <a:r>
-              <a:rPr lang="pt-BR" sz="2800" dirty="0"/>
-              <a:t>Fluxograma da estratégia do método de busca do maior caminho.</a:t>
-            </a:r>
-          </a:p>
-          <a:p>
-            <a:pPr marL="0" indent="0">
-              <a:buNone/>
+              <a:rPr lang="pt-BR" dirty="0" err="1"/>
+              <a:t>cam_int</a:t>
+            </a:r>
+            <a:r>
+              <a:rPr lang="pt-BR" dirty="0"/>
+              <a:t> += 1</a:t>
+            </a:r>
+          </a:p>
+          <a:p>
+            <a:pPr marL="342900" indent="-342900">
+              <a:buFont typeface="Courier New" panose="02070309020205020404" pitchFamily="49" charset="0"/>
+              <a:buChar char="o"/>
             </a:pPr>
             <a:r>
-              <a:rPr lang="pt-BR" sz="2800" dirty="0"/>
-              <a:t>2ª chamada ao método</a:t>
-            </a:r>
-            <a:endParaRPr lang="pt-BR" sz="2600" b="1" dirty="0">
-              <a:solidFill>
-                <a:srgbClr val="0070C0"/>
-              </a:solidFill>
-            </a:endParaRPr>
-          </a:p>
-          <a:p>
-            <a:pPr marL="457200" indent="-457200">
-              <a:buFont typeface="+mj-lt"/>
-              <a:buAutoNum type="arabicPeriod"/>
+              <a:rPr lang="pt-BR" dirty="0" err="1"/>
+              <a:t>método_busca</a:t>
+            </a:r>
+            <a:r>
+              <a:rPr lang="pt-BR" dirty="0"/>
+              <a:t> (Nó 2, Nó)</a:t>
+            </a:r>
+          </a:p>
+          <a:p>
+            <a:pPr marL="342900" indent="-342900">
+              <a:buFont typeface="Courier New" panose="02070309020205020404" pitchFamily="49" charset="0"/>
+              <a:buChar char="o"/>
             </a:pPr>
-            <a:endParaRPr lang="pt-BR" sz="2200" dirty="0"/>
-          </a:p>
-          <a:p>
-            <a:pPr marL="457200" indent="-457200">
-              <a:buFont typeface="+mj-lt"/>
-              <a:buAutoNum type="arabicPeriod"/>
+            <a:r>
+              <a:rPr lang="pt-BR" dirty="0"/>
+              <a:t>caminho = </a:t>
+            </a:r>
+            <a:r>
+              <a:rPr lang="pt-BR" dirty="0" err="1"/>
+              <a:t>max</a:t>
+            </a:r>
+            <a:r>
+              <a:rPr lang="pt-BR" dirty="0"/>
+              <a:t>(</a:t>
+            </a:r>
+            <a:r>
+              <a:rPr lang="pt-BR" dirty="0" err="1"/>
+              <a:t>caminho,cam_int</a:t>
+            </a:r>
+            <a:r>
+              <a:rPr lang="pt-BR" dirty="0"/>
+              <a:t>)</a:t>
+            </a:r>
+          </a:p>
+          <a:p>
+            <a:pPr marL="342900" indent="-342900">
+              <a:buFont typeface="Courier New" panose="02070309020205020404" pitchFamily="49" charset="0"/>
+              <a:buChar char="o"/>
             </a:pPr>
-            <a:endParaRPr lang="pt-BR" sz="2800" dirty="0"/>
+            <a:r>
+              <a:rPr lang="pt-BR" dirty="0" err="1"/>
+              <a:t>cam_int</a:t>
+            </a:r>
+            <a:r>
+              <a:rPr lang="pt-BR" dirty="0"/>
+              <a:t> -= 1</a:t>
+            </a:r>
+            <a:endParaRPr lang="pt-BR" b="1" dirty="0"/>
           </a:p>
         </p:txBody>
       </p:sp>
     </p:spTree>
     <p:extLst>
       <p:ext uri="{BB962C8B-B14F-4D97-AF65-F5344CB8AC3E}">
-        <p14:creationId xmlns:p14="http://schemas.microsoft.com/office/powerpoint/2010/main" val="3332359731"/>
+        <p14:creationId xmlns:p14="http://schemas.microsoft.com/office/powerpoint/2010/main" val="2411929949"/>
       </p:ext>
     </p:extLst>
   </p:cSld>
@@ -47023,6 +46622,507 @@
           </a:p>
         </p:txBody>
       </p:sp>
+      <p:grpSp>
+        <p:nvGrpSpPr>
+          <p:cNvPr id="4" name="Agrupar 3">
+            <a:extLst>
+              <a:ext uri="{FF2B5EF4-FFF2-40B4-BE49-F238E27FC236}">
+                <a16:creationId xmlns:a16="http://schemas.microsoft.com/office/drawing/2014/main" id="{4ECB4CD0-C1B6-ED4B-85F6-78DC3A000875}"/>
+              </a:ext>
+            </a:extLst>
+          </p:cNvPr>
+          <p:cNvGrpSpPr/>
+          <p:nvPr/>
+        </p:nvGrpSpPr>
+        <p:grpSpPr>
+          <a:xfrm>
+            <a:off x="640527" y="3621821"/>
+            <a:ext cx="4321214" cy="2084891"/>
+            <a:chOff x="1331088" y="4724033"/>
+            <a:chExt cx="4321214" cy="2084891"/>
+          </a:xfrm>
+        </p:grpSpPr>
+        <p:sp>
+          <p:nvSpPr>
+            <p:cNvPr id="5" name="Oval 4">
+              <a:extLst>
+                <a:ext uri="{FF2B5EF4-FFF2-40B4-BE49-F238E27FC236}">
+                  <a16:creationId xmlns:a16="http://schemas.microsoft.com/office/drawing/2014/main" id="{CDE69311-5181-DE4A-827B-0A4ADF4384E5}"/>
+                </a:ext>
+              </a:extLst>
+            </p:cNvPr>
+            <p:cNvSpPr/>
+            <p:nvPr/>
+          </p:nvSpPr>
+          <p:spPr>
+            <a:xfrm>
+              <a:off x="1331088" y="5528859"/>
+              <a:ext cx="520861" cy="486137"/>
+            </a:xfrm>
+            <a:prstGeom prst="ellipse">
+              <a:avLst/>
+            </a:prstGeom>
+          </p:spPr>
+          <p:style>
+            <a:lnRef idx="2">
+              <a:schemeClr val="accent1">
+                <a:shade val="50000"/>
+              </a:schemeClr>
+            </a:lnRef>
+            <a:fillRef idx="1">
+              <a:schemeClr val="accent1"/>
+            </a:fillRef>
+            <a:effectRef idx="0">
+              <a:schemeClr val="accent1"/>
+            </a:effectRef>
+            <a:fontRef idx="minor">
+              <a:schemeClr val="lt1"/>
+            </a:fontRef>
+          </p:style>
+          <p:txBody>
+            <a:bodyPr rtlCol="0" anchor="ctr"/>
+            <a:lstStyle/>
+            <a:p>
+              <a:pPr algn="ctr"/>
+              <a:r>
+                <a:rPr lang="pt-BR" dirty="0"/>
+                <a:t>1</a:t>
+              </a:r>
+            </a:p>
+          </p:txBody>
+        </p:sp>
+        <p:sp>
+          <p:nvSpPr>
+            <p:cNvPr id="6" name="Oval 5">
+              <a:extLst>
+                <a:ext uri="{FF2B5EF4-FFF2-40B4-BE49-F238E27FC236}">
+                  <a16:creationId xmlns:a16="http://schemas.microsoft.com/office/drawing/2014/main" id="{FF8AF1CF-F899-ED45-A9A2-CC8753E79EB8}"/>
+                </a:ext>
+              </a:extLst>
+            </p:cNvPr>
+            <p:cNvSpPr/>
+            <p:nvPr/>
+          </p:nvSpPr>
+          <p:spPr>
+            <a:xfrm>
+              <a:off x="3192682" y="4724033"/>
+              <a:ext cx="520861" cy="486137"/>
+            </a:xfrm>
+            <a:prstGeom prst="ellipse">
+              <a:avLst/>
+            </a:prstGeom>
+          </p:spPr>
+          <p:style>
+            <a:lnRef idx="2">
+              <a:schemeClr val="accent1">
+                <a:shade val="50000"/>
+              </a:schemeClr>
+            </a:lnRef>
+            <a:fillRef idx="1">
+              <a:schemeClr val="accent1"/>
+            </a:fillRef>
+            <a:effectRef idx="0">
+              <a:schemeClr val="accent1"/>
+            </a:effectRef>
+            <a:fontRef idx="minor">
+              <a:schemeClr val="lt1"/>
+            </a:fontRef>
+          </p:style>
+          <p:txBody>
+            <a:bodyPr rtlCol="0" anchor="ctr"/>
+            <a:lstStyle/>
+            <a:p>
+              <a:pPr algn="ctr"/>
+              <a:r>
+                <a:rPr lang="pt-BR" dirty="0"/>
+                <a:t>3</a:t>
+              </a:r>
+            </a:p>
+          </p:txBody>
+        </p:sp>
+        <p:sp>
+          <p:nvSpPr>
+            <p:cNvPr id="7" name="Oval 6">
+              <a:extLst>
+                <a:ext uri="{FF2B5EF4-FFF2-40B4-BE49-F238E27FC236}">
+                  <a16:creationId xmlns:a16="http://schemas.microsoft.com/office/drawing/2014/main" id="{F7EEEA59-BC3A-6E40-8B8E-72FC3D3185D8}"/>
+                </a:ext>
+              </a:extLst>
+            </p:cNvPr>
+            <p:cNvSpPr/>
+            <p:nvPr/>
+          </p:nvSpPr>
+          <p:spPr>
+            <a:xfrm>
+              <a:off x="3096215" y="6322787"/>
+              <a:ext cx="520861" cy="486137"/>
+            </a:xfrm>
+            <a:prstGeom prst="ellipse">
+              <a:avLst/>
+            </a:prstGeom>
+          </p:spPr>
+          <p:style>
+            <a:lnRef idx="2">
+              <a:schemeClr val="accent1">
+                <a:shade val="50000"/>
+              </a:schemeClr>
+            </a:lnRef>
+            <a:fillRef idx="1">
+              <a:schemeClr val="accent1"/>
+            </a:fillRef>
+            <a:effectRef idx="0">
+              <a:schemeClr val="accent1"/>
+            </a:effectRef>
+            <a:fontRef idx="minor">
+              <a:schemeClr val="lt1"/>
+            </a:fontRef>
+          </p:style>
+          <p:txBody>
+            <a:bodyPr rtlCol="0" anchor="ctr"/>
+            <a:lstStyle/>
+            <a:p>
+              <a:pPr algn="ctr"/>
+              <a:r>
+                <a:rPr lang="pt-BR" dirty="0"/>
+                <a:t>2</a:t>
+              </a:r>
+            </a:p>
+          </p:txBody>
+        </p:sp>
+        <p:sp>
+          <p:nvSpPr>
+            <p:cNvPr id="8" name="Oval 7">
+              <a:extLst>
+                <a:ext uri="{FF2B5EF4-FFF2-40B4-BE49-F238E27FC236}">
+                  <a16:creationId xmlns:a16="http://schemas.microsoft.com/office/drawing/2014/main" id="{2F9D180B-5AE5-9E41-9FC1-89B52F180BAE}"/>
+                </a:ext>
+              </a:extLst>
+            </p:cNvPr>
+            <p:cNvSpPr/>
+            <p:nvPr/>
+          </p:nvSpPr>
+          <p:spPr>
+            <a:xfrm>
+              <a:off x="5131441" y="5528858"/>
+              <a:ext cx="520861" cy="486137"/>
+            </a:xfrm>
+            <a:prstGeom prst="ellipse">
+              <a:avLst/>
+            </a:prstGeom>
+          </p:spPr>
+          <p:style>
+            <a:lnRef idx="2">
+              <a:schemeClr val="accent1">
+                <a:shade val="50000"/>
+              </a:schemeClr>
+            </a:lnRef>
+            <a:fillRef idx="1">
+              <a:schemeClr val="accent1"/>
+            </a:fillRef>
+            <a:effectRef idx="0">
+              <a:schemeClr val="accent1"/>
+            </a:effectRef>
+            <a:fontRef idx="minor">
+              <a:schemeClr val="lt1"/>
+            </a:fontRef>
+          </p:style>
+          <p:txBody>
+            <a:bodyPr rtlCol="0" anchor="ctr"/>
+            <a:lstStyle/>
+            <a:p>
+              <a:pPr algn="ctr"/>
+              <a:r>
+                <a:rPr lang="pt-BR" dirty="0"/>
+                <a:t>4</a:t>
+              </a:r>
+            </a:p>
+          </p:txBody>
+        </p:sp>
+        <p:sp>
+          <p:nvSpPr>
+            <p:cNvPr id="9" name="Oval 8">
+              <a:extLst>
+                <a:ext uri="{FF2B5EF4-FFF2-40B4-BE49-F238E27FC236}">
+                  <a16:creationId xmlns:a16="http://schemas.microsoft.com/office/drawing/2014/main" id="{5E07183C-FBFC-7345-B971-6BBAD385FCC5}"/>
+                </a:ext>
+              </a:extLst>
+            </p:cNvPr>
+            <p:cNvSpPr/>
+            <p:nvPr/>
+          </p:nvSpPr>
+          <p:spPr>
+            <a:xfrm>
+              <a:off x="3192682" y="5528858"/>
+              <a:ext cx="520861" cy="486137"/>
+            </a:xfrm>
+            <a:prstGeom prst="ellipse">
+              <a:avLst/>
+            </a:prstGeom>
+          </p:spPr>
+          <p:style>
+            <a:lnRef idx="2">
+              <a:schemeClr val="accent1">
+                <a:shade val="50000"/>
+              </a:schemeClr>
+            </a:lnRef>
+            <a:fillRef idx="1">
+              <a:schemeClr val="accent1"/>
+            </a:fillRef>
+            <a:effectRef idx="0">
+              <a:schemeClr val="accent1"/>
+            </a:effectRef>
+            <a:fontRef idx="minor">
+              <a:schemeClr val="lt1"/>
+            </a:fontRef>
+          </p:style>
+          <p:txBody>
+            <a:bodyPr rtlCol="0" anchor="ctr"/>
+            <a:lstStyle/>
+            <a:p>
+              <a:pPr algn="ctr"/>
+              <a:r>
+                <a:rPr lang="pt-BR" dirty="0"/>
+                <a:t>5</a:t>
+              </a:r>
+            </a:p>
+          </p:txBody>
+        </p:sp>
+        <p:cxnSp>
+          <p:nvCxnSpPr>
+            <p:cNvPr id="10" name="Conector de Seta Reta 9">
+              <a:extLst>
+                <a:ext uri="{FF2B5EF4-FFF2-40B4-BE49-F238E27FC236}">
+                  <a16:creationId xmlns:a16="http://schemas.microsoft.com/office/drawing/2014/main" id="{6FC16CB9-8753-C94A-B036-CCC127E9AD44}"/>
+                </a:ext>
+              </a:extLst>
+            </p:cNvPr>
+            <p:cNvCxnSpPr>
+              <a:cxnSpLocks/>
+              <a:stCxn id="6" idx="2"/>
+              <a:endCxn id="5" idx="7"/>
+            </p:cNvCxnSpPr>
+            <p:nvPr/>
+          </p:nvCxnSpPr>
+          <p:spPr>
+            <a:xfrm flipH="1">
+              <a:off x="1775671" y="4967102"/>
+              <a:ext cx="1417011" cy="632950"/>
+            </a:xfrm>
+            <a:prstGeom prst="straightConnector1">
+              <a:avLst/>
+            </a:prstGeom>
+            <a:ln w="50800">
+              <a:solidFill>
+                <a:srgbClr val="0070C0"/>
+              </a:solidFill>
+              <a:headEnd type="none"/>
+              <a:tailEnd type="none"/>
+            </a:ln>
+          </p:spPr>
+          <p:style>
+            <a:lnRef idx="1">
+              <a:schemeClr val="accent1"/>
+            </a:lnRef>
+            <a:fillRef idx="0">
+              <a:schemeClr val="accent1"/>
+            </a:fillRef>
+            <a:effectRef idx="0">
+              <a:schemeClr val="accent1"/>
+            </a:effectRef>
+            <a:fontRef idx="minor">
+              <a:schemeClr val="tx1"/>
+            </a:fontRef>
+          </p:style>
+        </p:cxnSp>
+        <p:cxnSp>
+          <p:nvCxnSpPr>
+            <p:cNvPr id="11" name="Conector de Seta Reta 10">
+              <a:extLst>
+                <a:ext uri="{FF2B5EF4-FFF2-40B4-BE49-F238E27FC236}">
+                  <a16:creationId xmlns:a16="http://schemas.microsoft.com/office/drawing/2014/main" id="{CF365DB2-14C2-7447-8147-562628FF762F}"/>
+                </a:ext>
+              </a:extLst>
+            </p:cNvPr>
+            <p:cNvCxnSpPr>
+              <a:cxnSpLocks/>
+              <a:stCxn id="9" idx="2"/>
+              <a:endCxn id="5" idx="6"/>
+            </p:cNvCxnSpPr>
+            <p:nvPr/>
+          </p:nvCxnSpPr>
+          <p:spPr>
+            <a:xfrm flipH="1">
+              <a:off x="1851949" y="5771927"/>
+              <a:ext cx="1340733" cy="1"/>
+            </a:xfrm>
+            <a:prstGeom prst="straightConnector1">
+              <a:avLst/>
+            </a:prstGeom>
+            <a:ln w="50800">
+              <a:solidFill>
+                <a:srgbClr val="0070C0"/>
+              </a:solidFill>
+              <a:headEnd type="none"/>
+              <a:tailEnd type="none"/>
+            </a:ln>
+          </p:spPr>
+          <p:style>
+            <a:lnRef idx="1">
+              <a:schemeClr val="accent1"/>
+            </a:lnRef>
+            <a:fillRef idx="0">
+              <a:schemeClr val="accent1"/>
+            </a:fillRef>
+            <a:effectRef idx="0">
+              <a:schemeClr val="accent1"/>
+            </a:effectRef>
+            <a:fontRef idx="minor">
+              <a:schemeClr val="tx1"/>
+            </a:fontRef>
+          </p:style>
+        </p:cxnSp>
+        <p:cxnSp>
+          <p:nvCxnSpPr>
+            <p:cNvPr id="12" name="Conector de Seta Reta 11">
+              <a:extLst>
+                <a:ext uri="{FF2B5EF4-FFF2-40B4-BE49-F238E27FC236}">
+                  <a16:creationId xmlns:a16="http://schemas.microsoft.com/office/drawing/2014/main" id="{76840C3F-C4AE-2340-B934-DF6F9F0EB6FD}"/>
+                </a:ext>
+              </a:extLst>
+            </p:cNvPr>
+            <p:cNvCxnSpPr>
+              <a:cxnSpLocks/>
+              <a:stCxn id="7" idx="2"/>
+              <a:endCxn id="5" idx="5"/>
+            </p:cNvCxnSpPr>
+            <p:nvPr/>
+          </p:nvCxnSpPr>
+          <p:spPr>
+            <a:xfrm flipH="1" flipV="1">
+              <a:off x="1775671" y="5943803"/>
+              <a:ext cx="1320544" cy="622053"/>
+            </a:xfrm>
+            <a:prstGeom prst="straightConnector1">
+              <a:avLst/>
+            </a:prstGeom>
+            <a:ln w="50800">
+              <a:solidFill>
+                <a:srgbClr val="0070C0"/>
+              </a:solidFill>
+              <a:headEnd type="none"/>
+              <a:tailEnd type="none"/>
+            </a:ln>
+          </p:spPr>
+          <p:style>
+            <a:lnRef idx="1">
+              <a:schemeClr val="accent1"/>
+            </a:lnRef>
+            <a:fillRef idx="0">
+              <a:schemeClr val="accent1"/>
+            </a:fillRef>
+            <a:effectRef idx="0">
+              <a:schemeClr val="accent1"/>
+            </a:effectRef>
+            <a:fontRef idx="minor">
+              <a:schemeClr val="tx1"/>
+            </a:fontRef>
+          </p:style>
+        </p:cxnSp>
+        <p:cxnSp>
+          <p:nvCxnSpPr>
+            <p:cNvPr id="13" name="Conector de Seta Reta 12">
+              <a:extLst>
+                <a:ext uri="{FF2B5EF4-FFF2-40B4-BE49-F238E27FC236}">
+                  <a16:creationId xmlns:a16="http://schemas.microsoft.com/office/drawing/2014/main" id="{D9ACD462-959B-5A49-8E52-0AA14FBF8E10}"/>
+                </a:ext>
+              </a:extLst>
+            </p:cNvPr>
+            <p:cNvCxnSpPr>
+              <a:cxnSpLocks/>
+              <a:stCxn id="8" idx="2"/>
+              <a:endCxn id="9" idx="6"/>
+            </p:cNvCxnSpPr>
+            <p:nvPr/>
+          </p:nvCxnSpPr>
+          <p:spPr>
+            <a:xfrm flipH="1">
+              <a:off x="3713543" y="5771927"/>
+              <a:ext cx="1417898" cy="0"/>
+            </a:xfrm>
+            <a:prstGeom prst="straightConnector1">
+              <a:avLst/>
+            </a:prstGeom>
+            <a:ln w="50800">
+              <a:solidFill>
+                <a:srgbClr val="0070C0"/>
+              </a:solidFill>
+              <a:headEnd type="none"/>
+              <a:tailEnd type="none"/>
+            </a:ln>
+          </p:spPr>
+          <p:style>
+            <a:lnRef idx="1">
+              <a:schemeClr val="accent1"/>
+            </a:lnRef>
+            <a:fillRef idx="0">
+              <a:schemeClr val="accent1"/>
+            </a:fillRef>
+            <a:effectRef idx="0">
+              <a:schemeClr val="accent1"/>
+            </a:effectRef>
+            <a:fontRef idx="minor">
+              <a:schemeClr val="tx1"/>
+            </a:fontRef>
+          </p:style>
+        </p:cxnSp>
+        <p:cxnSp>
+          <p:nvCxnSpPr>
+            <p:cNvPr id="14" name="Conector de Seta Reta 13">
+              <a:extLst>
+                <a:ext uri="{FF2B5EF4-FFF2-40B4-BE49-F238E27FC236}">
+                  <a16:creationId xmlns:a16="http://schemas.microsoft.com/office/drawing/2014/main" id="{87C4E18B-C4C1-E74E-A84E-F06FDA64A04F}"/>
+                </a:ext>
+              </a:extLst>
+            </p:cNvPr>
+            <p:cNvCxnSpPr>
+              <a:cxnSpLocks/>
+              <a:stCxn id="9" idx="4"/>
+              <a:endCxn id="7" idx="0"/>
+            </p:cNvCxnSpPr>
+            <p:nvPr/>
+          </p:nvCxnSpPr>
+          <p:spPr>
+            <a:xfrm flipH="1">
+              <a:off x="3356646" y="6014995"/>
+              <a:ext cx="96467" cy="307792"/>
+            </a:xfrm>
+            <a:prstGeom prst="straightConnector1">
+              <a:avLst/>
+            </a:prstGeom>
+            <a:ln w="50800">
+              <a:solidFill>
+                <a:srgbClr val="0070C0"/>
+              </a:solidFill>
+              <a:headEnd type="none"/>
+              <a:tailEnd type="none"/>
+            </a:ln>
+          </p:spPr>
+          <p:style>
+            <a:lnRef idx="1">
+              <a:schemeClr val="accent1"/>
+            </a:lnRef>
+            <a:fillRef idx="0">
+              <a:schemeClr val="accent1"/>
+            </a:fillRef>
+            <a:effectRef idx="0">
+              <a:schemeClr val="accent1"/>
+            </a:effectRef>
+            <a:fontRef idx="minor">
+              <a:schemeClr val="tx1"/>
+            </a:fontRef>
+          </p:style>
+        </p:cxnSp>
+      </p:grpSp>
       <p:sp>
         <p:nvSpPr>
           <p:cNvPr id="15" name="Retângulo 14">
@@ -47216,117 +47316,6 @@
       </p:cxnSp>
       <p:sp>
         <p:nvSpPr>
-          <p:cNvPr id="61" name="Retângulo 60">
-            <a:extLst>
-              <a:ext uri="{FF2B5EF4-FFF2-40B4-BE49-F238E27FC236}">
-                <a16:creationId xmlns:a16="http://schemas.microsoft.com/office/drawing/2014/main" id="{2FB475DD-5A00-9147-BBB6-FCD4D578821B}"/>
-              </a:ext>
-            </a:extLst>
-          </p:cNvPr>
-          <p:cNvSpPr/>
-          <p:nvPr/>
-        </p:nvSpPr>
-        <p:spPr>
-          <a:xfrm>
-            <a:off x="6201561" y="4393731"/>
-            <a:ext cx="3706445" cy="1374698"/>
-          </a:xfrm>
-          <a:prstGeom prst="rect">
-            <a:avLst/>
-          </a:prstGeom>
-        </p:spPr>
-        <p:style>
-          <a:lnRef idx="2">
-            <a:schemeClr val="accent1">
-              <a:shade val="50000"/>
-            </a:schemeClr>
-          </a:lnRef>
-          <a:fillRef idx="1">
-            <a:schemeClr val="accent1"/>
-          </a:fillRef>
-          <a:effectRef idx="0">
-            <a:schemeClr val="accent1"/>
-          </a:effectRef>
-          <a:fontRef idx="minor">
-            <a:schemeClr val="lt1"/>
-          </a:fontRef>
-        </p:style>
-        <p:txBody>
-          <a:bodyPr rtlCol="0" anchor="ctr"/>
-          <a:lstStyle/>
-          <a:p>
-            <a:pPr marL="342900" indent="-342900">
-              <a:buFont typeface="Courier New" panose="02070309020205020404" pitchFamily="49" charset="0"/>
-              <a:buChar char="o"/>
-            </a:pPr>
-            <a:r>
-              <a:rPr lang="pt-BR" dirty="0" err="1"/>
-              <a:t>cam_int</a:t>
-            </a:r>
-            <a:r>
-              <a:rPr lang="pt-BR" dirty="0"/>
-              <a:t> += 1</a:t>
-            </a:r>
-          </a:p>
-          <a:p>
-            <a:pPr marL="342900" indent="-342900">
-              <a:buFont typeface="Courier New" panose="02070309020205020404" pitchFamily="49" charset="0"/>
-              <a:buChar char="o"/>
-            </a:pPr>
-            <a:r>
-              <a:rPr lang="pt-BR" dirty="0" err="1"/>
-              <a:t>método_busca</a:t>
-            </a:r>
-            <a:r>
-              <a:rPr lang="pt-BR" dirty="0"/>
-              <a:t> (no2, no)</a:t>
-            </a:r>
-          </a:p>
-          <a:p>
-            <a:pPr marL="342900" indent="-342900">
-              <a:buFont typeface="Courier New" panose="02070309020205020404" pitchFamily="49" charset="0"/>
-              <a:buChar char="o"/>
-            </a:pPr>
-            <a:r>
-              <a:rPr lang="pt-BR" dirty="0"/>
-              <a:t>caminho = </a:t>
-            </a:r>
-            <a:r>
-              <a:rPr lang="pt-BR" dirty="0" err="1"/>
-              <a:t>max</a:t>
-            </a:r>
-            <a:r>
-              <a:rPr lang="pt-BR" dirty="0"/>
-              <a:t>(</a:t>
-            </a:r>
-            <a:r>
-              <a:rPr lang="pt-BR" dirty="0" err="1"/>
-              <a:t>caminho,cam</a:t>
-            </a:r>
-            <a:r>
-              <a:rPr lang="pt-BR" dirty="0"/>
-              <a:t>)</a:t>
-            </a:r>
-          </a:p>
-          <a:p>
-            <a:pPr marL="342900" indent="-342900">
-              <a:buFont typeface="Courier New" panose="02070309020205020404" pitchFamily="49" charset="0"/>
-              <a:buChar char="o"/>
-            </a:pPr>
-            <a:r>
-              <a:rPr lang="pt-BR" dirty="0" err="1"/>
-              <a:t>cam_int</a:t>
-            </a:r>
-            <a:r>
-              <a:rPr lang="pt-BR" dirty="0"/>
-              <a:t> -= 1</a:t>
-            </a:r>
-            <a:endParaRPr lang="pt-BR" b="1" dirty="0"/>
-          </a:p>
-        </p:txBody>
-      </p:sp>
-      <p:sp>
-        <p:nvSpPr>
           <p:cNvPr id="88" name="Retângulo 87">
             <a:extLst>
               <a:ext uri="{FF2B5EF4-FFF2-40B4-BE49-F238E27FC236}">
@@ -47387,6 +47376,58 @@
                 <a:lin ang="5400000"/>
               </a:gradFill>
             </a:endParaRPr>
+          </a:p>
+        </p:txBody>
+      </p:sp>
+      <p:sp>
+        <p:nvSpPr>
+          <p:cNvPr id="93" name="Oval 92">
+            <a:extLst>
+              <a:ext uri="{FF2B5EF4-FFF2-40B4-BE49-F238E27FC236}">
+                <a16:creationId xmlns:a16="http://schemas.microsoft.com/office/drawing/2014/main" id="{CD42F4C9-9E5B-F645-9F87-4654968A89F7}"/>
+              </a:ext>
+            </a:extLst>
+          </p:cNvPr>
+          <p:cNvSpPr/>
+          <p:nvPr/>
+        </p:nvSpPr>
+        <p:spPr>
+          <a:xfrm>
+            <a:off x="2294108" y="5105442"/>
+            <a:ext cx="730557" cy="706981"/>
+          </a:xfrm>
+          <a:prstGeom prst="ellipse">
+            <a:avLst/>
+          </a:prstGeom>
+          <a:noFill/>
+          <a:ln w="57150">
+            <a:solidFill>
+              <a:srgbClr val="00B050"/>
+            </a:solidFill>
+          </a:ln>
+        </p:spPr>
+        <p:style>
+          <a:lnRef idx="2">
+            <a:schemeClr val="accent1">
+              <a:shade val="50000"/>
+            </a:schemeClr>
+          </a:lnRef>
+          <a:fillRef idx="1">
+            <a:schemeClr val="accent1"/>
+          </a:fillRef>
+          <a:effectRef idx="0">
+            <a:schemeClr val="accent1"/>
+          </a:effectRef>
+          <a:fontRef idx="minor">
+            <a:schemeClr val="lt1"/>
+          </a:fontRef>
+        </p:style>
+        <p:txBody>
+          <a:bodyPr rtlCol="0" anchor="ctr"/>
+          <a:lstStyle/>
+          <a:p>
+            <a:pPr algn="ctr"/>
+            <a:endParaRPr lang="pt-BR"/>
           </a:p>
         </p:txBody>
       </p:sp>
@@ -47487,6 +47528,246 @@
       </p:cxnSp>
       <p:sp>
         <p:nvSpPr>
+          <p:cNvPr id="43" name="Oval 42">
+            <a:extLst>
+              <a:ext uri="{FF2B5EF4-FFF2-40B4-BE49-F238E27FC236}">
+                <a16:creationId xmlns:a16="http://schemas.microsoft.com/office/drawing/2014/main" id="{A43F2FB8-D518-A14C-BD66-E0E271C5A2A7}"/>
+              </a:ext>
+            </a:extLst>
+          </p:cNvPr>
+          <p:cNvSpPr/>
+          <p:nvPr/>
+        </p:nvSpPr>
+        <p:spPr>
+          <a:xfrm>
+            <a:off x="2404450" y="4300923"/>
+            <a:ext cx="730557" cy="706981"/>
+          </a:xfrm>
+          <a:prstGeom prst="ellipse">
+            <a:avLst/>
+          </a:prstGeom>
+          <a:noFill/>
+          <a:ln w="57150">
+            <a:solidFill>
+              <a:srgbClr val="00B050"/>
+            </a:solidFill>
+          </a:ln>
+        </p:spPr>
+        <p:style>
+          <a:lnRef idx="2">
+            <a:schemeClr val="accent1">
+              <a:shade val="50000"/>
+            </a:schemeClr>
+          </a:lnRef>
+          <a:fillRef idx="1">
+            <a:schemeClr val="accent1"/>
+          </a:fillRef>
+          <a:effectRef idx="0">
+            <a:schemeClr val="accent1"/>
+          </a:effectRef>
+          <a:fontRef idx="minor">
+            <a:schemeClr val="lt1"/>
+          </a:fontRef>
+        </p:style>
+        <p:txBody>
+          <a:bodyPr rtlCol="0" anchor="ctr"/>
+          <a:lstStyle/>
+          <a:p>
+            <a:pPr algn="ctr"/>
+            <a:endParaRPr lang="pt-BR"/>
+          </a:p>
+        </p:txBody>
+      </p:sp>
+      <p:sp>
+        <p:nvSpPr>
+          <p:cNvPr id="44" name="Retângulo 43">
+            <a:extLst>
+              <a:ext uri="{FF2B5EF4-FFF2-40B4-BE49-F238E27FC236}">
+                <a16:creationId xmlns:a16="http://schemas.microsoft.com/office/drawing/2014/main" id="{853DDB6D-288D-E743-9179-5D7554C4035C}"/>
+              </a:ext>
+            </a:extLst>
+          </p:cNvPr>
+          <p:cNvSpPr/>
+          <p:nvPr/>
+        </p:nvSpPr>
+        <p:spPr>
+          <a:xfrm>
+            <a:off x="1456299" y="6089267"/>
+            <a:ext cx="674631" cy="568201"/>
+          </a:xfrm>
+          <a:prstGeom prst="rect">
+            <a:avLst/>
+          </a:prstGeom>
+        </p:spPr>
+        <p:style>
+          <a:lnRef idx="3">
+            <a:schemeClr val="lt1"/>
+          </a:lnRef>
+          <a:fillRef idx="1">
+            <a:schemeClr val="dk1"/>
+          </a:fillRef>
+          <a:effectRef idx="1">
+            <a:schemeClr val="dk1"/>
+          </a:effectRef>
+          <a:fontRef idx="minor">
+            <a:schemeClr val="lt1"/>
+          </a:fontRef>
+        </p:style>
+        <p:txBody>
+          <a:bodyPr rtlCol="0" anchor="ctr"/>
+          <a:lstStyle/>
+          <a:p>
+            <a:pPr algn="ctr"/>
+            <a:r>
+              <a:rPr lang="pt-BR" dirty="0"/>
+              <a:t>Nó 1</a:t>
+            </a:r>
+          </a:p>
+        </p:txBody>
+      </p:sp>
+      <p:sp>
+        <p:nvSpPr>
+          <p:cNvPr id="48" name="Retângulo 47">
+            <a:extLst>
+              <a:ext uri="{FF2B5EF4-FFF2-40B4-BE49-F238E27FC236}">
+                <a16:creationId xmlns:a16="http://schemas.microsoft.com/office/drawing/2014/main" id="{2AA36107-50A6-3846-91A2-2E6ACBDB8B28}"/>
+              </a:ext>
+            </a:extLst>
+          </p:cNvPr>
+          <p:cNvSpPr/>
+          <p:nvPr/>
+        </p:nvSpPr>
+        <p:spPr>
+          <a:xfrm>
+            <a:off x="3394615" y="3695879"/>
+            <a:ext cx="674631" cy="568201"/>
+          </a:xfrm>
+          <a:prstGeom prst="rect">
+            <a:avLst/>
+          </a:prstGeom>
+        </p:spPr>
+        <p:style>
+          <a:lnRef idx="3">
+            <a:schemeClr val="lt1"/>
+          </a:lnRef>
+          <a:fillRef idx="1">
+            <a:schemeClr val="dk1"/>
+          </a:fillRef>
+          <a:effectRef idx="1">
+            <a:schemeClr val="dk1"/>
+          </a:effectRef>
+          <a:fontRef idx="minor">
+            <a:schemeClr val="lt1"/>
+          </a:fontRef>
+        </p:style>
+        <p:txBody>
+          <a:bodyPr rtlCol="0" anchor="ctr"/>
+          <a:lstStyle/>
+          <a:p>
+            <a:pPr algn="ctr"/>
+            <a:r>
+              <a:rPr lang="pt-BR" dirty="0"/>
+              <a:t>Nó 2</a:t>
+            </a:r>
+          </a:p>
+        </p:txBody>
+      </p:sp>
+      <p:cxnSp>
+        <p:nvCxnSpPr>
+          <p:cNvPr id="49" name="Conector de Seta Reta 48">
+            <a:extLst>
+              <a:ext uri="{FF2B5EF4-FFF2-40B4-BE49-F238E27FC236}">
+                <a16:creationId xmlns:a16="http://schemas.microsoft.com/office/drawing/2014/main" id="{A1DB05F4-23C6-8849-8DEB-6BB9023EBADD}"/>
+              </a:ext>
+            </a:extLst>
+          </p:cNvPr>
+          <p:cNvCxnSpPr>
+            <a:cxnSpLocks/>
+            <a:stCxn id="93" idx="4"/>
+            <a:endCxn id="44" idx="0"/>
+          </p:cNvCxnSpPr>
+          <p:nvPr/>
+        </p:nvCxnSpPr>
+        <p:spPr>
+          <a:xfrm flipH="1">
+            <a:off x="1793615" y="5812423"/>
+            <a:ext cx="865772" cy="276844"/>
+          </a:xfrm>
+          <a:prstGeom prst="straightConnector1">
+            <a:avLst/>
+          </a:prstGeom>
+          <a:ln w="50800">
+            <a:solidFill>
+              <a:srgbClr val="FFC000"/>
+            </a:solidFill>
+            <a:headEnd type="triangle"/>
+            <a:tailEnd type="none" w="lg" len="med"/>
+          </a:ln>
+        </p:spPr>
+        <p:style>
+          <a:lnRef idx="1">
+            <a:schemeClr val="accent1"/>
+          </a:lnRef>
+          <a:fillRef idx="0">
+            <a:schemeClr val="accent1"/>
+          </a:fillRef>
+          <a:effectRef idx="0">
+            <a:schemeClr val="accent1"/>
+          </a:effectRef>
+          <a:fontRef idx="minor">
+            <a:schemeClr val="tx1"/>
+          </a:fontRef>
+        </p:style>
+      </p:cxnSp>
+      <p:cxnSp>
+        <p:nvCxnSpPr>
+          <p:cNvPr id="50" name="Conector de Seta Reta 49">
+            <a:extLst>
+              <a:ext uri="{FF2B5EF4-FFF2-40B4-BE49-F238E27FC236}">
+                <a16:creationId xmlns:a16="http://schemas.microsoft.com/office/drawing/2014/main" id="{8F9824FF-17AB-0C43-AFFC-55C8D85B2270}"/>
+              </a:ext>
+            </a:extLst>
+          </p:cNvPr>
+          <p:cNvCxnSpPr>
+            <a:cxnSpLocks/>
+            <a:stCxn id="43" idx="7"/>
+            <a:endCxn id="48" idx="1"/>
+          </p:cNvCxnSpPr>
+          <p:nvPr/>
+        </p:nvCxnSpPr>
+        <p:spPr>
+          <a:xfrm flipV="1">
+            <a:off x="3028019" y="3979980"/>
+            <a:ext cx="366596" cy="424478"/>
+          </a:xfrm>
+          <a:prstGeom prst="straightConnector1">
+            <a:avLst/>
+          </a:prstGeom>
+          <a:ln w="50800">
+            <a:solidFill>
+              <a:srgbClr val="FFC000"/>
+            </a:solidFill>
+            <a:headEnd type="triangle"/>
+            <a:tailEnd type="none" w="lg" len="med"/>
+          </a:ln>
+        </p:spPr>
+        <p:style>
+          <a:lnRef idx="1">
+            <a:schemeClr val="accent1"/>
+          </a:lnRef>
+          <a:fillRef idx="0">
+            <a:schemeClr val="accent1"/>
+          </a:fillRef>
+          <a:effectRef idx="0">
+            <a:schemeClr val="accent1"/>
+          </a:effectRef>
+          <a:fontRef idx="minor">
+            <a:schemeClr val="tx1"/>
+          </a:fontRef>
+        </p:style>
+      </p:cxnSp>
+      <p:sp>
+        <p:nvSpPr>
           <p:cNvPr id="55" name="Retângulo 54">
             <a:extLst>
               <a:ext uri="{FF2B5EF4-FFF2-40B4-BE49-F238E27FC236}">
@@ -47667,52 +47948,6 @@
           </a:p>
         </p:txBody>
       </p:sp>
-      <p:cxnSp>
-        <p:nvCxnSpPr>
-          <p:cNvPr id="64" name="Conector de Seta Reta 63">
-            <a:extLst>
-              <a:ext uri="{FF2B5EF4-FFF2-40B4-BE49-F238E27FC236}">
-                <a16:creationId xmlns:a16="http://schemas.microsoft.com/office/drawing/2014/main" id="{FCC66E29-6DE3-4F4D-BCE1-18AFBF9EFCB2}"/>
-              </a:ext>
-            </a:extLst>
-          </p:cNvPr>
-          <p:cNvCxnSpPr>
-            <a:cxnSpLocks/>
-            <a:stCxn id="61" idx="0"/>
-          </p:cNvCxnSpPr>
-          <p:nvPr/>
-        </p:nvCxnSpPr>
-        <p:spPr>
-          <a:xfrm flipV="1">
-            <a:off x="8054784" y="3711535"/>
-            <a:ext cx="263925" cy="682196"/>
-          </a:xfrm>
-          <a:prstGeom prst="straightConnector1">
-            <a:avLst/>
-          </a:prstGeom>
-          <a:ln w="50800">
-            <a:solidFill>
-              <a:srgbClr val="00B050"/>
-            </a:solidFill>
-            <a:headEnd type="triangle"/>
-            <a:tailEnd type="none" w="lg" len="med"/>
-          </a:ln>
-        </p:spPr>
-        <p:style>
-          <a:lnRef idx="1">
-            <a:schemeClr val="accent1"/>
-          </a:lnRef>
-          <a:fillRef idx="0">
-            <a:schemeClr val="accent1"/>
-          </a:fillRef>
-          <a:effectRef idx="0">
-            <a:schemeClr val="accent1"/>
-          </a:effectRef>
-          <a:fontRef idx="minor">
-            <a:schemeClr val="tx1"/>
-          </a:fontRef>
-        </p:style>
-      </p:cxnSp>
       <p:sp>
         <p:nvSpPr>
           <p:cNvPr id="65" name="Retângulo 64">
@@ -47792,7 +48027,7 @@
         </p:nvSpPr>
         <p:spPr>
           <a:xfrm>
-            <a:off x="7271579" y="3828374"/>
+            <a:off x="7066145" y="3784337"/>
             <a:ext cx="1609716" cy="338554"/>
           </a:xfrm>
           <a:prstGeom prst="rect">
@@ -47809,6 +48044,1019 @@
               <a:rPr lang="pt-BR" sz="1600" dirty="0"/>
               <a:t>Percorre a lista</a:t>
             </a:r>
+          </a:p>
+        </p:txBody>
+      </p:sp>
+      <p:cxnSp>
+        <p:nvCxnSpPr>
+          <p:cNvPr id="68" name="Conector de Seta Reta 67">
+            <a:extLst>
+              <a:ext uri="{FF2B5EF4-FFF2-40B4-BE49-F238E27FC236}">
+                <a16:creationId xmlns:a16="http://schemas.microsoft.com/office/drawing/2014/main" id="{23CB0D0E-4094-0B4D-8AF2-F47204A6682B}"/>
+              </a:ext>
+            </a:extLst>
+          </p:cNvPr>
+          <p:cNvCxnSpPr>
+            <a:cxnSpLocks/>
+          </p:cNvCxnSpPr>
+          <p:nvPr/>
+        </p:nvCxnSpPr>
+        <p:spPr>
+          <a:xfrm flipH="1" flipV="1">
+            <a:off x="9683040" y="2538546"/>
+            <a:ext cx="2537" cy="362567"/>
+          </a:xfrm>
+          <a:prstGeom prst="straightConnector1">
+            <a:avLst/>
+          </a:prstGeom>
+          <a:ln w="50800">
+            <a:solidFill>
+              <a:srgbClr val="00B050"/>
+            </a:solidFill>
+            <a:headEnd type="triangle"/>
+            <a:tailEnd type="none" w="lg" len="med"/>
+          </a:ln>
+        </p:spPr>
+        <p:style>
+          <a:lnRef idx="1">
+            <a:schemeClr val="accent1"/>
+          </a:lnRef>
+          <a:fillRef idx="0">
+            <a:schemeClr val="accent1"/>
+          </a:fillRef>
+          <a:effectRef idx="0">
+            <a:schemeClr val="accent1"/>
+          </a:effectRef>
+          <a:fontRef idx="minor">
+            <a:schemeClr val="tx1"/>
+          </a:fontRef>
+        </p:style>
+      </p:cxnSp>
+      <p:sp>
+        <p:nvSpPr>
+          <p:cNvPr id="85" name="Retângulo 84">
+            <a:extLst>
+              <a:ext uri="{FF2B5EF4-FFF2-40B4-BE49-F238E27FC236}">
+                <a16:creationId xmlns:a16="http://schemas.microsoft.com/office/drawing/2014/main" id="{7CCFEA22-8CA8-B549-9510-01368D120FD8}"/>
+              </a:ext>
+            </a:extLst>
+          </p:cNvPr>
+          <p:cNvSpPr/>
+          <p:nvPr/>
+        </p:nvSpPr>
+        <p:spPr>
+          <a:xfrm>
+            <a:off x="3861654" y="5609059"/>
+            <a:ext cx="2403457" cy="1200329"/>
+          </a:xfrm>
+          <a:prstGeom prst="rect">
+            <a:avLst/>
+          </a:prstGeom>
+        </p:spPr>
+        <p:txBody>
+          <a:bodyPr wrap="square">
+            <a:spAutoFit/>
+          </a:bodyPr>
+          <a:lstStyle/>
+          <a:p>
+            <a:r>
+              <a:rPr lang="pt-BR" sz="2400" b="1" dirty="0"/>
+              <a:t>Debug:</a:t>
+            </a:r>
+          </a:p>
+          <a:p>
+            <a:r>
+              <a:rPr lang="pt-BR" sz="2400" b="1" dirty="0" err="1"/>
+              <a:t>cam_int</a:t>
+            </a:r>
+            <a:r>
+              <a:rPr lang="pt-BR" sz="2400" b="1" dirty="0"/>
+              <a:t> = 4</a:t>
+            </a:r>
+          </a:p>
+          <a:p>
+            <a:r>
+              <a:rPr lang="pt-BR" sz="2400" b="1" dirty="0"/>
+              <a:t>caminho = 1</a:t>
+            </a:r>
+          </a:p>
+        </p:txBody>
+      </p:sp>
+      <p:sp>
+        <p:nvSpPr>
+          <p:cNvPr id="38" name="Retângulo 37">
+            <a:extLst>
+              <a:ext uri="{FF2B5EF4-FFF2-40B4-BE49-F238E27FC236}">
+                <a16:creationId xmlns:a16="http://schemas.microsoft.com/office/drawing/2014/main" id="{C4630258-5D10-5041-973C-230EBADFDDFD}"/>
+              </a:ext>
+            </a:extLst>
+          </p:cNvPr>
+          <p:cNvSpPr/>
+          <p:nvPr/>
+        </p:nvSpPr>
+        <p:spPr>
+          <a:xfrm>
+            <a:off x="6461915" y="1925422"/>
+            <a:ext cx="1933177" cy="461665"/>
+          </a:xfrm>
+          <a:prstGeom prst="rect">
+            <a:avLst/>
+          </a:prstGeom>
+        </p:spPr>
+        <p:txBody>
+          <a:bodyPr wrap="square">
+            <a:spAutoFit/>
+          </a:bodyPr>
+          <a:lstStyle/>
+          <a:p>
+            <a:r>
+              <a:rPr lang="pt-BR" sz="2400" b="1" dirty="0">
+                <a:solidFill>
+                  <a:srgbClr val="00B050"/>
+                </a:solidFill>
+              </a:rPr>
+              <a:t>Lista = [4]</a:t>
+            </a:r>
+          </a:p>
+        </p:txBody>
+      </p:sp>
+      <p:sp>
+        <p:nvSpPr>
+          <p:cNvPr id="47" name="Espaço Reservado para Conteúdo 2">
+            <a:extLst>
+              <a:ext uri="{FF2B5EF4-FFF2-40B4-BE49-F238E27FC236}">
+                <a16:creationId xmlns:a16="http://schemas.microsoft.com/office/drawing/2014/main" id="{37FD660B-A4A8-4D44-B3BB-DFEFA1D204ED}"/>
+              </a:ext>
+            </a:extLst>
+          </p:cNvPr>
+          <p:cNvSpPr>
+            <a:spLocks noGrp="1"/>
+          </p:cNvSpPr>
+          <p:nvPr>
+            <p:ph idx="1"/>
+          </p:nvPr>
+        </p:nvSpPr>
+        <p:spPr>
+          <a:xfrm>
+            <a:off x="601569" y="1781980"/>
+            <a:ext cx="5813740" cy="1585198"/>
+          </a:xfrm>
+        </p:spPr>
+        <p:txBody>
+          <a:bodyPr>
+            <a:normAutofit fontScale="92500" lnSpcReduction="10000"/>
+          </a:bodyPr>
+          <a:lstStyle/>
+          <a:p>
+            <a:pPr marL="457200" indent="-457200">
+              <a:buFont typeface="+mj-lt"/>
+              <a:buAutoNum type="arabicPeriod"/>
+            </a:pPr>
+            <a:r>
+              <a:rPr lang="pt-BR" sz="2800" dirty="0"/>
+              <a:t>Fluxograma da estratégia do método de busca do maior caminho.</a:t>
+            </a:r>
+          </a:p>
+          <a:p>
+            <a:pPr marL="0" indent="0">
+              <a:buNone/>
+            </a:pPr>
+            <a:r>
+              <a:rPr lang="pt-BR" sz="2800" dirty="0"/>
+              <a:t>2ª chamada ao método</a:t>
+            </a:r>
+            <a:endParaRPr lang="pt-BR" sz="2600" b="1" dirty="0">
+              <a:solidFill>
+                <a:srgbClr val="0070C0"/>
+              </a:solidFill>
+            </a:endParaRPr>
+          </a:p>
+          <a:p>
+            <a:pPr marL="457200" indent="-457200">
+              <a:buFont typeface="+mj-lt"/>
+              <a:buAutoNum type="arabicPeriod"/>
+            </a:pPr>
+            <a:endParaRPr lang="pt-BR" sz="2200" dirty="0"/>
+          </a:p>
+          <a:p>
+            <a:pPr marL="457200" indent="-457200">
+              <a:buFont typeface="+mj-lt"/>
+              <a:buAutoNum type="arabicPeriod"/>
+            </a:pPr>
+            <a:endParaRPr lang="pt-BR" sz="2800" dirty="0"/>
+          </a:p>
+        </p:txBody>
+      </p:sp>
+      <p:cxnSp>
+        <p:nvCxnSpPr>
+          <p:cNvPr id="45" name="Conector de Seta Reta 44">
+            <a:extLst>
+              <a:ext uri="{FF2B5EF4-FFF2-40B4-BE49-F238E27FC236}">
+                <a16:creationId xmlns:a16="http://schemas.microsoft.com/office/drawing/2014/main" id="{3E361738-37B8-C640-A522-13503896B99A}"/>
+              </a:ext>
+            </a:extLst>
+          </p:cNvPr>
+          <p:cNvCxnSpPr>
+            <a:cxnSpLocks/>
+            <a:stCxn id="46" idx="0"/>
+          </p:cNvCxnSpPr>
+          <p:nvPr/>
+        </p:nvCxnSpPr>
+        <p:spPr>
+          <a:xfrm flipH="1" flipV="1">
+            <a:off x="7967193" y="3604819"/>
+            <a:ext cx="12355" cy="707888"/>
+          </a:xfrm>
+          <a:prstGeom prst="straightConnector1">
+            <a:avLst/>
+          </a:prstGeom>
+          <a:ln w="50800">
+            <a:solidFill>
+              <a:srgbClr val="00B050"/>
+            </a:solidFill>
+            <a:headEnd type="triangle"/>
+            <a:tailEnd type="none" w="lg" len="med"/>
+          </a:ln>
+        </p:spPr>
+        <p:style>
+          <a:lnRef idx="1">
+            <a:schemeClr val="accent1"/>
+          </a:lnRef>
+          <a:fillRef idx="0">
+            <a:schemeClr val="accent1"/>
+          </a:fillRef>
+          <a:effectRef idx="0">
+            <a:schemeClr val="accent1"/>
+          </a:effectRef>
+          <a:fontRef idx="minor">
+            <a:schemeClr val="tx1"/>
+          </a:fontRef>
+        </p:style>
+      </p:cxnSp>
+      <p:sp>
+        <p:nvSpPr>
+          <p:cNvPr id="46" name="Retângulo 45">
+            <a:extLst>
+              <a:ext uri="{FF2B5EF4-FFF2-40B4-BE49-F238E27FC236}">
+                <a16:creationId xmlns:a16="http://schemas.microsoft.com/office/drawing/2014/main" id="{8F281716-CAE5-7C4B-B14C-FBF4E4A858CD}"/>
+              </a:ext>
+            </a:extLst>
+          </p:cNvPr>
+          <p:cNvSpPr/>
+          <p:nvPr/>
+        </p:nvSpPr>
+        <p:spPr>
+          <a:xfrm>
+            <a:off x="5865895" y="4312707"/>
+            <a:ext cx="4227306" cy="1374698"/>
+          </a:xfrm>
+          <a:prstGeom prst="rect">
+            <a:avLst/>
+          </a:prstGeom>
+        </p:spPr>
+        <p:style>
+          <a:lnRef idx="2">
+            <a:schemeClr val="accent1">
+              <a:shade val="50000"/>
+            </a:schemeClr>
+          </a:lnRef>
+          <a:fillRef idx="1">
+            <a:schemeClr val="accent1"/>
+          </a:fillRef>
+          <a:effectRef idx="0">
+            <a:schemeClr val="accent1"/>
+          </a:effectRef>
+          <a:fontRef idx="minor">
+            <a:schemeClr val="lt1"/>
+          </a:fontRef>
+        </p:style>
+        <p:txBody>
+          <a:bodyPr rtlCol="0" anchor="ctr"/>
+          <a:lstStyle/>
+          <a:p>
+            <a:pPr marL="342900" indent="-342900">
+              <a:buFont typeface="Courier New" panose="02070309020205020404" pitchFamily="49" charset="0"/>
+              <a:buChar char="o"/>
+            </a:pPr>
+            <a:r>
+              <a:rPr lang="pt-BR" dirty="0" err="1"/>
+              <a:t>cam_int</a:t>
+            </a:r>
+            <a:r>
+              <a:rPr lang="pt-BR" dirty="0"/>
+              <a:t> += 1</a:t>
+            </a:r>
+          </a:p>
+          <a:p>
+            <a:pPr marL="342900" indent="-342900">
+              <a:buFont typeface="Courier New" panose="02070309020205020404" pitchFamily="49" charset="0"/>
+              <a:buChar char="o"/>
+            </a:pPr>
+            <a:r>
+              <a:rPr lang="pt-BR" dirty="0" err="1"/>
+              <a:t>método_busca</a:t>
+            </a:r>
+            <a:r>
+              <a:rPr lang="pt-BR" dirty="0"/>
+              <a:t> (Nó 2, Nó)</a:t>
+            </a:r>
+          </a:p>
+          <a:p>
+            <a:pPr marL="342900" indent="-342900">
+              <a:buFont typeface="Courier New" panose="02070309020205020404" pitchFamily="49" charset="0"/>
+              <a:buChar char="o"/>
+            </a:pPr>
+            <a:r>
+              <a:rPr lang="pt-BR" dirty="0"/>
+              <a:t>caminho = </a:t>
+            </a:r>
+            <a:r>
+              <a:rPr lang="pt-BR" dirty="0" err="1"/>
+              <a:t>max</a:t>
+            </a:r>
+            <a:r>
+              <a:rPr lang="pt-BR" dirty="0"/>
+              <a:t>(</a:t>
+            </a:r>
+            <a:r>
+              <a:rPr lang="pt-BR" dirty="0" err="1"/>
+              <a:t>caminho,cam_int</a:t>
+            </a:r>
+            <a:r>
+              <a:rPr lang="pt-BR" dirty="0"/>
+              <a:t>)</a:t>
+            </a:r>
+          </a:p>
+          <a:p>
+            <a:pPr marL="342900" indent="-342900">
+              <a:buFont typeface="Courier New" panose="02070309020205020404" pitchFamily="49" charset="0"/>
+              <a:buChar char="o"/>
+            </a:pPr>
+            <a:r>
+              <a:rPr lang="pt-BR" dirty="0" err="1"/>
+              <a:t>cam_int</a:t>
+            </a:r>
+            <a:r>
+              <a:rPr lang="pt-BR" dirty="0"/>
+              <a:t> -= 1</a:t>
+            </a:r>
+            <a:endParaRPr lang="pt-BR" b="1" dirty="0"/>
+          </a:p>
+        </p:txBody>
+      </p:sp>
+    </p:spTree>
+    <p:extLst>
+      <p:ext uri="{BB962C8B-B14F-4D97-AF65-F5344CB8AC3E}">
+        <p14:creationId xmlns:p14="http://schemas.microsoft.com/office/powerpoint/2010/main" val="3332359731"/>
+      </p:ext>
+    </p:extLst>
+  </p:cSld>
+  <p:clrMapOvr>
+    <a:masterClrMapping/>
+  </p:clrMapOvr>
+</p:sld>
+</file>
+
+<file path=ppt/slides/slide51.xml><?xml version="1.0" encoding="utf-8"?>
+<p:sld xmlns:a="http://schemas.openxmlformats.org/drawingml/2006/main" xmlns:r="http://schemas.openxmlformats.org/officeDocument/2006/relationships" xmlns:p="http://schemas.openxmlformats.org/presentationml/2006/main">
+  <p:cSld>
+    <p:spTree>
+      <p:nvGrpSpPr>
+        <p:cNvPr id="1" name=""/>
+        <p:cNvGrpSpPr/>
+        <p:nvPr/>
+      </p:nvGrpSpPr>
+      <p:grpSpPr>
+        <a:xfrm>
+          <a:off x="0" y="0"/>
+          <a:ext cx="0" cy="0"/>
+          <a:chOff x="0" y="0"/>
+          <a:chExt cx="0" cy="0"/>
+        </a:xfrm>
+      </p:grpSpPr>
+      <p:sp>
+        <p:nvSpPr>
+          <p:cNvPr id="2" name="Título 1">
+            <a:extLst>
+              <a:ext uri="{FF2B5EF4-FFF2-40B4-BE49-F238E27FC236}">
+                <a16:creationId xmlns:a16="http://schemas.microsoft.com/office/drawing/2014/main" id="{4FA107A4-4183-F249-A2CC-E1BA466E01EF}"/>
+              </a:ext>
+            </a:extLst>
+          </p:cNvPr>
+          <p:cNvSpPr>
+            <a:spLocks noGrp="1"/>
+          </p:cNvSpPr>
+          <p:nvPr>
+            <p:ph type="title"/>
+          </p:nvPr>
+        </p:nvSpPr>
+        <p:spPr/>
+        <p:txBody>
+          <a:bodyPr/>
+          <a:lstStyle/>
+          <a:p>
+            <a:r>
+              <a:rPr lang="pt-BR" dirty="0"/>
+              <a:t>Ciclovias – Estratégia 2</a:t>
+            </a:r>
+          </a:p>
+        </p:txBody>
+      </p:sp>
+      <p:sp>
+        <p:nvSpPr>
+          <p:cNvPr id="15" name="Retângulo 14">
+            <a:extLst>
+              <a:ext uri="{FF2B5EF4-FFF2-40B4-BE49-F238E27FC236}">
+                <a16:creationId xmlns:a16="http://schemas.microsoft.com/office/drawing/2014/main" id="{E29C5E89-0628-4042-93E8-CB66D4EAEE65}"/>
+              </a:ext>
+            </a:extLst>
+          </p:cNvPr>
+          <p:cNvSpPr/>
+          <p:nvPr/>
+        </p:nvSpPr>
+        <p:spPr>
+          <a:xfrm>
+            <a:off x="8428856" y="670811"/>
+            <a:ext cx="1157468" cy="568201"/>
+          </a:xfrm>
+          <a:prstGeom prst="rect">
+            <a:avLst/>
+          </a:prstGeom>
+        </p:spPr>
+        <p:style>
+          <a:lnRef idx="2">
+            <a:schemeClr val="accent1">
+              <a:shade val="50000"/>
+            </a:schemeClr>
+          </a:lnRef>
+          <a:fillRef idx="1">
+            <a:schemeClr val="accent1"/>
+          </a:fillRef>
+          <a:effectRef idx="0">
+            <a:schemeClr val="accent1"/>
+          </a:effectRef>
+          <a:fontRef idx="minor">
+            <a:schemeClr val="lt1"/>
+          </a:fontRef>
+        </p:style>
+        <p:txBody>
+          <a:bodyPr rtlCol="0" anchor="ctr"/>
+          <a:lstStyle/>
+          <a:p>
+            <a:pPr algn="ctr"/>
+            <a:r>
+              <a:rPr lang="pt-BR" dirty="0"/>
+              <a:t>Nó 1</a:t>
+            </a:r>
+          </a:p>
+        </p:txBody>
+      </p:sp>
+      <p:cxnSp>
+        <p:nvCxnSpPr>
+          <p:cNvPr id="32" name="Conector de Seta Reta 31">
+            <a:extLst>
+              <a:ext uri="{FF2B5EF4-FFF2-40B4-BE49-F238E27FC236}">
+                <a16:creationId xmlns:a16="http://schemas.microsoft.com/office/drawing/2014/main" id="{ACC7A50C-DF7D-4B4A-893E-4E7F30D952C1}"/>
+              </a:ext>
+            </a:extLst>
+          </p:cNvPr>
+          <p:cNvCxnSpPr>
+            <a:cxnSpLocks/>
+            <a:endCxn id="15" idx="2"/>
+          </p:cNvCxnSpPr>
+          <p:nvPr/>
+        </p:nvCxnSpPr>
+        <p:spPr>
+          <a:xfrm flipV="1">
+            <a:off x="9007590" y="1239012"/>
+            <a:ext cx="0" cy="424216"/>
+          </a:xfrm>
+          <a:prstGeom prst="straightConnector1">
+            <a:avLst/>
+          </a:prstGeom>
+          <a:ln w="50800">
+            <a:solidFill>
+              <a:srgbClr val="00B050"/>
+            </a:solidFill>
+            <a:headEnd type="triangle"/>
+            <a:tailEnd type="none" w="lg" len="med"/>
+          </a:ln>
+        </p:spPr>
+        <p:style>
+          <a:lnRef idx="1">
+            <a:schemeClr val="accent1"/>
+          </a:lnRef>
+          <a:fillRef idx="0">
+            <a:schemeClr val="accent1"/>
+          </a:fillRef>
+          <a:effectRef idx="0">
+            <a:schemeClr val="accent1"/>
+          </a:effectRef>
+          <a:fontRef idx="minor">
+            <a:schemeClr val="tx1"/>
+          </a:fontRef>
+        </p:style>
+      </p:cxnSp>
+      <p:sp>
+        <p:nvSpPr>
+          <p:cNvPr id="39" name="Retângulo 38">
+            <a:extLst>
+              <a:ext uri="{FF2B5EF4-FFF2-40B4-BE49-F238E27FC236}">
+                <a16:creationId xmlns:a16="http://schemas.microsoft.com/office/drawing/2014/main" id="{4D99CB46-769E-DD49-A187-32228E48B1AA}"/>
+              </a:ext>
+            </a:extLst>
+          </p:cNvPr>
+          <p:cNvSpPr/>
+          <p:nvPr/>
+        </p:nvSpPr>
+        <p:spPr>
+          <a:xfrm>
+            <a:off x="10525334" y="4145552"/>
+            <a:ext cx="1157468" cy="811270"/>
+          </a:xfrm>
+          <a:prstGeom prst="rect">
+            <a:avLst/>
+          </a:prstGeom>
+        </p:spPr>
+        <p:style>
+          <a:lnRef idx="2">
+            <a:schemeClr val="accent1">
+              <a:shade val="50000"/>
+            </a:schemeClr>
+          </a:lnRef>
+          <a:fillRef idx="1">
+            <a:schemeClr val="accent1"/>
+          </a:fillRef>
+          <a:effectRef idx="0">
+            <a:schemeClr val="accent1"/>
+          </a:effectRef>
+          <a:fontRef idx="minor">
+            <a:schemeClr val="lt1"/>
+          </a:fontRef>
+        </p:style>
+        <p:txBody>
+          <a:bodyPr rtlCol="0" anchor="ctr"/>
+          <a:lstStyle/>
+          <a:p>
+            <a:pPr algn="ctr"/>
+            <a:r>
+              <a:rPr lang="pt-BR" dirty="0"/>
+              <a:t>Fim</a:t>
+            </a:r>
+          </a:p>
+        </p:txBody>
+      </p:sp>
+      <p:cxnSp>
+        <p:nvCxnSpPr>
+          <p:cNvPr id="40" name="Conector de Seta Reta 39">
+            <a:extLst>
+              <a:ext uri="{FF2B5EF4-FFF2-40B4-BE49-F238E27FC236}">
+                <a16:creationId xmlns:a16="http://schemas.microsoft.com/office/drawing/2014/main" id="{379DBA86-1509-E94A-9BE7-AF06B5B9CDA1}"/>
+              </a:ext>
+            </a:extLst>
+          </p:cNvPr>
+          <p:cNvCxnSpPr>
+            <a:cxnSpLocks/>
+            <a:stCxn id="39" idx="0"/>
+            <a:endCxn id="60" idx="2"/>
+          </p:cNvCxnSpPr>
+          <p:nvPr/>
+        </p:nvCxnSpPr>
+        <p:spPr>
+          <a:xfrm flipH="1" flipV="1">
+            <a:off x="11097640" y="3604818"/>
+            <a:ext cx="6428" cy="540734"/>
+          </a:xfrm>
+          <a:prstGeom prst="straightConnector1">
+            <a:avLst/>
+          </a:prstGeom>
+          <a:ln w="50800">
+            <a:solidFill>
+              <a:srgbClr val="0070C0"/>
+            </a:solidFill>
+            <a:headEnd type="triangle"/>
+            <a:tailEnd type="none" w="lg" len="med"/>
+          </a:ln>
+        </p:spPr>
+        <p:style>
+          <a:lnRef idx="1">
+            <a:schemeClr val="accent1"/>
+          </a:lnRef>
+          <a:fillRef idx="0">
+            <a:schemeClr val="accent1"/>
+          </a:fillRef>
+          <a:effectRef idx="0">
+            <a:schemeClr val="accent1"/>
+          </a:effectRef>
+          <a:fontRef idx="minor">
+            <a:schemeClr val="tx1"/>
+          </a:fontRef>
+        </p:style>
+      </p:cxnSp>
+      <p:sp>
+        <p:nvSpPr>
+          <p:cNvPr id="88" name="Retângulo 87">
+            <a:extLst>
+              <a:ext uri="{FF2B5EF4-FFF2-40B4-BE49-F238E27FC236}">
+                <a16:creationId xmlns:a16="http://schemas.microsoft.com/office/drawing/2014/main" id="{8D390736-7653-F74B-8A93-9C04F4DCF6C5}"/>
+              </a:ext>
+            </a:extLst>
+          </p:cNvPr>
+          <p:cNvSpPr/>
+          <p:nvPr/>
+        </p:nvSpPr>
+        <p:spPr>
+          <a:xfrm>
+            <a:off x="8273482" y="1663228"/>
+            <a:ext cx="2840702" cy="862547"/>
+          </a:xfrm>
+          <a:prstGeom prst="rect">
+            <a:avLst/>
+          </a:prstGeom>
+          <a:noFill/>
+          <a:ln w="38100">
+            <a:solidFill>
+              <a:schemeClr val="tx1"/>
+            </a:solidFill>
+          </a:ln>
+        </p:spPr>
+        <p:style>
+          <a:lnRef idx="2">
+            <a:schemeClr val="accent1">
+              <a:shade val="50000"/>
+            </a:schemeClr>
+          </a:lnRef>
+          <a:fillRef idx="1">
+            <a:schemeClr val="accent1"/>
+          </a:fillRef>
+          <a:effectRef idx="0">
+            <a:schemeClr val="accent1"/>
+          </a:effectRef>
+          <a:fontRef idx="minor">
+            <a:schemeClr val="lt1"/>
+          </a:fontRef>
+        </p:style>
+        <p:txBody>
+          <a:bodyPr rtlCol="0" anchor="ctr"/>
+          <a:lstStyle/>
+          <a:p>
+            <a:pPr algn="ctr"/>
+            <a:endParaRPr lang="pt-BR">
+              <a:ln w="0"/>
+              <a:gradFill>
+                <a:gsLst>
+                  <a:gs pos="21000">
+                    <a:srgbClr val="53575C"/>
+                  </a:gs>
+                  <a:gs pos="88000">
+                    <a:srgbClr val="C5C7CA"/>
+                  </a:gs>
+                </a:gsLst>
+                <a:lin ang="5400000"/>
+              </a:gradFill>
+            </a:endParaRPr>
+          </a:p>
+        </p:txBody>
+      </p:sp>
+      <p:sp>
+        <p:nvSpPr>
+          <p:cNvPr id="41" name="Retângulo 40">
+            <a:extLst>
+              <a:ext uri="{FF2B5EF4-FFF2-40B4-BE49-F238E27FC236}">
+                <a16:creationId xmlns:a16="http://schemas.microsoft.com/office/drawing/2014/main" id="{CC96BBFF-1BDA-6A48-B801-AF426C7690E4}"/>
+              </a:ext>
+            </a:extLst>
+          </p:cNvPr>
+          <p:cNvSpPr/>
+          <p:nvPr/>
+        </p:nvSpPr>
+        <p:spPr>
+          <a:xfrm>
+            <a:off x="9956715" y="660618"/>
+            <a:ext cx="1157468" cy="568201"/>
+          </a:xfrm>
+          <a:prstGeom prst="rect">
+            <a:avLst/>
+          </a:prstGeom>
+        </p:spPr>
+        <p:style>
+          <a:lnRef idx="2">
+            <a:schemeClr val="accent1">
+              <a:shade val="50000"/>
+            </a:schemeClr>
+          </a:lnRef>
+          <a:fillRef idx="1">
+            <a:schemeClr val="accent1"/>
+          </a:fillRef>
+          <a:effectRef idx="0">
+            <a:schemeClr val="accent1"/>
+          </a:effectRef>
+          <a:fontRef idx="minor">
+            <a:schemeClr val="lt1"/>
+          </a:fontRef>
+        </p:style>
+        <p:txBody>
+          <a:bodyPr rtlCol="0" anchor="ctr"/>
+          <a:lstStyle/>
+          <a:p>
+            <a:pPr algn="ctr"/>
+            <a:r>
+              <a:rPr lang="pt-BR" dirty="0"/>
+              <a:t>Nó 2</a:t>
+            </a:r>
+          </a:p>
+        </p:txBody>
+      </p:sp>
+      <p:cxnSp>
+        <p:nvCxnSpPr>
+          <p:cNvPr id="42" name="Conector de Seta Reta 41">
+            <a:extLst>
+              <a:ext uri="{FF2B5EF4-FFF2-40B4-BE49-F238E27FC236}">
+                <a16:creationId xmlns:a16="http://schemas.microsoft.com/office/drawing/2014/main" id="{17061286-D8B6-F845-B7CB-4E199B048D26}"/>
+              </a:ext>
+            </a:extLst>
+          </p:cNvPr>
+          <p:cNvCxnSpPr>
+            <a:cxnSpLocks/>
+            <a:endCxn id="41" idx="2"/>
+          </p:cNvCxnSpPr>
+          <p:nvPr/>
+        </p:nvCxnSpPr>
+        <p:spPr>
+          <a:xfrm flipH="1" flipV="1">
+            <a:off x="10535449" y="1228819"/>
+            <a:ext cx="9119" cy="434409"/>
+          </a:xfrm>
+          <a:prstGeom prst="straightConnector1">
+            <a:avLst/>
+          </a:prstGeom>
+          <a:ln w="50800">
+            <a:solidFill>
+              <a:srgbClr val="00B050"/>
+            </a:solidFill>
+            <a:headEnd type="triangle"/>
+            <a:tailEnd type="none" w="lg" len="med"/>
+          </a:ln>
+        </p:spPr>
+        <p:style>
+          <a:lnRef idx="1">
+            <a:schemeClr val="accent1"/>
+          </a:lnRef>
+          <a:fillRef idx="0">
+            <a:schemeClr val="accent1"/>
+          </a:fillRef>
+          <a:effectRef idx="0">
+            <a:schemeClr val="accent1"/>
+          </a:effectRef>
+          <a:fontRef idx="minor">
+            <a:schemeClr val="tx1"/>
+          </a:fontRef>
+        </p:style>
+      </p:cxnSp>
+      <p:sp>
+        <p:nvSpPr>
+          <p:cNvPr id="55" name="Retângulo 54">
+            <a:extLst>
+              <a:ext uri="{FF2B5EF4-FFF2-40B4-BE49-F238E27FC236}">
+                <a16:creationId xmlns:a16="http://schemas.microsoft.com/office/drawing/2014/main" id="{B640B66C-35D7-BA4F-B043-9DD6F461E0C0}"/>
+              </a:ext>
+            </a:extLst>
+          </p:cNvPr>
+          <p:cNvSpPr/>
+          <p:nvPr/>
+        </p:nvSpPr>
+        <p:spPr>
+          <a:xfrm>
+            <a:off x="8352017" y="1628899"/>
+            <a:ext cx="2971814" cy="923330"/>
+          </a:xfrm>
+          <a:prstGeom prst="rect">
+            <a:avLst/>
+          </a:prstGeom>
+        </p:spPr>
+        <p:txBody>
+          <a:bodyPr wrap="square">
+            <a:spAutoFit/>
+          </a:bodyPr>
+          <a:lstStyle/>
+          <a:p>
+            <a:r>
+              <a:rPr lang="pt-BR" dirty="0"/>
+              <a:t>Lista de Nó(</a:t>
+            </a:r>
+            <a:r>
+              <a:rPr lang="pt-BR" dirty="0" err="1"/>
+              <a:t>s</a:t>
+            </a:r>
+            <a:r>
+              <a:rPr lang="pt-BR" dirty="0"/>
+              <a:t>) Vizinho(</a:t>
+            </a:r>
+            <a:r>
+              <a:rPr lang="pt-BR" dirty="0" err="1"/>
+              <a:t>s</a:t>
+            </a:r>
+            <a:r>
+              <a:rPr lang="pt-BR" dirty="0"/>
+              <a:t>) do Nó 2 que são maiores que Nó 1. </a:t>
+            </a:r>
+          </a:p>
+        </p:txBody>
+      </p:sp>
+      <p:sp>
+        <p:nvSpPr>
+          <p:cNvPr id="57" name="Retângulo 56">
+            <a:extLst>
+              <a:ext uri="{FF2B5EF4-FFF2-40B4-BE49-F238E27FC236}">
+                <a16:creationId xmlns:a16="http://schemas.microsoft.com/office/drawing/2014/main" id="{599AC75B-EE9C-0441-BC32-191B4635DE7C}"/>
+              </a:ext>
+            </a:extLst>
+          </p:cNvPr>
+          <p:cNvSpPr/>
+          <p:nvPr/>
+        </p:nvSpPr>
+        <p:spPr>
+          <a:xfrm>
+            <a:off x="8894151" y="3113093"/>
+            <a:ext cx="1384346" cy="369332"/>
+          </a:xfrm>
+          <a:prstGeom prst="rect">
+            <a:avLst/>
+          </a:prstGeom>
+        </p:spPr>
+        <p:txBody>
+          <a:bodyPr wrap="square">
+            <a:spAutoFit/>
+          </a:bodyPr>
+          <a:lstStyle/>
+          <a:p>
+            <a:r>
+              <a:rPr lang="pt-BR" dirty="0"/>
+              <a:t>Lista Vazia?</a:t>
+            </a:r>
+          </a:p>
+        </p:txBody>
+      </p:sp>
+      <p:sp>
+        <p:nvSpPr>
+          <p:cNvPr id="59" name="Retângulo 58">
+            <a:extLst>
+              <a:ext uri="{FF2B5EF4-FFF2-40B4-BE49-F238E27FC236}">
+                <a16:creationId xmlns:a16="http://schemas.microsoft.com/office/drawing/2014/main" id="{511E315D-DD79-294A-BE69-C2292AAA81FB}"/>
+              </a:ext>
+            </a:extLst>
+          </p:cNvPr>
+          <p:cNvSpPr/>
+          <p:nvPr/>
+        </p:nvSpPr>
+        <p:spPr>
+          <a:xfrm>
+            <a:off x="7388459" y="3036618"/>
+            <a:ext cx="1157468" cy="568201"/>
+          </a:xfrm>
+          <a:prstGeom prst="rect">
+            <a:avLst/>
+          </a:prstGeom>
+        </p:spPr>
+        <p:style>
+          <a:lnRef idx="2">
+            <a:schemeClr val="accent1">
+              <a:shade val="50000"/>
+            </a:schemeClr>
+          </a:lnRef>
+          <a:fillRef idx="1">
+            <a:schemeClr val="accent1"/>
+          </a:fillRef>
+          <a:effectRef idx="0">
+            <a:schemeClr val="accent1"/>
+          </a:effectRef>
+          <a:fontRef idx="minor">
+            <a:schemeClr val="lt1"/>
+          </a:fontRef>
+        </p:style>
+        <p:txBody>
+          <a:bodyPr rtlCol="0" anchor="ctr"/>
+          <a:lstStyle/>
+          <a:p>
+            <a:pPr algn="ctr"/>
+            <a:r>
+              <a:rPr lang="pt-BR" dirty="0"/>
+              <a:t>Não</a:t>
+            </a:r>
+          </a:p>
+        </p:txBody>
+      </p:sp>
+      <p:sp>
+        <p:nvSpPr>
+          <p:cNvPr id="60" name="Retângulo 59">
+            <a:extLst>
+              <a:ext uri="{FF2B5EF4-FFF2-40B4-BE49-F238E27FC236}">
+                <a16:creationId xmlns:a16="http://schemas.microsoft.com/office/drawing/2014/main" id="{789E9EF2-4124-C34E-AA83-BA9ED1DA4D17}"/>
+              </a:ext>
+            </a:extLst>
+          </p:cNvPr>
+          <p:cNvSpPr/>
+          <p:nvPr/>
+        </p:nvSpPr>
+        <p:spPr>
+          <a:xfrm>
+            <a:off x="10518906" y="3036617"/>
+            <a:ext cx="1157468" cy="568201"/>
+          </a:xfrm>
+          <a:prstGeom prst="rect">
+            <a:avLst/>
+          </a:prstGeom>
+        </p:spPr>
+        <p:style>
+          <a:lnRef idx="2">
+            <a:schemeClr val="accent1">
+              <a:shade val="50000"/>
+            </a:schemeClr>
+          </a:lnRef>
+          <a:fillRef idx="1">
+            <a:schemeClr val="accent1"/>
+          </a:fillRef>
+          <a:effectRef idx="0">
+            <a:schemeClr val="accent1"/>
+          </a:effectRef>
+          <a:fontRef idx="minor">
+            <a:schemeClr val="lt1"/>
+          </a:fontRef>
+        </p:style>
+        <p:txBody>
+          <a:bodyPr rtlCol="0" anchor="ctr"/>
+          <a:lstStyle/>
+          <a:p>
+            <a:pPr algn="ctr"/>
+            <a:r>
+              <a:rPr lang="pt-BR" dirty="0"/>
+              <a:t>Sim</a:t>
+            </a:r>
+          </a:p>
+        </p:txBody>
+      </p:sp>
+      <p:sp>
+        <p:nvSpPr>
+          <p:cNvPr id="65" name="Retângulo 64">
+            <a:extLst>
+              <a:ext uri="{FF2B5EF4-FFF2-40B4-BE49-F238E27FC236}">
+                <a16:creationId xmlns:a16="http://schemas.microsoft.com/office/drawing/2014/main" id="{EA756BC8-B1AE-1848-A4E5-0CAE178DA192}"/>
+              </a:ext>
+            </a:extLst>
+          </p:cNvPr>
+          <p:cNvSpPr/>
+          <p:nvPr/>
+        </p:nvSpPr>
+        <p:spPr>
+          <a:xfrm>
+            <a:off x="7226476" y="2883984"/>
+            <a:ext cx="4606663" cy="833897"/>
+          </a:xfrm>
+          <a:prstGeom prst="rect">
+            <a:avLst/>
+          </a:prstGeom>
+          <a:noFill/>
+          <a:ln w="38100">
+            <a:solidFill>
+              <a:schemeClr val="tx1"/>
+            </a:solidFill>
+          </a:ln>
+        </p:spPr>
+        <p:style>
+          <a:lnRef idx="2">
+            <a:schemeClr val="accent1">
+              <a:shade val="50000"/>
+            </a:schemeClr>
+          </a:lnRef>
+          <a:fillRef idx="1">
+            <a:schemeClr val="accent1"/>
+          </a:fillRef>
+          <a:effectRef idx="0">
+            <a:schemeClr val="accent1"/>
+          </a:effectRef>
+          <a:fontRef idx="minor">
+            <a:schemeClr val="lt1"/>
+          </a:fontRef>
+        </p:style>
+        <p:txBody>
+          <a:bodyPr rtlCol="0" anchor="ctr"/>
+          <a:lstStyle/>
+          <a:p>
+            <a:pPr algn="ctr"/>
+            <a:endParaRPr lang="pt-BR">
+              <a:ln w="0"/>
+              <a:gradFill>
+                <a:gsLst>
+                  <a:gs pos="21000">
+                    <a:srgbClr val="53575C"/>
+                  </a:gs>
+                  <a:gs pos="88000">
+                    <a:srgbClr val="C5C7CA"/>
+                  </a:gs>
+                </a:gsLst>
+                <a:lin ang="5400000"/>
+              </a:gradFill>
+            </a:endParaRPr>
           </a:p>
         </p:txBody>
       </p:sp>
@@ -48794,6 +50042,197 @@
           </a:fontRef>
         </p:style>
       </p:cxnSp>
+      <p:sp>
+        <p:nvSpPr>
+          <p:cNvPr id="43" name="Retângulo 42">
+            <a:extLst>
+              <a:ext uri="{FF2B5EF4-FFF2-40B4-BE49-F238E27FC236}">
+                <a16:creationId xmlns:a16="http://schemas.microsoft.com/office/drawing/2014/main" id="{0BB3B4BB-0429-9C4E-9D91-3F668A60A5BC}"/>
+              </a:ext>
+            </a:extLst>
+          </p:cNvPr>
+          <p:cNvSpPr/>
+          <p:nvPr/>
+        </p:nvSpPr>
+        <p:spPr>
+          <a:xfrm>
+            <a:off x="7066145" y="3784337"/>
+            <a:ext cx="1609716" cy="338554"/>
+          </a:xfrm>
+          <a:prstGeom prst="rect">
+            <a:avLst/>
+          </a:prstGeom>
+        </p:spPr>
+        <p:txBody>
+          <a:bodyPr wrap="square">
+            <a:spAutoFit/>
+          </a:bodyPr>
+          <a:lstStyle/>
+          <a:p>
+            <a:r>
+              <a:rPr lang="pt-BR" sz="1600" dirty="0"/>
+              <a:t>Percorre a lista</a:t>
+            </a:r>
+          </a:p>
+        </p:txBody>
+      </p:sp>
+      <p:cxnSp>
+        <p:nvCxnSpPr>
+          <p:cNvPr id="44" name="Conector de Seta Reta 43">
+            <a:extLst>
+              <a:ext uri="{FF2B5EF4-FFF2-40B4-BE49-F238E27FC236}">
+                <a16:creationId xmlns:a16="http://schemas.microsoft.com/office/drawing/2014/main" id="{CCC2CE6F-5AE2-0946-B94F-E45EF80ED628}"/>
+              </a:ext>
+            </a:extLst>
+          </p:cNvPr>
+          <p:cNvCxnSpPr>
+            <a:cxnSpLocks/>
+            <a:stCxn id="45" idx="0"/>
+          </p:cNvCxnSpPr>
+          <p:nvPr/>
+        </p:nvCxnSpPr>
+        <p:spPr>
+          <a:xfrm flipH="1" flipV="1">
+            <a:off x="7967193" y="3604819"/>
+            <a:ext cx="12355" cy="707888"/>
+          </a:xfrm>
+          <a:prstGeom prst="straightConnector1">
+            <a:avLst/>
+          </a:prstGeom>
+          <a:ln w="50800">
+            <a:solidFill>
+              <a:srgbClr val="00B050"/>
+            </a:solidFill>
+            <a:headEnd type="triangle"/>
+            <a:tailEnd type="none" w="lg" len="med"/>
+          </a:ln>
+        </p:spPr>
+        <p:style>
+          <a:lnRef idx="1">
+            <a:schemeClr val="accent1"/>
+          </a:lnRef>
+          <a:fillRef idx="0">
+            <a:schemeClr val="accent1"/>
+          </a:fillRef>
+          <a:effectRef idx="0">
+            <a:schemeClr val="accent1"/>
+          </a:effectRef>
+          <a:fontRef idx="minor">
+            <a:schemeClr val="tx1"/>
+          </a:fontRef>
+        </p:style>
+      </p:cxnSp>
+      <p:sp>
+        <p:nvSpPr>
+          <p:cNvPr id="45" name="Retângulo 44">
+            <a:extLst>
+              <a:ext uri="{FF2B5EF4-FFF2-40B4-BE49-F238E27FC236}">
+                <a16:creationId xmlns:a16="http://schemas.microsoft.com/office/drawing/2014/main" id="{45A0A961-1B46-504B-9D21-836A81C36475}"/>
+              </a:ext>
+            </a:extLst>
+          </p:cNvPr>
+          <p:cNvSpPr/>
+          <p:nvPr/>
+        </p:nvSpPr>
+        <p:spPr>
+          <a:xfrm>
+            <a:off x="5865895" y="4312707"/>
+            <a:ext cx="4227306" cy="1374698"/>
+          </a:xfrm>
+          <a:prstGeom prst="rect">
+            <a:avLst/>
+          </a:prstGeom>
+        </p:spPr>
+        <p:style>
+          <a:lnRef idx="2">
+            <a:schemeClr val="accent1">
+              <a:shade val="50000"/>
+            </a:schemeClr>
+          </a:lnRef>
+          <a:fillRef idx="1">
+            <a:schemeClr val="accent1"/>
+          </a:fillRef>
+          <a:effectRef idx="0">
+            <a:schemeClr val="accent1"/>
+          </a:effectRef>
+          <a:fontRef idx="minor">
+            <a:schemeClr val="lt1"/>
+          </a:fontRef>
+        </p:style>
+        <p:txBody>
+          <a:bodyPr rtlCol="0" anchor="ctr"/>
+          <a:lstStyle/>
+          <a:p>
+            <a:pPr marL="342900" indent="-342900">
+              <a:buFont typeface="Courier New" panose="02070309020205020404" pitchFamily="49" charset="0"/>
+              <a:buChar char="o"/>
+            </a:pPr>
+            <a:r>
+              <a:rPr lang="pt-BR" dirty="0" err="1"/>
+              <a:t>cam_int</a:t>
+            </a:r>
+            <a:r>
+              <a:rPr lang="pt-BR" dirty="0"/>
+              <a:t> += 1</a:t>
+            </a:r>
+          </a:p>
+          <a:p>
+            <a:pPr marL="342900" indent="-342900">
+              <a:buFont typeface="Courier New" panose="02070309020205020404" pitchFamily="49" charset="0"/>
+              <a:buChar char="o"/>
+            </a:pPr>
+            <a:r>
+              <a:rPr lang="pt-BR" dirty="0" err="1"/>
+              <a:t>método_busca</a:t>
+            </a:r>
+            <a:r>
+              <a:rPr lang="pt-BR" dirty="0"/>
+              <a:t> (Nó 2, Nó)</a:t>
+            </a:r>
+          </a:p>
+          <a:p>
+            <a:pPr marL="342900" indent="-342900">
+              <a:buFont typeface="Courier New" panose="02070309020205020404" pitchFamily="49" charset="0"/>
+              <a:buChar char="o"/>
+            </a:pPr>
+            <a:r>
+              <a:rPr lang="pt-BR" dirty="0"/>
+              <a:t>caminho = </a:t>
+            </a:r>
+            <a:r>
+              <a:rPr lang="pt-BR" dirty="0" err="1"/>
+              <a:t>max</a:t>
+            </a:r>
+            <a:r>
+              <a:rPr lang="pt-BR" dirty="0"/>
+              <a:t>(</a:t>
+            </a:r>
+            <a:r>
+              <a:rPr lang="pt-BR" dirty="0" err="1"/>
+              <a:t>caminho,cam_int</a:t>
+            </a:r>
+            <a:r>
+              <a:rPr lang="pt-BR" dirty="0"/>
+              <a:t>)</a:t>
+            </a:r>
+          </a:p>
+          <a:p>
+            <a:pPr marL="342900" indent="-342900">
+              <a:buFont typeface="Courier New" panose="02070309020205020404" pitchFamily="49" charset="0"/>
+              <a:buChar char="o"/>
+            </a:pPr>
+            <a:r>
+              <a:rPr lang="pt-BR" dirty="0" err="1"/>
+              <a:t>cam_int</a:t>
+            </a:r>
+            <a:r>
+              <a:rPr lang="pt-BR" dirty="0"/>
+              <a:t> -= 1</a:t>
+            </a:r>
+            <a:endParaRPr lang="pt-BR" b="1" dirty="0"/>
+          </a:p>
+        </p:txBody>
+      </p:sp>
     </p:spTree>
     <p:extLst>
       <p:ext uri="{BB962C8B-B14F-4D97-AF65-F5344CB8AC3E}">
@@ -48807,7 +50246,7 @@
 </p:sld>
 </file>
 
-<file path=ppt/slides/slide51.xml><?xml version="1.0" encoding="utf-8"?>
+<file path=ppt/slides/slide52.xml><?xml version="1.0" encoding="utf-8"?>
 <p:sld xmlns:a="http://schemas.openxmlformats.org/drawingml/2006/main" xmlns:r="http://schemas.openxmlformats.org/officeDocument/2006/relationships" xmlns:p="http://schemas.openxmlformats.org/presentationml/2006/main">
   <p:cSld>
     <p:spTree>
@@ -49546,117 +50985,6 @@
       </p:cxnSp>
       <p:sp>
         <p:nvSpPr>
-          <p:cNvPr id="61" name="Retângulo 60">
-            <a:extLst>
-              <a:ext uri="{FF2B5EF4-FFF2-40B4-BE49-F238E27FC236}">
-                <a16:creationId xmlns:a16="http://schemas.microsoft.com/office/drawing/2014/main" id="{2FB475DD-5A00-9147-BBB6-FCD4D578821B}"/>
-              </a:ext>
-            </a:extLst>
-          </p:cNvPr>
-          <p:cNvSpPr/>
-          <p:nvPr/>
-        </p:nvSpPr>
-        <p:spPr>
-          <a:xfrm>
-            <a:off x="6201561" y="4393731"/>
-            <a:ext cx="3706445" cy="1374698"/>
-          </a:xfrm>
-          <a:prstGeom prst="rect">
-            <a:avLst/>
-          </a:prstGeom>
-        </p:spPr>
-        <p:style>
-          <a:lnRef idx="2">
-            <a:schemeClr val="accent1">
-              <a:shade val="50000"/>
-            </a:schemeClr>
-          </a:lnRef>
-          <a:fillRef idx="1">
-            <a:schemeClr val="accent1"/>
-          </a:fillRef>
-          <a:effectRef idx="0">
-            <a:schemeClr val="accent1"/>
-          </a:effectRef>
-          <a:fontRef idx="minor">
-            <a:schemeClr val="lt1"/>
-          </a:fontRef>
-        </p:style>
-        <p:txBody>
-          <a:bodyPr rtlCol="0" anchor="ctr"/>
-          <a:lstStyle/>
-          <a:p>
-            <a:pPr marL="342900" indent="-342900">
-              <a:buFont typeface="Courier New" panose="02070309020205020404" pitchFamily="49" charset="0"/>
-              <a:buChar char="o"/>
-            </a:pPr>
-            <a:r>
-              <a:rPr lang="pt-BR" dirty="0" err="1"/>
-              <a:t>cam_int</a:t>
-            </a:r>
-            <a:r>
-              <a:rPr lang="pt-BR" dirty="0"/>
-              <a:t> += 1</a:t>
-            </a:r>
-          </a:p>
-          <a:p>
-            <a:pPr marL="342900" indent="-342900">
-              <a:buFont typeface="Courier New" panose="02070309020205020404" pitchFamily="49" charset="0"/>
-              <a:buChar char="o"/>
-            </a:pPr>
-            <a:r>
-              <a:rPr lang="pt-BR" dirty="0" err="1"/>
-              <a:t>método_busca</a:t>
-            </a:r>
-            <a:r>
-              <a:rPr lang="pt-BR" dirty="0"/>
-              <a:t> (no2, no)</a:t>
-            </a:r>
-          </a:p>
-          <a:p>
-            <a:pPr marL="342900" indent="-342900">
-              <a:buFont typeface="Courier New" panose="02070309020205020404" pitchFamily="49" charset="0"/>
-              <a:buChar char="o"/>
-            </a:pPr>
-            <a:r>
-              <a:rPr lang="pt-BR" dirty="0"/>
-              <a:t>caminho = </a:t>
-            </a:r>
-            <a:r>
-              <a:rPr lang="pt-BR" dirty="0" err="1"/>
-              <a:t>max</a:t>
-            </a:r>
-            <a:r>
-              <a:rPr lang="pt-BR" dirty="0"/>
-              <a:t>(</a:t>
-            </a:r>
-            <a:r>
-              <a:rPr lang="pt-BR" dirty="0" err="1"/>
-              <a:t>caminho,cam</a:t>
-            </a:r>
-            <a:r>
-              <a:rPr lang="pt-BR" dirty="0"/>
-              <a:t>)</a:t>
-            </a:r>
-          </a:p>
-          <a:p>
-            <a:pPr marL="342900" indent="-342900">
-              <a:buFont typeface="Courier New" panose="02070309020205020404" pitchFamily="49" charset="0"/>
-              <a:buChar char="o"/>
-            </a:pPr>
-            <a:r>
-              <a:rPr lang="pt-BR" dirty="0" err="1"/>
-              <a:t>cam_int</a:t>
-            </a:r>
-            <a:r>
-              <a:rPr lang="pt-BR" dirty="0"/>
-              <a:t> -= 1</a:t>
-            </a:r>
-            <a:endParaRPr lang="pt-BR" b="1" dirty="0"/>
-          </a:p>
-        </p:txBody>
-      </p:sp>
-      <p:sp>
-        <p:nvSpPr>
           <p:cNvPr id="88" name="Retângulo 87">
             <a:extLst>
               <a:ext uri="{FF2B5EF4-FFF2-40B4-BE49-F238E27FC236}">
@@ -50289,52 +51617,6 @@
           </a:p>
         </p:txBody>
       </p:sp>
-      <p:cxnSp>
-        <p:nvCxnSpPr>
-          <p:cNvPr id="64" name="Conector de Seta Reta 63">
-            <a:extLst>
-              <a:ext uri="{FF2B5EF4-FFF2-40B4-BE49-F238E27FC236}">
-                <a16:creationId xmlns:a16="http://schemas.microsoft.com/office/drawing/2014/main" id="{FCC66E29-6DE3-4F4D-BCE1-18AFBF9EFCB2}"/>
-              </a:ext>
-            </a:extLst>
-          </p:cNvPr>
-          <p:cNvCxnSpPr>
-            <a:cxnSpLocks/>
-            <a:stCxn id="61" idx="0"/>
-          </p:cNvCxnSpPr>
-          <p:nvPr/>
-        </p:nvCxnSpPr>
-        <p:spPr>
-          <a:xfrm flipV="1">
-            <a:off x="8054784" y="3711535"/>
-            <a:ext cx="263925" cy="682196"/>
-          </a:xfrm>
-          <a:prstGeom prst="straightConnector1">
-            <a:avLst/>
-          </a:prstGeom>
-          <a:ln w="50800">
-            <a:solidFill>
-              <a:srgbClr val="00B050"/>
-            </a:solidFill>
-            <a:headEnd type="triangle"/>
-            <a:tailEnd type="none" w="lg" len="med"/>
-          </a:ln>
-        </p:spPr>
-        <p:style>
-          <a:lnRef idx="1">
-            <a:schemeClr val="accent1"/>
-          </a:lnRef>
-          <a:fillRef idx="0">
-            <a:schemeClr val="accent1"/>
-          </a:fillRef>
-          <a:effectRef idx="0">
-            <a:schemeClr val="accent1"/>
-          </a:effectRef>
-          <a:fontRef idx="minor">
-            <a:schemeClr val="tx1"/>
-          </a:fontRef>
-        </p:style>
-      </p:cxnSp>
       <p:sp>
         <p:nvSpPr>
           <p:cNvPr id="65" name="Retângulo 64">
@@ -50400,40 +51682,6 @@
           </a:p>
         </p:txBody>
       </p:sp>
-      <p:sp>
-        <p:nvSpPr>
-          <p:cNvPr id="67" name="Retângulo 66">
-            <a:extLst>
-              <a:ext uri="{FF2B5EF4-FFF2-40B4-BE49-F238E27FC236}">
-                <a16:creationId xmlns:a16="http://schemas.microsoft.com/office/drawing/2014/main" id="{6CF9C9AE-8F05-5D4E-AFA0-CFF9A2B098E4}"/>
-              </a:ext>
-            </a:extLst>
-          </p:cNvPr>
-          <p:cNvSpPr/>
-          <p:nvPr/>
-        </p:nvSpPr>
-        <p:spPr>
-          <a:xfrm>
-            <a:off x="7271579" y="3828374"/>
-            <a:ext cx="1609716" cy="338554"/>
-          </a:xfrm>
-          <a:prstGeom prst="rect">
-            <a:avLst/>
-          </a:prstGeom>
-        </p:spPr>
-        <p:txBody>
-          <a:bodyPr wrap="square">
-            <a:spAutoFit/>
-          </a:bodyPr>
-          <a:lstStyle/>
-          <a:p>
-            <a:r>
-              <a:rPr lang="pt-BR" sz="1600" dirty="0"/>
-              <a:t>Percorre a lista</a:t>
-            </a:r>
-          </a:p>
-        </p:txBody>
-      </p:sp>
       <p:cxnSp>
         <p:nvCxnSpPr>
           <p:cNvPr id="68" name="Conector de Seta Reta 67">
@@ -50623,6 +51871,197 @@
           </a:p>
         </p:txBody>
       </p:sp>
+      <p:sp>
+        <p:nvSpPr>
+          <p:cNvPr id="45" name="Retângulo 44">
+            <a:extLst>
+              <a:ext uri="{FF2B5EF4-FFF2-40B4-BE49-F238E27FC236}">
+                <a16:creationId xmlns:a16="http://schemas.microsoft.com/office/drawing/2014/main" id="{C9C12EDF-64E5-0648-8211-208E7924943C}"/>
+              </a:ext>
+            </a:extLst>
+          </p:cNvPr>
+          <p:cNvSpPr/>
+          <p:nvPr/>
+        </p:nvSpPr>
+        <p:spPr>
+          <a:xfrm>
+            <a:off x="7066145" y="3784337"/>
+            <a:ext cx="1609716" cy="338554"/>
+          </a:xfrm>
+          <a:prstGeom prst="rect">
+            <a:avLst/>
+          </a:prstGeom>
+        </p:spPr>
+        <p:txBody>
+          <a:bodyPr wrap="square">
+            <a:spAutoFit/>
+          </a:bodyPr>
+          <a:lstStyle/>
+          <a:p>
+            <a:r>
+              <a:rPr lang="pt-BR" sz="1600" dirty="0"/>
+              <a:t>Percorre a lista</a:t>
+            </a:r>
+          </a:p>
+        </p:txBody>
+      </p:sp>
+      <p:cxnSp>
+        <p:nvCxnSpPr>
+          <p:cNvPr id="46" name="Conector de Seta Reta 45">
+            <a:extLst>
+              <a:ext uri="{FF2B5EF4-FFF2-40B4-BE49-F238E27FC236}">
+                <a16:creationId xmlns:a16="http://schemas.microsoft.com/office/drawing/2014/main" id="{489B998D-87CC-0840-9346-567E95F77214}"/>
+              </a:ext>
+            </a:extLst>
+          </p:cNvPr>
+          <p:cNvCxnSpPr>
+            <a:cxnSpLocks/>
+            <a:stCxn id="51" idx="0"/>
+          </p:cNvCxnSpPr>
+          <p:nvPr/>
+        </p:nvCxnSpPr>
+        <p:spPr>
+          <a:xfrm flipH="1" flipV="1">
+            <a:off x="7967193" y="3604819"/>
+            <a:ext cx="12355" cy="707888"/>
+          </a:xfrm>
+          <a:prstGeom prst="straightConnector1">
+            <a:avLst/>
+          </a:prstGeom>
+          <a:ln w="50800">
+            <a:solidFill>
+              <a:srgbClr val="00B050"/>
+            </a:solidFill>
+            <a:headEnd type="triangle"/>
+            <a:tailEnd type="none" w="lg" len="med"/>
+          </a:ln>
+        </p:spPr>
+        <p:style>
+          <a:lnRef idx="1">
+            <a:schemeClr val="accent1"/>
+          </a:lnRef>
+          <a:fillRef idx="0">
+            <a:schemeClr val="accent1"/>
+          </a:fillRef>
+          <a:effectRef idx="0">
+            <a:schemeClr val="accent1"/>
+          </a:effectRef>
+          <a:fontRef idx="minor">
+            <a:schemeClr val="tx1"/>
+          </a:fontRef>
+        </p:style>
+      </p:cxnSp>
+      <p:sp>
+        <p:nvSpPr>
+          <p:cNvPr id="51" name="Retângulo 50">
+            <a:extLst>
+              <a:ext uri="{FF2B5EF4-FFF2-40B4-BE49-F238E27FC236}">
+                <a16:creationId xmlns:a16="http://schemas.microsoft.com/office/drawing/2014/main" id="{9DA93C5B-3D88-E444-BBA0-AF04A4909880}"/>
+              </a:ext>
+            </a:extLst>
+          </p:cNvPr>
+          <p:cNvSpPr/>
+          <p:nvPr/>
+        </p:nvSpPr>
+        <p:spPr>
+          <a:xfrm>
+            <a:off x="5865895" y="4312707"/>
+            <a:ext cx="4227306" cy="1374698"/>
+          </a:xfrm>
+          <a:prstGeom prst="rect">
+            <a:avLst/>
+          </a:prstGeom>
+        </p:spPr>
+        <p:style>
+          <a:lnRef idx="2">
+            <a:schemeClr val="accent1">
+              <a:shade val="50000"/>
+            </a:schemeClr>
+          </a:lnRef>
+          <a:fillRef idx="1">
+            <a:schemeClr val="accent1"/>
+          </a:fillRef>
+          <a:effectRef idx="0">
+            <a:schemeClr val="accent1"/>
+          </a:effectRef>
+          <a:fontRef idx="minor">
+            <a:schemeClr val="lt1"/>
+          </a:fontRef>
+        </p:style>
+        <p:txBody>
+          <a:bodyPr rtlCol="0" anchor="ctr"/>
+          <a:lstStyle/>
+          <a:p>
+            <a:pPr marL="342900" indent="-342900">
+              <a:buFont typeface="Courier New" panose="02070309020205020404" pitchFamily="49" charset="0"/>
+              <a:buChar char="o"/>
+            </a:pPr>
+            <a:r>
+              <a:rPr lang="pt-BR" dirty="0" err="1"/>
+              <a:t>cam_int</a:t>
+            </a:r>
+            <a:r>
+              <a:rPr lang="pt-BR" dirty="0"/>
+              <a:t> += 1</a:t>
+            </a:r>
+          </a:p>
+          <a:p>
+            <a:pPr marL="342900" indent="-342900">
+              <a:buFont typeface="Courier New" panose="02070309020205020404" pitchFamily="49" charset="0"/>
+              <a:buChar char="o"/>
+            </a:pPr>
+            <a:r>
+              <a:rPr lang="pt-BR" dirty="0" err="1"/>
+              <a:t>método_busca</a:t>
+            </a:r>
+            <a:r>
+              <a:rPr lang="pt-BR" dirty="0"/>
+              <a:t> (Nó 2, Nó)</a:t>
+            </a:r>
+          </a:p>
+          <a:p>
+            <a:pPr marL="342900" indent="-342900">
+              <a:buFont typeface="Courier New" panose="02070309020205020404" pitchFamily="49" charset="0"/>
+              <a:buChar char="o"/>
+            </a:pPr>
+            <a:r>
+              <a:rPr lang="pt-BR" dirty="0"/>
+              <a:t>caminho = </a:t>
+            </a:r>
+            <a:r>
+              <a:rPr lang="pt-BR" dirty="0" err="1"/>
+              <a:t>max</a:t>
+            </a:r>
+            <a:r>
+              <a:rPr lang="pt-BR" dirty="0"/>
+              <a:t>(</a:t>
+            </a:r>
+            <a:r>
+              <a:rPr lang="pt-BR" dirty="0" err="1"/>
+              <a:t>caminho,cam_int</a:t>
+            </a:r>
+            <a:r>
+              <a:rPr lang="pt-BR" dirty="0"/>
+              <a:t>)</a:t>
+            </a:r>
+          </a:p>
+          <a:p>
+            <a:pPr marL="342900" indent="-342900">
+              <a:buFont typeface="Courier New" panose="02070309020205020404" pitchFamily="49" charset="0"/>
+              <a:buChar char="o"/>
+            </a:pPr>
+            <a:r>
+              <a:rPr lang="pt-BR" dirty="0" err="1"/>
+              <a:t>cam_int</a:t>
+            </a:r>
+            <a:r>
+              <a:rPr lang="pt-BR" dirty="0"/>
+              <a:t> -= 1</a:t>
+            </a:r>
+            <a:endParaRPr lang="pt-BR" b="1" dirty="0"/>
+          </a:p>
+        </p:txBody>
+      </p:sp>
     </p:spTree>
     <p:extLst>
       <p:ext uri="{BB962C8B-B14F-4D97-AF65-F5344CB8AC3E}">
@@ -50636,7 +52075,7 @@
 </p:sld>
 </file>
 
-<file path=ppt/slides/slide52.xml><?xml version="1.0" encoding="utf-8"?>
+<file path=ppt/slides/slide53.xml><?xml version="1.0" encoding="utf-8"?>
 <p:sld xmlns:a="http://schemas.openxmlformats.org/drawingml/2006/main" xmlns:r="http://schemas.openxmlformats.org/officeDocument/2006/relationships" xmlns:p="http://schemas.openxmlformats.org/presentationml/2006/main">
   <p:cSld>
     <p:spTree>
@@ -50874,117 +52313,6 @@
       </p:cxnSp>
       <p:sp>
         <p:nvSpPr>
-          <p:cNvPr id="61" name="Retângulo 60">
-            <a:extLst>
-              <a:ext uri="{FF2B5EF4-FFF2-40B4-BE49-F238E27FC236}">
-                <a16:creationId xmlns:a16="http://schemas.microsoft.com/office/drawing/2014/main" id="{2FB475DD-5A00-9147-BBB6-FCD4D578821B}"/>
-              </a:ext>
-            </a:extLst>
-          </p:cNvPr>
-          <p:cNvSpPr/>
-          <p:nvPr/>
-        </p:nvSpPr>
-        <p:spPr>
-          <a:xfrm>
-            <a:off x="6201561" y="4393731"/>
-            <a:ext cx="3706445" cy="1374698"/>
-          </a:xfrm>
-          <a:prstGeom prst="rect">
-            <a:avLst/>
-          </a:prstGeom>
-        </p:spPr>
-        <p:style>
-          <a:lnRef idx="2">
-            <a:schemeClr val="accent1">
-              <a:shade val="50000"/>
-            </a:schemeClr>
-          </a:lnRef>
-          <a:fillRef idx="1">
-            <a:schemeClr val="accent1"/>
-          </a:fillRef>
-          <a:effectRef idx="0">
-            <a:schemeClr val="accent1"/>
-          </a:effectRef>
-          <a:fontRef idx="minor">
-            <a:schemeClr val="lt1"/>
-          </a:fontRef>
-        </p:style>
-        <p:txBody>
-          <a:bodyPr rtlCol="0" anchor="ctr"/>
-          <a:lstStyle/>
-          <a:p>
-            <a:pPr marL="342900" indent="-342900">
-              <a:buFont typeface="Courier New" panose="02070309020205020404" pitchFamily="49" charset="0"/>
-              <a:buChar char="o"/>
-            </a:pPr>
-            <a:r>
-              <a:rPr lang="pt-BR" dirty="0" err="1"/>
-              <a:t>cam_int</a:t>
-            </a:r>
-            <a:r>
-              <a:rPr lang="pt-BR" dirty="0"/>
-              <a:t> += 1</a:t>
-            </a:r>
-          </a:p>
-          <a:p>
-            <a:pPr marL="342900" indent="-342900">
-              <a:buFont typeface="Courier New" panose="02070309020205020404" pitchFamily="49" charset="0"/>
-              <a:buChar char="o"/>
-            </a:pPr>
-            <a:r>
-              <a:rPr lang="pt-BR" dirty="0" err="1"/>
-              <a:t>método_busca</a:t>
-            </a:r>
-            <a:r>
-              <a:rPr lang="pt-BR" dirty="0"/>
-              <a:t> (no2, no)</a:t>
-            </a:r>
-          </a:p>
-          <a:p>
-            <a:pPr marL="342900" indent="-342900">
-              <a:buFont typeface="Courier New" panose="02070309020205020404" pitchFamily="49" charset="0"/>
-              <a:buChar char="o"/>
-            </a:pPr>
-            <a:r>
-              <a:rPr lang="pt-BR" dirty="0"/>
-              <a:t>caminho = </a:t>
-            </a:r>
-            <a:r>
-              <a:rPr lang="pt-BR" dirty="0" err="1"/>
-              <a:t>max</a:t>
-            </a:r>
-            <a:r>
-              <a:rPr lang="pt-BR" dirty="0"/>
-              <a:t>(</a:t>
-            </a:r>
-            <a:r>
-              <a:rPr lang="pt-BR" dirty="0" err="1"/>
-              <a:t>caminho,cam</a:t>
-            </a:r>
-            <a:r>
-              <a:rPr lang="pt-BR" dirty="0"/>
-              <a:t>)</a:t>
-            </a:r>
-          </a:p>
-          <a:p>
-            <a:pPr marL="342900" indent="-342900">
-              <a:buFont typeface="Courier New" panose="02070309020205020404" pitchFamily="49" charset="0"/>
-              <a:buChar char="o"/>
-            </a:pPr>
-            <a:r>
-              <a:rPr lang="pt-BR" dirty="0" err="1"/>
-              <a:t>cam_int</a:t>
-            </a:r>
-            <a:r>
-              <a:rPr lang="pt-BR" dirty="0"/>
-              <a:t> -= 1</a:t>
-            </a:r>
-            <a:endParaRPr lang="pt-BR" b="1" dirty="0"/>
-          </a:p>
-        </p:txBody>
-      </p:sp>
-      <p:sp>
-        <p:nvSpPr>
           <p:cNvPr id="88" name="Retângulo 87">
             <a:extLst>
               <a:ext uri="{FF2B5EF4-FFF2-40B4-BE49-F238E27FC236}">
@@ -51325,52 +52653,6 @@
           </a:p>
         </p:txBody>
       </p:sp>
-      <p:cxnSp>
-        <p:nvCxnSpPr>
-          <p:cNvPr id="64" name="Conector de Seta Reta 63">
-            <a:extLst>
-              <a:ext uri="{FF2B5EF4-FFF2-40B4-BE49-F238E27FC236}">
-                <a16:creationId xmlns:a16="http://schemas.microsoft.com/office/drawing/2014/main" id="{FCC66E29-6DE3-4F4D-BCE1-18AFBF9EFCB2}"/>
-              </a:ext>
-            </a:extLst>
-          </p:cNvPr>
-          <p:cNvCxnSpPr>
-            <a:cxnSpLocks/>
-            <a:stCxn id="61" idx="0"/>
-          </p:cNvCxnSpPr>
-          <p:nvPr/>
-        </p:nvCxnSpPr>
-        <p:spPr>
-          <a:xfrm flipV="1">
-            <a:off x="8054784" y="3711535"/>
-            <a:ext cx="263925" cy="682196"/>
-          </a:xfrm>
-          <a:prstGeom prst="straightConnector1">
-            <a:avLst/>
-          </a:prstGeom>
-          <a:ln w="50800">
-            <a:solidFill>
-              <a:srgbClr val="00B050"/>
-            </a:solidFill>
-            <a:headEnd type="triangle"/>
-            <a:tailEnd type="none" w="lg" len="med"/>
-          </a:ln>
-        </p:spPr>
-        <p:style>
-          <a:lnRef idx="1">
-            <a:schemeClr val="accent1"/>
-          </a:lnRef>
-          <a:fillRef idx="0">
-            <a:schemeClr val="accent1"/>
-          </a:fillRef>
-          <a:effectRef idx="0">
-            <a:schemeClr val="accent1"/>
-          </a:effectRef>
-          <a:fontRef idx="minor">
-            <a:schemeClr val="tx1"/>
-          </a:fontRef>
-        </p:style>
-      </p:cxnSp>
       <p:sp>
         <p:nvSpPr>
           <p:cNvPr id="65" name="Retângulo 64">
@@ -51433,40 +52715,6 @@
                 <a:lin ang="5400000"/>
               </a:gradFill>
             </a:endParaRPr>
-          </a:p>
-        </p:txBody>
-      </p:sp>
-      <p:sp>
-        <p:nvSpPr>
-          <p:cNvPr id="67" name="Retângulo 66">
-            <a:extLst>
-              <a:ext uri="{FF2B5EF4-FFF2-40B4-BE49-F238E27FC236}">
-                <a16:creationId xmlns:a16="http://schemas.microsoft.com/office/drawing/2014/main" id="{6CF9C9AE-8F05-5D4E-AFA0-CFF9A2B098E4}"/>
-              </a:ext>
-            </a:extLst>
-          </p:cNvPr>
-          <p:cNvSpPr/>
-          <p:nvPr/>
-        </p:nvSpPr>
-        <p:spPr>
-          <a:xfrm>
-            <a:off x="7271579" y="3828374"/>
-            <a:ext cx="1609716" cy="338554"/>
-          </a:xfrm>
-          <a:prstGeom prst="rect">
-            <a:avLst/>
-          </a:prstGeom>
-        </p:spPr>
-        <p:txBody>
-          <a:bodyPr wrap="square">
-            <a:spAutoFit/>
-          </a:bodyPr>
-          <a:lstStyle/>
-          <a:p>
-            <a:r>
-              <a:rPr lang="pt-BR" sz="1600" dirty="0"/>
-              <a:t>Percorre a lista</a:t>
-            </a:r>
           </a:p>
         </p:txBody>
       </p:sp>
@@ -52452,6 +53700,197 @@
           </a:fontRef>
         </p:style>
       </p:cxnSp>
+      <p:sp>
+        <p:nvSpPr>
+          <p:cNvPr id="43" name="Retângulo 42">
+            <a:extLst>
+              <a:ext uri="{FF2B5EF4-FFF2-40B4-BE49-F238E27FC236}">
+                <a16:creationId xmlns:a16="http://schemas.microsoft.com/office/drawing/2014/main" id="{2B47860A-5E77-714B-934C-A294547B5146}"/>
+              </a:ext>
+            </a:extLst>
+          </p:cNvPr>
+          <p:cNvSpPr/>
+          <p:nvPr/>
+        </p:nvSpPr>
+        <p:spPr>
+          <a:xfrm>
+            <a:off x="7066145" y="3784337"/>
+            <a:ext cx="1609716" cy="338554"/>
+          </a:xfrm>
+          <a:prstGeom prst="rect">
+            <a:avLst/>
+          </a:prstGeom>
+        </p:spPr>
+        <p:txBody>
+          <a:bodyPr wrap="square">
+            <a:spAutoFit/>
+          </a:bodyPr>
+          <a:lstStyle/>
+          <a:p>
+            <a:r>
+              <a:rPr lang="pt-BR" sz="1600" dirty="0"/>
+              <a:t>Percorre a lista</a:t>
+            </a:r>
+          </a:p>
+        </p:txBody>
+      </p:sp>
+      <p:cxnSp>
+        <p:nvCxnSpPr>
+          <p:cNvPr id="44" name="Conector de Seta Reta 43">
+            <a:extLst>
+              <a:ext uri="{FF2B5EF4-FFF2-40B4-BE49-F238E27FC236}">
+                <a16:creationId xmlns:a16="http://schemas.microsoft.com/office/drawing/2014/main" id="{590336BC-7B47-084E-908E-F59B49D4C62A}"/>
+              </a:ext>
+            </a:extLst>
+          </p:cNvPr>
+          <p:cNvCxnSpPr>
+            <a:cxnSpLocks/>
+            <a:stCxn id="45" idx="0"/>
+          </p:cNvCxnSpPr>
+          <p:nvPr/>
+        </p:nvCxnSpPr>
+        <p:spPr>
+          <a:xfrm flipH="1" flipV="1">
+            <a:off x="7967193" y="3604819"/>
+            <a:ext cx="12355" cy="707888"/>
+          </a:xfrm>
+          <a:prstGeom prst="straightConnector1">
+            <a:avLst/>
+          </a:prstGeom>
+          <a:ln w="50800">
+            <a:solidFill>
+              <a:srgbClr val="00B050"/>
+            </a:solidFill>
+            <a:headEnd type="triangle"/>
+            <a:tailEnd type="none" w="lg" len="med"/>
+          </a:ln>
+        </p:spPr>
+        <p:style>
+          <a:lnRef idx="1">
+            <a:schemeClr val="accent1"/>
+          </a:lnRef>
+          <a:fillRef idx="0">
+            <a:schemeClr val="accent1"/>
+          </a:fillRef>
+          <a:effectRef idx="0">
+            <a:schemeClr val="accent1"/>
+          </a:effectRef>
+          <a:fontRef idx="minor">
+            <a:schemeClr val="tx1"/>
+          </a:fontRef>
+        </p:style>
+      </p:cxnSp>
+      <p:sp>
+        <p:nvSpPr>
+          <p:cNvPr id="45" name="Retângulo 44">
+            <a:extLst>
+              <a:ext uri="{FF2B5EF4-FFF2-40B4-BE49-F238E27FC236}">
+                <a16:creationId xmlns:a16="http://schemas.microsoft.com/office/drawing/2014/main" id="{E5ABC06A-BFAF-804A-9DD0-6218DFEB2CE0}"/>
+              </a:ext>
+            </a:extLst>
+          </p:cNvPr>
+          <p:cNvSpPr/>
+          <p:nvPr/>
+        </p:nvSpPr>
+        <p:spPr>
+          <a:xfrm>
+            <a:off x="5865895" y="4312707"/>
+            <a:ext cx="4227306" cy="1374698"/>
+          </a:xfrm>
+          <a:prstGeom prst="rect">
+            <a:avLst/>
+          </a:prstGeom>
+        </p:spPr>
+        <p:style>
+          <a:lnRef idx="2">
+            <a:schemeClr val="accent1">
+              <a:shade val="50000"/>
+            </a:schemeClr>
+          </a:lnRef>
+          <a:fillRef idx="1">
+            <a:schemeClr val="accent1"/>
+          </a:fillRef>
+          <a:effectRef idx="0">
+            <a:schemeClr val="accent1"/>
+          </a:effectRef>
+          <a:fontRef idx="minor">
+            <a:schemeClr val="lt1"/>
+          </a:fontRef>
+        </p:style>
+        <p:txBody>
+          <a:bodyPr rtlCol="0" anchor="ctr"/>
+          <a:lstStyle/>
+          <a:p>
+            <a:pPr marL="342900" indent="-342900">
+              <a:buFont typeface="Courier New" panose="02070309020205020404" pitchFamily="49" charset="0"/>
+              <a:buChar char="o"/>
+            </a:pPr>
+            <a:r>
+              <a:rPr lang="pt-BR" dirty="0" err="1"/>
+              <a:t>cam_int</a:t>
+            </a:r>
+            <a:r>
+              <a:rPr lang="pt-BR" dirty="0"/>
+              <a:t> += 1</a:t>
+            </a:r>
+          </a:p>
+          <a:p>
+            <a:pPr marL="342900" indent="-342900">
+              <a:buFont typeface="Courier New" panose="02070309020205020404" pitchFamily="49" charset="0"/>
+              <a:buChar char="o"/>
+            </a:pPr>
+            <a:r>
+              <a:rPr lang="pt-BR" dirty="0" err="1"/>
+              <a:t>método_busca</a:t>
+            </a:r>
+            <a:r>
+              <a:rPr lang="pt-BR" dirty="0"/>
+              <a:t> (Nó 2, Nó)</a:t>
+            </a:r>
+          </a:p>
+          <a:p>
+            <a:pPr marL="342900" indent="-342900">
+              <a:buFont typeface="Courier New" panose="02070309020205020404" pitchFamily="49" charset="0"/>
+              <a:buChar char="o"/>
+            </a:pPr>
+            <a:r>
+              <a:rPr lang="pt-BR" dirty="0"/>
+              <a:t>caminho = </a:t>
+            </a:r>
+            <a:r>
+              <a:rPr lang="pt-BR" dirty="0" err="1"/>
+              <a:t>max</a:t>
+            </a:r>
+            <a:r>
+              <a:rPr lang="pt-BR" dirty="0"/>
+              <a:t>(</a:t>
+            </a:r>
+            <a:r>
+              <a:rPr lang="pt-BR" dirty="0" err="1"/>
+              <a:t>caminho,cam_int</a:t>
+            </a:r>
+            <a:r>
+              <a:rPr lang="pt-BR" dirty="0"/>
+              <a:t>)</a:t>
+            </a:r>
+          </a:p>
+          <a:p>
+            <a:pPr marL="342900" indent="-342900">
+              <a:buFont typeface="Courier New" panose="02070309020205020404" pitchFamily="49" charset="0"/>
+              <a:buChar char="o"/>
+            </a:pPr>
+            <a:r>
+              <a:rPr lang="pt-BR" dirty="0" err="1"/>
+              <a:t>cam_int</a:t>
+            </a:r>
+            <a:r>
+              <a:rPr lang="pt-BR" dirty="0"/>
+              <a:t> -= 1</a:t>
+            </a:r>
+            <a:endParaRPr lang="pt-BR" b="1" dirty="0"/>
+          </a:p>
+        </p:txBody>
+      </p:sp>
     </p:spTree>
     <p:extLst>
       <p:ext uri="{BB962C8B-B14F-4D97-AF65-F5344CB8AC3E}">
@@ -52465,7 +53904,7 @@
 </p:sld>
 </file>
 
-<file path=ppt/slides/slide53.xml><?xml version="1.0" encoding="utf-8"?>
+<file path=ppt/slides/slide54.xml><?xml version="1.0" encoding="utf-8"?>
 <p:sld xmlns:a="http://schemas.openxmlformats.org/drawingml/2006/main" xmlns:r="http://schemas.openxmlformats.org/officeDocument/2006/relationships" xmlns:p="http://schemas.openxmlformats.org/presentationml/2006/main">
   <p:cSld>
     <p:spTree>
@@ -53271,117 +54710,6 @@
       </p:cxnSp>
       <p:sp>
         <p:nvSpPr>
-          <p:cNvPr id="61" name="Retângulo 60">
-            <a:extLst>
-              <a:ext uri="{FF2B5EF4-FFF2-40B4-BE49-F238E27FC236}">
-                <a16:creationId xmlns:a16="http://schemas.microsoft.com/office/drawing/2014/main" id="{2FB475DD-5A00-9147-BBB6-FCD4D578821B}"/>
-              </a:ext>
-            </a:extLst>
-          </p:cNvPr>
-          <p:cNvSpPr/>
-          <p:nvPr/>
-        </p:nvSpPr>
-        <p:spPr>
-          <a:xfrm>
-            <a:off x="6201561" y="4393731"/>
-            <a:ext cx="3706445" cy="1374698"/>
-          </a:xfrm>
-          <a:prstGeom prst="rect">
-            <a:avLst/>
-          </a:prstGeom>
-        </p:spPr>
-        <p:style>
-          <a:lnRef idx="2">
-            <a:schemeClr val="accent1">
-              <a:shade val="50000"/>
-            </a:schemeClr>
-          </a:lnRef>
-          <a:fillRef idx="1">
-            <a:schemeClr val="accent1"/>
-          </a:fillRef>
-          <a:effectRef idx="0">
-            <a:schemeClr val="accent1"/>
-          </a:effectRef>
-          <a:fontRef idx="minor">
-            <a:schemeClr val="lt1"/>
-          </a:fontRef>
-        </p:style>
-        <p:txBody>
-          <a:bodyPr rtlCol="0" anchor="ctr"/>
-          <a:lstStyle/>
-          <a:p>
-            <a:pPr marL="342900" indent="-342900">
-              <a:buFont typeface="Courier New" panose="02070309020205020404" pitchFamily="49" charset="0"/>
-              <a:buChar char="o"/>
-            </a:pPr>
-            <a:r>
-              <a:rPr lang="pt-BR" dirty="0" err="1"/>
-              <a:t>cam_int</a:t>
-            </a:r>
-            <a:r>
-              <a:rPr lang="pt-BR" dirty="0"/>
-              <a:t> += 1</a:t>
-            </a:r>
-          </a:p>
-          <a:p>
-            <a:pPr marL="342900" indent="-342900">
-              <a:buFont typeface="Courier New" panose="02070309020205020404" pitchFamily="49" charset="0"/>
-              <a:buChar char="o"/>
-            </a:pPr>
-            <a:r>
-              <a:rPr lang="pt-BR" dirty="0" err="1"/>
-              <a:t>método_busca</a:t>
-            </a:r>
-            <a:r>
-              <a:rPr lang="pt-BR" dirty="0"/>
-              <a:t> (no2, no)</a:t>
-            </a:r>
-          </a:p>
-          <a:p>
-            <a:pPr marL="342900" indent="-342900">
-              <a:buFont typeface="Courier New" panose="02070309020205020404" pitchFamily="49" charset="0"/>
-              <a:buChar char="o"/>
-            </a:pPr>
-            <a:r>
-              <a:rPr lang="pt-BR" dirty="0"/>
-              <a:t>caminho = </a:t>
-            </a:r>
-            <a:r>
-              <a:rPr lang="pt-BR" dirty="0" err="1"/>
-              <a:t>max</a:t>
-            </a:r>
-            <a:r>
-              <a:rPr lang="pt-BR" dirty="0"/>
-              <a:t>(</a:t>
-            </a:r>
-            <a:r>
-              <a:rPr lang="pt-BR" dirty="0" err="1"/>
-              <a:t>caminho,cam</a:t>
-            </a:r>
-            <a:r>
-              <a:rPr lang="pt-BR" dirty="0"/>
-              <a:t>)</a:t>
-            </a:r>
-          </a:p>
-          <a:p>
-            <a:pPr marL="342900" indent="-342900">
-              <a:buFont typeface="Courier New" panose="02070309020205020404" pitchFamily="49" charset="0"/>
-              <a:buChar char="o"/>
-            </a:pPr>
-            <a:r>
-              <a:rPr lang="pt-BR" dirty="0" err="1"/>
-              <a:t>cam_int</a:t>
-            </a:r>
-            <a:r>
-              <a:rPr lang="pt-BR" dirty="0"/>
-              <a:t> -= 1</a:t>
-            </a:r>
-            <a:endParaRPr lang="pt-BR" b="1" dirty="0"/>
-          </a:p>
-        </p:txBody>
-      </p:sp>
-      <p:sp>
-        <p:nvSpPr>
           <p:cNvPr id="88" name="Retângulo 87">
             <a:extLst>
               <a:ext uri="{FF2B5EF4-FFF2-40B4-BE49-F238E27FC236}">
@@ -54014,52 +55342,6 @@
           </a:p>
         </p:txBody>
       </p:sp>
-      <p:cxnSp>
-        <p:nvCxnSpPr>
-          <p:cNvPr id="64" name="Conector de Seta Reta 63">
-            <a:extLst>
-              <a:ext uri="{FF2B5EF4-FFF2-40B4-BE49-F238E27FC236}">
-                <a16:creationId xmlns:a16="http://schemas.microsoft.com/office/drawing/2014/main" id="{FCC66E29-6DE3-4F4D-BCE1-18AFBF9EFCB2}"/>
-              </a:ext>
-            </a:extLst>
-          </p:cNvPr>
-          <p:cNvCxnSpPr>
-            <a:cxnSpLocks/>
-            <a:stCxn id="61" idx="0"/>
-          </p:cNvCxnSpPr>
-          <p:nvPr/>
-        </p:nvCxnSpPr>
-        <p:spPr>
-          <a:xfrm flipV="1">
-            <a:off x="8054784" y="3711535"/>
-            <a:ext cx="263925" cy="682196"/>
-          </a:xfrm>
-          <a:prstGeom prst="straightConnector1">
-            <a:avLst/>
-          </a:prstGeom>
-          <a:ln w="50800">
-            <a:solidFill>
-              <a:srgbClr val="00B050"/>
-            </a:solidFill>
-            <a:headEnd type="triangle"/>
-            <a:tailEnd type="none" w="lg" len="med"/>
-          </a:ln>
-        </p:spPr>
-        <p:style>
-          <a:lnRef idx="1">
-            <a:schemeClr val="accent1"/>
-          </a:lnRef>
-          <a:fillRef idx="0">
-            <a:schemeClr val="accent1"/>
-          </a:fillRef>
-          <a:effectRef idx="0">
-            <a:schemeClr val="accent1"/>
-          </a:effectRef>
-          <a:fontRef idx="minor">
-            <a:schemeClr val="tx1"/>
-          </a:fontRef>
-        </p:style>
-      </p:cxnSp>
       <p:sp>
         <p:nvSpPr>
           <p:cNvPr id="65" name="Retângulo 64">
@@ -54125,40 +55407,6 @@
           </a:p>
         </p:txBody>
       </p:sp>
-      <p:sp>
-        <p:nvSpPr>
-          <p:cNvPr id="67" name="Retângulo 66">
-            <a:extLst>
-              <a:ext uri="{FF2B5EF4-FFF2-40B4-BE49-F238E27FC236}">
-                <a16:creationId xmlns:a16="http://schemas.microsoft.com/office/drawing/2014/main" id="{6CF9C9AE-8F05-5D4E-AFA0-CFF9A2B098E4}"/>
-              </a:ext>
-            </a:extLst>
-          </p:cNvPr>
-          <p:cNvSpPr/>
-          <p:nvPr/>
-        </p:nvSpPr>
-        <p:spPr>
-          <a:xfrm>
-            <a:off x="7271579" y="3828374"/>
-            <a:ext cx="1609716" cy="338554"/>
-          </a:xfrm>
-          <a:prstGeom prst="rect">
-            <a:avLst/>
-          </a:prstGeom>
-        </p:spPr>
-        <p:txBody>
-          <a:bodyPr wrap="square">
-            <a:spAutoFit/>
-          </a:bodyPr>
-          <a:lstStyle/>
-          <a:p>
-            <a:r>
-              <a:rPr lang="pt-BR" sz="1600" dirty="0"/>
-              <a:t>Percorre a lista</a:t>
-            </a:r>
-          </a:p>
-        </p:txBody>
-      </p:sp>
       <p:cxnSp>
         <p:nvCxnSpPr>
           <p:cNvPr id="68" name="Conector de Seta Reta 67">
@@ -54292,6 +55540,197 @@
           </a:p>
         </p:txBody>
       </p:sp>
+      <p:sp>
+        <p:nvSpPr>
+          <p:cNvPr id="45" name="Retângulo 44">
+            <a:extLst>
+              <a:ext uri="{FF2B5EF4-FFF2-40B4-BE49-F238E27FC236}">
+                <a16:creationId xmlns:a16="http://schemas.microsoft.com/office/drawing/2014/main" id="{34FC6FC0-907D-734B-81FF-AED911936551}"/>
+              </a:ext>
+            </a:extLst>
+          </p:cNvPr>
+          <p:cNvSpPr/>
+          <p:nvPr/>
+        </p:nvSpPr>
+        <p:spPr>
+          <a:xfrm>
+            <a:off x="7066145" y="3784337"/>
+            <a:ext cx="1609716" cy="338554"/>
+          </a:xfrm>
+          <a:prstGeom prst="rect">
+            <a:avLst/>
+          </a:prstGeom>
+        </p:spPr>
+        <p:txBody>
+          <a:bodyPr wrap="square">
+            <a:spAutoFit/>
+          </a:bodyPr>
+          <a:lstStyle/>
+          <a:p>
+            <a:r>
+              <a:rPr lang="pt-BR" sz="1600" dirty="0"/>
+              <a:t>Percorre a lista</a:t>
+            </a:r>
+          </a:p>
+        </p:txBody>
+      </p:sp>
+      <p:cxnSp>
+        <p:nvCxnSpPr>
+          <p:cNvPr id="46" name="Conector de Seta Reta 45">
+            <a:extLst>
+              <a:ext uri="{FF2B5EF4-FFF2-40B4-BE49-F238E27FC236}">
+                <a16:creationId xmlns:a16="http://schemas.microsoft.com/office/drawing/2014/main" id="{ADD04BA3-AFD9-D640-9D01-80CEBAF3C9F8}"/>
+              </a:ext>
+            </a:extLst>
+          </p:cNvPr>
+          <p:cNvCxnSpPr>
+            <a:cxnSpLocks/>
+            <a:stCxn id="47" idx="0"/>
+          </p:cNvCxnSpPr>
+          <p:nvPr/>
+        </p:nvCxnSpPr>
+        <p:spPr>
+          <a:xfrm flipH="1" flipV="1">
+            <a:off x="7967193" y="3604819"/>
+            <a:ext cx="12355" cy="707888"/>
+          </a:xfrm>
+          <a:prstGeom prst="straightConnector1">
+            <a:avLst/>
+          </a:prstGeom>
+          <a:ln w="50800">
+            <a:solidFill>
+              <a:srgbClr val="00B050"/>
+            </a:solidFill>
+            <a:headEnd type="triangle"/>
+            <a:tailEnd type="none" w="lg" len="med"/>
+          </a:ln>
+        </p:spPr>
+        <p:style>
+          <a:lnRef idx="1">
+            <a:schemeClr val="accent1"/>
+          </a:lnRef>
+          <a:fillRef idx="0">
+            <a:schemeClr val="accent1"/>
+          </a:fillRef>
+          <a:effectRef idx="0">
+            <a:schemeClr val="accent1"/>
+          </a:effectRef>
+          <a:fontRef idx="minor">
+            <a:schemeClr val="tx1"/>
+          </a:fontRef>
+        </p:style>
+      </p:cxnSp>
+      <p:sp>
+        <p:nvSpPr>
+          <p:cNvPr id="47" name="Retângulo 46">
+            <a:extLst>
+              <a:ext uri="{FF2B5EF4-FFF2-40B4-BE49-F238E27FC236}">
+                <a16:creationId xmlns:a16="http://schemas.microsoft.com/office/drawing/2014/main" id="{FCA68EA2-091E-CE49-A784-C9F8E8FC0344}"/>
+              </a:ext>
+            </a:extLst>
+          </p:cNvPr>
+          <p:cNvSpPr/>
+          <p:nvPr/>
+        </p:nvSpPr>
+        <p:spPr>
+          <a:xfrm>
+            <a:off x="5865895" y="4312707"/>
+            <a:ext cx="4227306" cy="1374698"/>
+          </a:xfrm>
+          <a:prstGeom prst="rect">
+            <a:avLst/>
+          </a:prstGeom>
+        </p:spPr>
+        <p:style>
+          <a:lnRef idx="2">
+            <a:schemeClr val="accent1">
+              <a:shade val="50000"/>
+            </a:schemeClr>
+          </a:lnRef>
+          <a:fillRef idx="1">
+            <a:schemeClr val="accent1"/>
+          </a:fillRef>
+          <a:effectRef idx="0">
+            <a:schemeClr val="accent1"/>
+          </a:effectRef>
+          <a:fontRef idx="minor">
+            <a:schemeClr val="lt1"/>
+          </a:fontRef>
+        </p:style>
+        <p:txBody>
+          <a:bodyPr rtlCol="0" anchor="ctr"/>
+          <a:lstStyle/>
+          <a:p>
+            <a:pPr marL="342900" indent="-342900">
+              <a:buFont typeface="Courier New" panose="02070309020205020404" pitchFamily="49" charset="0"/>
+              <a:buChar char="o"/>
+            </a:pPr>
+            <a:r>
+              <a:rPr lang="pt-BR" dirty="0" err="1"/>
+              <a:t>cam_int</a:t>
+            </a:r>
+            <a:r>
+              <a:rPr lang="pt-BR" dirty="0"/>
+              <a:t> += 1</a:t>
+            </a:r>
+          </a:p>
+          <a:p>
+            <a:pPr marL="342900" indent="-342900">
+              <a:buFont typeface="Courier New" panose="02070309020205020404" pitchFamily="49" charset="0"/>
+              <a:buChar char="o"/>
+            </a:pPr>
+            <a:r>
+              <a:rPr lang="pt-BR" dirty="0" err="1"/>
+              <a:t>método_busca</a:t>
+            </a:r>
+            <a:r>
+              <a:rPr lang="pt-BR" dirty="0"/>
+              <a:t> (Nó 2, Nó)</a:t>
+            </a:r>
+          </a:p>
+          <a:p>
+            <a:pPr marL="342900" indent="-342900">
+              <a:buFont typeface="Courier New" panose="02070309020205020404" pitchFamily="49" charset="0"/>
+              <a:buChar char="o"/>
+            </a:pPr>
+            <a:r>
+              <a:rPr lang="pt-BR" dirty="0"/>
+              <a:t>caminho = </a:t>
+            </a:r>
+            <a:r>
+              <a:rPr lang="pt-BR" dirty="0" err="1"/>
+              <a:t>max</a:t>
+            </a:r>
+            <a:r>
+              <a:rPr lang="pt-BR" dirty="0"/>
+              <a:t>(</a:t>
+            </a:r>
+            <a:r>
+              <a:rPr lang="pt-BR" dirty="0" err="1"/>
+              <a:t>caminho,cam_int</a:t>
+            </a:r>
+            <a:r>
+              <a:rPr lang="pt-BR" dirty="0"/>
+              <a:t>)</a:t>
+            </a:r>
+          </a:p>
+          <a:p>
+            <a:pPr marL="342900" indent="-342900">
+              <a:buFont typeface="Courier New" panose="02070309020205020404" pitchFamily="49" charset="0"/>
+              <a:buChar char="o"/>
+            </a:pPr>
+            <a:r>
+              <a:rPr lang="pt-BR" dirty="0" err="1"/>
+              <a:t>cam_int</a:t>
+            </a:r>
+            <a:r>
+              <a:rPr lang="pt-BR" dirty="0"/>
+              <a:t> -= 1</a:t>
+            </a:r>
+            <a:endParaRPr lang="pt-BR" b="1" dirty="0"/>
+          </a:p>
+        </p:txBody>
+      </p:sp>
     </p:spTree>
     <p:extLst>
       <p:ext uri="{BB962C8B-B14F-4D97-AF65-F5344CB8AC3E}">
@@ -54305,7 +55744,7 @@
 </p:sld>
 </file>
 
-<file path=ppt/slides/slide54.xml><?xml version="1.0" encoding="utf-8"?>
+<file path=ppt/slides/slide55.xml><?xml version="1.0" encoding="utf-8"?>
 <p:sld xmlns:a="http://schemas.openxmlformats.org/drawingml/2006/main" xmlns:r="http://schemas.openxmlformats.org/officeDocument/2006/relationships" xmlns:p="http://schemas.openxmlformats.org/presentationml/2006/main">
   <p:cSld>
     <p:spTree>
@@ -54994,7 +56433,7 @@
           </a:prstGeom>
           <a:ln w="50800">
             <a:solidFill>
-              <a:srgbClr val="00B050"/>
+              <a:srgbClr val="0070C0"/>
             </a:solidFill>
             <a:headEnd type="triangle"/>
             <a:tailEnd type="none" w="lg" len="med"/>
@@ -55412,7 +56851,7 @@
           </a:prstGeom>
           <a:ln w="50800">
             <a:solidFill>
-              <a:srgbClr val="00B050"/>
+              <a:srgbClr val="0070C0"/>
             </a:solidFill>
             <a:headEnd type="triangle"/>
             <a:tailEnd type="none" w="lg" len="med"/>
@@ -55557,7 +56996,7 @@
           </a:prstGeom>
           <a:ln w="50800">
             <a:solidFill>
-              <a:srgbClr val="00B050"/>
+              <a:srgbClr val="0070C0"/>
             </a:solidFill>
             <a:headEnd type="triangle"/>
             <a:tailEnd type="none" w="lg" len="med"/>
@@ -55651,7 +57090,7 @@
           </a:prstGeom>
           <a:ln w="50800">
             <a:solidFill>
-              <a:srgbClr val="00B050"/>
+              <a:srgbClr val="0070C0"/>
             </a:solidFill>
             <a:headEnd type="triangle"/>
             <a:tailEnd type="none" w="lg" len="med"/>
@@ -56141,7 +57580,7 @@
 </p:sld>
 </file>
 
-<file path=ppt/slides/slide55.xml><?xml version="1.0" encoding="utf-8"?>
+<file path=ppt/slides/slide56.xml><?xml version="1.0" encoding="utf-8"?>
 <p:sld xmlns:a="http://schemas.openxmlformats.org/drawingml/2006/main" xmlns:r="http://schemas.openxmlformats.org/officeDocument/2006/relationships" xmlns:p="http://schemas.openxmlformats.org/presentationml/2006/main">
   <p:cSld>
     <p:spTree>
